--- a/NLP_project/NLP-news-classification-fake-real/presentation/NLP-news-classification-fake-real.pptx
+++ b/NLP_project/NLP-news-classification-fake-real/presentation/NLP-news-classification-fake-real.pptx
@@ -25,33 +25,35 @@
     <p:sldId id="273" r:id="rId23"/>
     <p:sldId id="274" r:id="rId24"/>
     <p:sldId id="275" r:id="rId25"/>
+    <p:sldId id="276" r:id="rId26"/>
+    <p:sldId id="277" r:id="rId27"/>
   </p:sldIdLst>
   <p:sldSz cx="18288000" cy="10287000"/>
   <p:notesSz cx="6858000" cy="9144000"/>
   <p:embeddedFontLst>
     <p:embeddedFont>
       <p:font typeface="DM Sans" charset="1" panose="00000000000000000000"/>
-      <p:regular r:id="rId26"/>
+      <p:regular r:id="rId28"/>
     </p:embeddedFont>
     <p:embeddedFont>
       <p:font typeface="DM Sans Bold" charset="1" panose="00000000000000000000"/>
-      <p:regular r:id="rId27"/>
+      <p:regular r:id="rId29"/>
     </p:embeddedFont>
     <p:embeddedFont>
       <p:font typeface="Canva Sans" charset="1" panose="020B0503030501040103"/>
-      <p:regular r:id="rId28"/>
+      <p:regular r:id="rId30"/>
     </p:embeddedFont>
     <p:embeddedFont>
       <p:font typeface="Aileron" charset="1" panose="00000500000000000000"/>
-      <p:regular r:id="rId29"/>
+      <p:regular r:id="rId31"/>
     </p:embeddedFont>
     <p:embeddedFont>
       <p:font typeface="Aileron Bold" charset="1" panose="00000800000000000000"/>
-      <p:regular r:id="rId30"/>
+      <p:regular r:id="rId32"/>
     </p:embeddedFont>
     <p:embeddedFont>
       <p:font typeface="Canva Sans Bold" charset="1" panose="020B0803030501040103"/>
-      <p:regular r:id="rId31"/>
+      <p:regular r:id="rId33"/>
     </p:embeddedFont>
   </p:embeddedFontLst>
   <p:defaultTextStyle>
@@ -3512,6 +3514,987 @@
 <file path=ppt/slides/slide10.xml><?xml version="1.0" encoding="utf-8"?>
 <p:sld xmlns:p="http://schemas.openxmlformats.org/presentationml/2006/main" xmlns:a="http://schemas.openxmlformats.org/drawingml/2006/main">
   <p:cSld>
+    <p:spTree>
+      <p:nvGrpSpPr>
+        <p:cNvPr id="1" name=""/>
+        <p:cNvGrpSpPr/>
+        <p:nvPr/>
+      </p:nvGrpSpPr>
+      <p:grpSpPr>
+        <a:xfrm>
+          <a:off x="0" y="0"/>
+          <a:ext cx="0" cy="0"/>
+          <a:chOff x="0" y="0"/>
+          <a:chExt cx="0" cy="0"/>
+        </a:xfrm>
+      </p:grpSpPr>
+      <p:grpSp>
+        <p:nvGrpSpPr>
+          <p:cNvPr name="Group 2" id="2"/>
+          <p:cNvGrpSpPr/>
+          <p:nvPr/>
+        </p:nvGrpSpPr>
+        <p:grpSpPr>
+          <a:xfrm rot="0">
+            <a:off x="-1572380" y="0"/>
+            <a:ext cx="20085923" cy="10287000"/>
+            <a:chOff x="0" y="0"/>
+            <a:chExt cx="5290120" cy="2709333"/>
+          </a:xfrm>
+        </p:grpSpPr>
+        <p:sp>
+          <p:nvSpPr>
+            <p:cNvPr name="Freeform 3" id="3"/>
+            <p:cNvSpPr/>
+            <p:nvPr/>
+          </p:nvSpPr>
+          <p:spPr>
+            <a:xfrm flipH="false" flipV="false" rot="0">
+              <a:off x="0" y="0"/>
+              <a:ext cx="5290119" cy="2709333"/>
+            </a:xfrm>
+            <a:custGeom>
+              <a:avLst/>
+              <a:gdLst/>
+              <a:ahLst/>
+              <a:cxnLst/>
+              <a:rect r="r" b="b" t="t" l="l"/>
+              <a:pathLst>
+                <a:path h="2709333" w="5290119">
+                  <a:moveTo>
+                    <a:pt x="0" y="0"/>
+                  </a:moveTo>
+                  <a:lnTo>
+                    <a:pt x="5290119" y="0"/>
+                  </a:lnTo>
+                  <a:lnTo>
+                    <a:pt x="5290119" y="2709333"/>
+                  </a:lnTo>
+                  <a:lnTo>
+                    <a:pt x="0" y="2709333"/>
+                  </a:lnTo>
+                  <a:close/>
+                </a:path>
+              </a:pathLst>
+            </a:custGeom>
+            <a:solidFill>
+              <a:srgbClr val="F4F8FD"/>
+            </a:solidFill>
+          </p:spPr>
+        </p:sp>
+        <p:sp>
+          <p:nvSpPr>
+            <p:cNvPr name="TextBox 4" id="4"/>
+            <p:cNvSpPr txBox="true"/>
+            <p:nvPr/>
+          </p:nvSpPr>
+          <p:spPr>
+            <a:xfrm>
+              <a:off x="0" y="-47625"/>
+              <a:ext cx="5290120" cy="2756958"/>
+            </a:xfrm>
+            <a:prstGeom prst="rect">
+              <a:avLst/>
+            </a:prstGeom>
+          </p:spPr>
+          <p:txBody>
+            <a:bodyPr anchor="ctr" rtlCol="false" tIns="50800" lIns="50800" bIns="50800" rIns="50800"/>
+            <a:lstStyle/>
+            <a:p>
+              <a:pPr algn="ctr">
+                <a:lnSpc>
+                  <a:spcPts val="3316"/>
+                </a:lnSpc>
+              </a:pPr>
+            </a:p>
+          </p:txBody>
+        </p:sp>
+      </p:grpSp>
+      <p:grpSp>
+        <p:nvGrpSpPr>
+          <p:cNvPr name="Group 5" id="5"/>
+          <p:cNvGrpSpPr/>
+          <p:nvPr/>
+        </p:nvGrpSpPr>
+        <p:grpSpPr>
+          <a:xfrm rot="0">
+            <a:off x="4599053" y="3938079"/>
+            <a:ext cx="9089893" cy="2410843"/>
+            <a:chOff x="0" y="0"/>
+            <a:chExt cx="3274466" cy="868462"/>
+          </a:xfrm>
+        </p:grpSpPr>
+        <p:sp>
+          <p:nvSpPr>
+            <p:cNvPr name="Freeform 6" id="6"/>
+            <p:cNvSpPr/>
+            <p:nvPr/>
+          </p:nvSpPr>
+          <p:spPr>
+            <a:xfrm flipH="false" flipV="false" rot="0">
+              <a:off x="0" y="0"/>
+              <a:ext cx="3274466" cy="868462"/>
+            </a:xfrm>
+            <a:custGeom>
+              <a:avLst/>
+              <a:gdLst/>
+              <a:ahLst/>
+              <a:cxnLst/>
+              <a:rect r="r" b="b" t="t" l="l"/>
+              <a:pathLst>
+                <a:path h="868462" w="3274466">
+                  <a:moveTo>
+                    <a:pt x="80060" y="0"/>
+                  </a:moveTo>
+                  <a:lnTo>
+                    <a:pt x="3194406" y="0"/>
+                  </a:lnTo>
+                  <a:cubicBezTo>
+                    <a:pt x="3238622" y="0"/>
+                    <a:pt x="3274466" y="35844"/>
+                    <a:pt x="3274466" y="80060"/>
+                  </a:cubicBezTo>
+                  <a:lnTo>
+                    <a:pt x="3274466" y="788401"/>
+                  </a:lnTo>
+                  <a:cubicBezTo>
+                    <a:pt x="3274466" y="832617"/>
+                    <a:pt x="3238622" y="868462"/>
+                    <a:pt x="3194406" y="868462"/>
+                  </a:cubicBezTo>
+                  <a:lnTo>
+                    <a:pt x="80060" y="868462"/>
+                  </a:lnTo>
+                  <a:cubicBezTo>
+                    <a:pt x="35844" y="868462"/>
+                    <a:pt x="0" y="832617"/>
+                    <a:pt x="0" y="788401"/>
+                  </a:cubicBezTo>
+                  <a:lnTo>
+                    <a:pt x="0" y="80060"/>
+                  </a:lnTo>
+                  <a:cubicBezTo>
+                    <a:pt x="0" y="35844"/>
+                    <a:pt x="35844" y="0"/>
+                    <a:pt x="80060" y="0"/>
+                  </a:cubicBezTo>
+                  <a:close/>
+                </a:path>
+              </a:pathLst>
+            </a:custGeom>
+            <a:solidFill>
+              <a:srgbClr val="000000">
+                <a:alpha val="0"/>
+              </a:srgbClr>
+            </a:solidFill>
+            <a:ln w="38100" cap="rnd">
+              <a:solidFill>
+                <a:srgbClr val="08316C"/>
+              </a:solidFill>
+              <a:prstDash val="solid"/>
+              <a:round/>
+            </a:ln>
+          </p:spPr>
+        </p:sp>
+        <p:sp>
+          <p:nvSpPr>
+            <p:cNvPr name="TextBox 7" id="7"/>
+            <p:cNvSpPr txBox="true"/>
+            <p:nvPr/>
+          </p:nvSpPr>
+          <p:spPr>
+            <a:xfrm>
+              <a:off x="0" y="-104775"/>
+              <a:ext cx="3274466" cy="973237"/>
+            </a:xfrm>
+            <a:prstGeom prst="rect">
+              <a:avLst/>
+            </a:prstGeom>
+          </p:spPr>
+          <p:txBody>
+            <a:bodyPr anchor="ctr" rtlCol="false" tIns="50800" lIns="50800" bIns="50800" rIns="50800"/>
+            <a:lstStyle/>
+            <a:p>
+              <a:pPr algn="ctr">
+                <a:lnSpc>
+                  <a:spcPts val="7559"/>
+                </a:lnSpc>
+              </a:pPr>
+              <a:r>
+                <a:rPr lang="en-US" sz="5399" b="true">
+                  <a:solidFill>
+                    <a:srgbClr val="08316C"/>
+                  </a:solidFill>
+                  <a:latin typeface="DM Sans Bold"/>
+                  <a:ea typeface="DM Sans Bold"/>
+                  <a:cs typeface="DM Sans Bold"/>
+                  <a:sym typeface="DM Sans Bold"/>
+                </a:rPr>
+                <a:t>Model Training &amp; Evaluation:</a:t>
+              </a:r>
+            </a:p>
+          </p:txBody>
+        </p:sp>
+      </p:grpSp>
+      <p:grpSp>
+        <p:nvGrpSpPr>
+          <p:cNvPr name="Group 8" id="8"/>
+          <p:cNvGrpSpPr/>
+          <p:nvPr/>
+        </p:nvGrpSpPr>
+        <p:grpSpPr>
+          <a:xfrm rot="0">
+            <a:off x="-296413" y="0"/>
+            <a:ext cx="1861703" cy="12422130"/>
+            <a:chOff x="0" y="0"/>
+            <a:chExt cx="490325" cy="3271672"/>
+          </a:xfrm>
+        </p:grpSpPr>
+        <p:sp>
+          <p:nvSpPr>
+            <p:cNvPr name="Freeform 9" id="9"/>
+            <p:cNvSpPr/>
+            <p:nvPr/>
+          </p:nvSpPr>
+          <p:spPr>
+            <a:xfrm flipH="false" flipV="false" rot="0">
+              <a:off x="0" y="0"/>
+              <a:ext cx="490325" cy="3271672"/>
+            </a:xfrm>
+            <a:custGeom>
+              <a:avLst/>
+              <a:gdLst/>
+              <a:ahLst/>
+              <a:cxnLst/>
+              <a:rect r="r" b="b" t="t" l="l"/>
+              <a:pathLst>
+                <a:path h="3271672" w="490325">
+                  <a:moveTo>
+                    <a:pt x="0" y="0"/>
+                  </a:moveTo>
+                  <a:lnTo>
+                    <a:pt x="490325" y="0"/>
+                  </a:lnTo>
+                  <a:lnTo>
+                    <a:pt x="490325" y="3271672"/>
+                  </a:lnTo>
+                  <a:lnTo>
+                    <a:pt x="0" y="3271672"/>
+                  </a:lnTo>
+                  <a:close/>
+                </a:path>
+              </a:pathLst>
+            </a:custGeom>
+            <a:solidFill>
+              <a:srgbClr val="08316C"/>
+            </a:solidFill>
+          </p:spPr>
+        </p:sp>
+        <p:sp>
+          <p:nvSpPr>
+            <p:cNvPr name="TextBox 10" id="10"/>
+            <p:cNvSpPr txBox="true"/>
+            <p:nvPr/>
+          </p:nvSpPr>
+          <p:spPr>
+            <a:xfrm>
+              <a:off x="0" y="-47625"/>
+              <a:ext cx="490325" cy="3319297"/>
+            </a:xfrm>
+            <a:prstGeom prst="rect">
+              <a:avLst/>
+            </a:prstGeom>
+          </p:spPr>
+          <p:txBody>
+            <a:bodyPr anchor="ctr" rtlCol="false" tIns="50800" lIns="50800" bIns="50800" rIns="50800"/>
+            <a:lstStyle/>
+            <a:p>
+              <a:pPr algn="ctr">
+                <a:lnSpc>
+                  <a:spcPts val="3316"/>
+                </a:lnSpc>
+              </a:pPr>
+            </a:p>
+          </p:txBody>
+        </p:sp>
+      </p:grpSp>
+      <p:grpSp>
+        <p:nvGrpSpPr>
+          <p:cNvPr name="Group 11" id="11"/>
+          <p:cNvGrpSpPr/>
+          <p:nvPr/>
+        </p:nvGrpSpPr>
+        <p:grpSpPr>
+          <a:xfrm rot="0">
+            <a:off x="1565290" y="0"/>
+            <a:ext cx="453646" cy="12422130"/>
+            <a:chOff x="0" y="0"/>
+            <a:chExt cx="119479" cy="3271672"/>
+          </a:xfrm>
+        </p:grpSpPr>
+        <p:sp>
+          <p:nvSpPr>
+            <p:cNvPr name="Freeform 12" id="12"/>
+            <p:cNvSpPr/>
+            <p:nvPr/>
+          </p:nvSpPr>
+          <p:spPr>
+            <a:xfrm flipH="false" flipV="false" rot="0">
+              <a:off x="0" y="0"/>
+              <a:ext cx="119479" cy="3271672"/>
+            </a:xfrm>
+            <a:custGeom>
+              <a:avLst/>
+              <a:gdLst/>
+              <a:ahLst/>
+              <a:cxnLst/>
+              <a:rect r="r" b="b" t="t" l="l"/>
+              <a:pathLst>
+                <a:path h="3271672" w="119479">
+                  <a:moveTo>
+                    <a:pt x="0" y="0"/>
+                  </a:moveTo>
+                  <a:lnTo>
+                    <a:pt x="119479" y="0"/>
+                  </a:lnTo>
+                  <a:lnTo>
+                    <a:pt x="119479" y="3271672"/>
+                  </a:lnTo>
+                  <a:lnTo>
+                    <a:pt x="0" y="3271672"/>
+                  </a:lnTo>
+                  <a:close/>
+                </a:path>
+              </a:pathLst>
+            </a:custGeom>
+            <a:solidFill>
+              <a:srgbClr val="739DC3"/>
+            </a:solidFill>
+          </p:spPr>
+        </p:sp>
+        <p:sp>
+          <p:nvSpPr>
+            <p:cNvPr name="TextBox 13" id="13"/>
+            <p:cNvSpPr txBox="true"/>
+            <p:nvPr/>
+          </p:nvSpPr>
+          <p:spPr>
+            <a:xfrm>
+              <a:off x="0" y="-47625"/>
+              <a:ext cx="119479" cy="3319297"/>
+            </a:xfrm>
+            <a:prstGeom prst="rect">
+              <a:avLst/>
+            </a:prstGeom>
+          </p:spPr>
+          <p:txBody>
+            <a:bodyPr anchor="ctr" rtlCol="false" tIns="50800" lIns="50800" bIns="50800" rIns="50800"/>
+            <a:lstStyle/>
+            <a:p>
+              <a:pPr algn="ctr">
+                <a:lnSpc>
+                  <a:spcPts val="3316"/>
+                </a:lnSpc>
+              </a:pPr>
+            </a:p>
+          </p:txBody>
+        </p:sp>
+      </p:grpSp>
+    </p:spTree>
+  </p:cSld>
+  <p:clrMapOvr>
+    <a:masterClrMapping/>
+  </p:clrMapOvr>
+</p:sld>
+</file>
+
+<file path=ppt/slides/slide11.xml><?xml version="1.0" encoding="utf-8"?>
+<p:sld xmlns:p="http://schemas.openxmlformats.org/presentationml/2006/main" xmlns:a="http://schemas.openxmlformats.org/drawingml/2006/main">
+  <p:cSld>
+    <p:bg>
+      <p:bgPr>
+        <a:solidFill>
+          <a:srgbClr val="F4F8FD"/>
+        </a:solidFill>
+      </p:bgPr>
+    </p:bg>
+    <p:spTree>
+      <p:nvGrpSpPr>
+        <p:cNvPr id="1" name=""/>
+        <p:cNvGrpSpPr/>
+        <p:nvPr/>
+      </p:nvGrpSpPr>
+      <p:grpSpPr>
+        <a:xfrm>
+          <a:off x="0" y="0"/>
+          <a:ext cx="0" cy="0"/>
+          <a:chOff x="0" y="0"/>
+          <a:chExt cx="0" cy="0"/>
+        </a:xfrm>
+      </p:grpSpPr>
+      <p:graphicFrame>
+        <p:nvGraphicFramePr>
+          <p:cNvPr name="Table 2" id="2"/>
+          <p:cNvGraphicFramePr>
+            <a:graphicFrameLocks noGrp="true"/>
+          </p:cNvGraphicFramePr>
+          <p:nvPr/>
+        </p:nvGraphicFramePr>
+        <p:xfrm>
+          <a:off x="1028700" y="4503674"/>
+          <a:ext cx="16230600" cy="1279653"/>
+        </p:xfrm>
+        <a:graphic>
+          <a:graphicData uri="http://schemas.openxmlformats.org/drawingml/2006/table">
+            <a:tbl>
+              <a:tblPr/>
+              <a:tblGrid>
+                <a:gridCol w="4057650"/>
+                <a:gridCol w="4057650"/>
+                <a:gridCol w="4057650"/>
+                <a:gridCol w="4057650"/>
+              </a:tblGrid>
+              <a:tr h="1279653">
+                <a:tc>
+                  <a:txBody>
+                    <a:bodyPr anchor="t" rtlCol="false"/>
+                    <a:lstStyle/>
+                    <a:p>
+                      <a:pPr algn="ctr">
+                        <a:lnSpc>
+                          <a:spcPts val="3120"/>
+                        </a:lnSpc>
+                        <a:defRPr/>
+                      </a:pPr>
+                      <a:r>
+                        <a:rPr lang="en-US" b="true" sz="2400">
+                          <a:solidFill>
+                            <a:srgbClr val="FFFFFF"/>
+                          </a:solidFill>
+                          <a:latin typeface="Aileron Bold"/>
+                          <a:ea typeface="Aileron Bold"/>
+                          <a:cs typeface="Aileron Bold"/>
+                          <a:sym typeface="Aileron Bold"/>
+                        </a:rPr>
+                        <a:t>LOGISTIC REGRESSION</a:t>
+                      </a:r>
+                      <a:endParaRPr lang="en-US" sz="1100"/>
+                    </a:p>
+                  </a:txBody>
+                  <a:tcPr marL="171450" marR="171450" marT="171450" marB="171450" anchor="ctr">
+                    <a:lnL cmpd="sng" algn="ctr" cap="flat" w="38100">
+                      <a:solidFill>
+                        <a:srgbClr val="EDF0F2"/>
+                      </a:solidFill>
+                      <a:prstDash val="solid"/>
+                      <a:round/>
+                      <a:headEnd type="none" w="med" len="med"/>
+                      <a:tailEnd type="none" w="med" len="med"/>
+                    </a:lnL>
+                    <a:lnR cmpd="sng" algn="ctr" cap="flat" w="38100">
+                      <a:solidFill>
+                        <a:srgbClr val="EDF0F2"/>
+                      </a:solidFill>
+                      <a:prstDash val="solid"/>
+                      <a:round/>
+                      <a:headEnd type="none" w="med" len="med"/>
+                      <a:tailEnd type="none" w="med" len="med"/>
+                    </a:lnR>
+                    <a:lnT cmpd="sng" algn="ctr" cap="flat" w="38100">
+                      <a:solidFill>
+                        <a:srgbClr val="EDF0F2"/>
+                      </a:solidFill>
+                      <a:prstDash val="solid"/>
+                      <a:round/>
+                      <a:headEnd type="none" w="med" len="med"/>
+                      <a:tailEnd type="none" w="med" len="med"/>
+                    </a:lnT>
+                    <a:lnB cmpd="sng" algn="ctr" cap="flat" w="38100">
+                      <a:solidFill>
+                        <a:srgbClr val="EDF0F2"/>
+                      </a:solidFill>
+                      <a:prstDash val="solid"/>
+                      <a:round/>
+                      <a:headEnd type="none" w="med" len="med"/>
+                      <a:tailEnd type="none" w="med" len="med"/>
+                    </a:lnB>
+                    <a:solidFill>
+                      <a:srgbClr val="08316C"/>
+                    </a:solidFill>
+                  </a:tcPr>
+                </a:tc>
+                <a:tc>
+                  <a:txBody>
+                    <a:bodyPr anchor="t" rtlCol="false"/>
+                    <a:lstStyle/>
+                    <a:p>
+                      <a:pPr algn="ctr">
+                        <a:lnSpc>
+                          <a:spcPts val="3120"/>
+                        </a:lnSpc>
+                        <a:defRPr/>
+                      </a:pPr>
+                      <a:r>
+                        <a:rPr lang="en-US" b="true" sz="2400">
+                          <a:solidFill>
+                            <a:srgbClr val="FFFFFF"/>
+                          </a:solidFill>
+                          <a:latin typeface="Aileron Bold"/>
+                          <a:ea typeface="Aileron Bold"/>
+                          <a:cs typeface="Aileron Bold"/>
+                          <a:sym typeface="Aileron Bold"/>
+                        </a:rPr>
+                        <a:t>NAÏVE BAYES</a:t>
+                      </a:r>
+                      <a:endParaRPr lang="en-US" sz="1100"/>
+                    </a:p>
+                  </a:txBody>
+                  <a:tcPr marL="171450" marR="171450" marT="171450" marB="171450" anchor="ctr">
+                    <a:lnL cmpd="sng" algn="ctr" cap="flat" w="38100">
+                      <a:solidFill>
+                        <a:srgbClr val="EDF0F2"/>
+                      </a:solidFill>
+                      <a:prstDash val="solid"/>
+                      <a:round/>
+                      <a:headEnd type="none" w="med" len="med"/>
+                      <a:tailEnd type="none" w="med" len="med"/>
+                    </a:lnL>
+                    <a:lnR cmpd="sng" algn="ctr" cap="flat" w="38100">
+                      <a:solidFill>
+                        <a:srgbClr val="EDF0F2"/>
+                      </a:solidFill>
+                      <a:prstDash val="solid"/>
+                      <a:round/>
+                      <a:headEnd type="none" w="med" len="med"/>
+                      <a:tailEnd type="none" w="med" len="med"/>
+                    </a:lnR>
+                    <a:lnT cmpd="sng" algn="ctr" cap="flat" w="38100">
+                      <a:solidFill>
+                        <a:srgbClr val="EDF0F2"/>
+                      </a:solidFill>
+                      <a:prstDash val="solid"/>
+                      <a:round/>
+                      <a:headEnd type="none" w="med" len="med"/>
+                      <a:tailEnd type="none" w="med" len="med"/>
+                    </a:lnT>
+                    <a:lnB cmpd="sng" algn="ctr" cap="flat" w="38100">
+                      <a:solidFill>
+                        <a:srgbClr val="EDF0F2"/>
+                      </a:solidFill>
+                      <a:prstDash val="solid"/>
+                      <a:round/>
+                      <a:headEnd type="none" w="med" len="med"/>
+                      <a:tailEnd type="none" w="med" len="med"/>
+                    </a:lnB>
+                    <a:solidFill>
+                      <a:srgbClr val="739DC3"/>
+                    </a:solidFill>
+                  </a:tcPr>
+                </a:tc>
+                <a:tc>
+                  <a:txBody>
+                    <a:bodyPr anchor="t" rtlCol="false"/>
+                    <a:lstStyle/>
+                    <a:p>
+                      <a:pPr algn="ctr">
+                        <a:lnSpc>
+                          <a:spcPts val="3120"/>
+                        </a:lnSpc>
+                        <a:defRPr/>
+                      </a:pPr>
+                      <a:r>
+                        <a:rPr lang="en-US" b="true" sz="2400">
+                          <a:solidFill>
+                            <a:srgbClr val="FFFFFF"/>
+                          </a:solidFill>
+                          <a:latin typeface="Aileron Bold"/>
+                          <a:ea typeface="Aileron Bold"/>
+                          <a:cs typeface="Aileron Bold"/>
+                          <a:sym typeface="Aileron Bold"/>
+                        </a:rPr>
+                        <a:t>RANDOM FOREST</a:t>
+                      </a:r>
+                      <a:endParaRPr lang="en-US" sz="1100"/>
+                    </a:p>
+                  </a:txBody>
+                  <a:tcPr marL="171450" marR="171450" marT="171450" marB="171450" anchor="ctr">
+                    <a:lnL cmpd="sng" algn="ctr" cap="flat" w="38100">
+                      <a:solidFill>
+                        <a:srgbClr val="EDF0F2"/>
+                      </a:solidFill>
+                      <a:prstDash val="solid"/>
+                      <a:round/>
+                      <a:headEnd type="none" w="med" len="med"/>
+                      <a:tailEnd type="none" w="med" len="med"/>
+                    </a:lnL>
+                    <a:lnR cmpd="sng" algn="ctr" cap="flat" w="38100">
+                      <a:solidFill>
+                        <a:srgbClr val="EDF0F2"/>
+                      </a:solidFill>
+                      <a:prstDash val="solid"/>
+                      <a:round/>
+                      <a:headEnd type="none" w="med" len="med"/>
+                      <a:tailEnd type="none" w="med" len="med"/>
+                    </a:lnR>
+                    <a:lnT cmpd="sng" algn="ctr" cap="flat" w="38100">
+                      <a:solidFill>
+                        <a:srgbClr val="EDF0F2"/>
+                      </a:solidFill>
+                      <a:prstDash val="solid"/>
+                      <a:round/>
+                      <a:headEnd type="none" w="med" len="med"/>
+                      <a:tailEnd type="none" w="med" len="med"/>
+                    </a:lnT>
+                    <a:lnB cmpd="sng" algn="ctr" cap="flat" w="38100">
+                      <a:solidFill>
+                        <a:srgbClr val="EDF0F2"/>
+                      </a:solidFill>
+                      <a:prstDash val="solid"/>
+                      <a:round/>
+                      <a:headEnd type="none" w="med" len="med"/>
+                      <a:tailEnd type="none" w="med" len="med"/>
+                    </a:lnB>
+                    <a:solidFill>
+                      <a:srgbClr val="878787"/>
+                    </a:solidFill>
+                  </a:tcPr>
+                </a:tc>
+                <a:tc>
+                  <a:txBody>
+                    <a:bodyPr anchor="t" rtlCol="false"/>
+                    <a:lstStyle/>
+                    <a:p>
+                      <a:pPr algn="ctr">
+                        <a:lnSpc>
+                          <a:spcPts val="3120"/>
+                        </a:lnSpc>
+                        <a:defRPr/>
+                      </a:pPr>
+                      <a:r>
+                        <a:rPr lang="en-US" b="true" sz="2400">
+                          <a:solidFill>
+                            <a:srgbClr val="FFFFFF"/>
+                          </a:solidFill>
+                          <a:latin typeface="Aileron Bold"/>
+                          <a:ea typeface="Aileron Bold"/>
+                          <a:cs typeface="Aileron Bold"/>
+                          <a:sym typeface="Aileron Bold"/>
+                        </a:rPr>
+                        <a:t>SUPPORT VECTOR MACHINE (SVM)</a:t>
+                      </a:r>
+                      <a:endParaRPr lang="en-US" sz="1100"/>
+                    </a:p>
+                  </a:txBody>
+                  <a:tcPr marL="171450" marR="171450" marT="171450" marB="171450" anchor="ctr">
+                    <a:lnL cmpd="sng" algn="ctr" cap="flat" w="38100">
+                      <a:solidFill>
+                        <a:srgbClr val="EDF0F2"/>
+                      </a:solidFill>
+                      <a:prstDash val="solid"/>
+                      <a:round/>
+                      <a:headEnd type="none" w="med" len="med"/>
+                      <a:tailEnd type="none" w="med" len="med"/>
+                    </a:lnL>
+                    <a:lnR cmpd="sng" algn="ctr" cap="flat" w="38100">
+                      <a:solidFill>
+                        <a:srgbClr val="EDF0F2"/>
+                      </a:solidFill>
+                      <a:prstDash val="solid"/>
+                      <a:round/>
+                      <a:headEnd type="none" w="med" len="med"/>
+                      <a:tailEnd type="none" w="med" len="med"/>
+                    </a:lnR>
+                    <a:lnT cmpd="sng" algn="ctr" cap="flat" w="38100">
+                      <a:solidFill>
+                        <a:srgbClr val="EDF0F2"/>
+                      </a:solidFill>
+                      <a:prstDash val="solid"/>
+                      <a:round/>
+                      <a:headEnd type="none" w="med" len="med"/>
+                      <a:tailEnd type="none" w="med" len="med"/>
+                    </a:lnT>
+                    <a:lnB cmpd="sng" algn="ctr" cap="flat" w="38100">
+                      <a:solidFill>
+                        <a:srgbClr val="EDF0F2"/>
+                      </a:solidFill>
+                      <a:prstDash val="solid"/>
+                      <a:round/>
+                      <a:headEnd type="none" w="med" len="med"/>
+                      <a:tailEnd type="none" w="med" len="med"/>
+                    </a:lnB>
+                    <a:solidFill>
+                      <a:srgbClr val="08316C"/>
+                    </a:solidFill>
+                  </a:tcPr>
+                </a:tc>
+              </a:tr>
+            </a:tbl>
+          </a:graphicData>
+        </a:graphic>
+      </p:graphicFrame>
+      <p:grpSp>
+        <p:nvGrpSpPr>
+          <p:cNvPr name="Group 3" id="3"/>
+          <p:cNvGrpSpPr/>
+          <p:nvPr/>
+        </p:nvGrpSpPr>
+        <p:grpSpPr>
+          <a:xfrm rot="0">
+            <a:off x="0" y="-741914"/>
+            <a:ext cx="18739086" cy="3171792"/>
+            <a:chOff x="0" y="0"/>
+            <a:chExt cx="4935397" cy="835369"/>
+          </a:xfrm>
+        </p:grpSpPr>
+        <p:sp>
+          <p:nvSpPr>
+            <p:cNvPr name="Freeform 4" id="4"/>
+            <p:cNvSpPr/>
+            <p:nvPr/>
+          </p:nvSpPr>
+          <p:spPr>
+            <a:xfrm flipH="false" flipV="false" rot="0">
+              <a:off x="0" y="0"/>
+              <a:ext cx="4935397" cy="835369"/>
+            </a:xfrm>
+            <a:custGeom>
+              <a:avLst/>
+              <a:gdLst/>
+              <a:ahLst/>
+              <a:cxnLst/>
+              <a:rect r="r" b="b" t="t" l="l"/>
+              <a:pathLst>
+                <a:path h="835369" w="4935397">
+                  <a:moveTo>
+                    <a:pt x="0" y="0"/>
+                  </a:moveTo>
+                  <a:lnTo>
+                    <a:pt x="4935397" y="0"/>
+                  </a:lnTo>
+                  <a:lnTo>
+                    <a:pt x="4935397" y="835369"/>
+                  </a:lnTo>
+                  <a:lnTo>
+                    <a:pt x="0" y="835369"/>
+                  </a:lnTo>
+                  <a:close/>
+                </a:path>
+              </a:pathLst>
+            </a:custGeom>
+            <a:solidFill>
+              <a:srgbClr val="FFFFFF"/>
+            </a:solidFill>
+          </p:spPr>
+        </p:sp>
+        <p:sp>
+          <p:nvSpPr>
+            <p:cNvPr name="TextBox 5" id="5"/>
+            <p:cNvSpPr txBox="true"/>
+            <p:nvPr/>
+          </p:nvSpPr>
+          <p:spPr>
+            <a:xfrm>
+              <a:off x="0" y="-47625"/>
+              <a:ext cx="4935397" cy="882994"/>
+            </a:xfrm>
+            <a:prstGeom prst="rect">
+              <a:avLst/>
+            </a:prstGeom>
+          </p:spPr>
+          <p:txBody>
+            <a:bodyPr anchor="ctr" rtlCol="false" tIns="50800" lIns="50800" bIns="50800" rIns="50800"/>
+            <a:lstStyle/>
+            <a:p>
+              <a:pPr algn="ctr">
+                <a:lnSpc>
+                  <a:spcPts val="3316"/>
+                </a:lnSpc>
+              </a:pPr>
+            </a:p>
+          </p:txBody>
+        </p:sp>
+      </p:grpSp>
+      <p:grpSp>
+        <p:nvGrpSpPr>
+          <p:cNvPr name="Group 6" id="6"/>
+          <p:cNvGrpSpPr/>
+          <p:nvPr/>
+        </p:nvGrpSpPr>
+        <p:grpSpPr>
+          <a:xfrm rot="0">
+            <a:off x="554768" y="843981"/>
+            <a:ext cx="6873162" cy="1107118"/>
+            <a:chOff x="0" y="0"/>
+            <a:chExt cx="2475930" cy="398819"/>
+          </a:xfrm>
+        </p:grpSpPr>
+        <p:sp>
+          <p:nvSpPr>
+            <p:cNvPr name="Freeform 7" id="7"/>
+            <p:cNvSpPr/>
+            <p:nvPr/>
+          </p:nvSpPr>
+          <p:spPr>
+            <a:xfrm flipH="false" flipV="false" rot="0">
+              <a:off x="0" y="0"/>
+              <a:ext cx="2475930" cy="398819"/>
+            </a:xfrm>
+            <a:custGeom>
+              <a:avLst/>
+              <a:gdLst/>
+              <a:ahLst/>
+              <a:cxnLst/>
+              <a:rect r="r" b="b" t="t" l="l"/>
+              <a:pathLst>
+                <a:path h="398819" w="2475930">
+                  <a:moveTo>
+                    <a:pt x="105881" y="0"/>
+                  </a:moveTo>
+                  <a:lnTo>
+                    <a:pt x="2370049" y="0"/>
+                  </a:lnTo>
+                  <a:cubicBezTo>
+                    <a:pt x="2398130" y="0"/>
+                    <a:pt x="2425061" y="11155"/>
+                    <a:pt x="2444918" y="31012"/>
+                  </a:cubicBezTo>
+                  <a:cubicBezTo>
+                    <a:pt x="2464775" y="50869"/>
+                    <a:pt x="2475930" y="77800"/>
+                    <a:pt x="2475930" y="105881"/>
+                  </a:cubicBezTo>
+                  <a:lnTo>
+                    <a:pt x="2475930" y="292937"/>
+                  </a:lnTo>
+                  <a:cubicBezTo>
+                    <a:pt x="2475930" y="321019"/>
+                    <a:pt x="2464775" y="347950"/>
+                    <a:pt x="2444918" y="367807"/>
+                  </a:cubicBezTo>
+                  <a:cubicBezTo>
+                    <a:pt x="2425061" y="387663"/>
+                    <a:pt x="2398130" y="398819"/>
+                    <a:pt x="2370049" y="398819"/>
+                  </a:cubicBezTo>
+                  <a:lnTo>
+                    <a:pt x="105881" y="398819"/>
+                  </a:lnTo>
+                  <a:cubicBezTo>
+                    <a:pt x="77800" y="398819"/>
+                    <a:pt x="50869" y="387663"/>
+                    <a:pt x="31012" y="367807"/>
+                  </a:cubicBezTo>
+                  <a:cubicBezTo>
+                    <a:pt x="11155" y="347950"/>
+                    <a:pt x="0" y="321019"/>
+                    <a:pt x="0" y="292937"/>
+                  </a:cubicBezTo>
+                  <a:lnTo>
+                    <a:pt x="0" y="105881"/>
+                  </a:lnTo>
+                  <a:cubicBezTo>
+                    <a:pt x="0" y="77800"/>
+                    <a:pt x="11155" y="50869"/>
+                    <a:pt x="31012" y="31012"/>
+                  </a:cubicBezTo>
+                  <a:cubicBezTo>
+                    <a:pt x="50869" y="11155"/>
+                    <a:pt x="77800" y="0"/>
+                    <a:pt x="105881" y="0"/>
+                  </a:cubicBezTo>
+                  <a:close/>
+                </a:path>
+              </a:pathLst>
+            </a:custGeom>
+            <a:solidFill>
+              <a:srgbClr val="000000">
+                <a:alpha val="0"/>
+              </a:srgbClr>
+            </a:solidFill>
+            <a:ln w="38100" cap="rnd">
+              <a:solidFill>
+                <a:srgbClr val="08316C"/>
+              </a:solidFill>
+              <a:prstDash val="solid"/>
+              <a:round/>
+            </a:ln>
+          </p:spPr>
+        </p:sp>
+        <p:sp>
+          <p:nvSpPr>
+            <p:cNvPr name="TextBox 8" id="8"/>
+            <p:cNvSpPr txBox="true"/>
+            <p:nvPr/>
+          </p:nvSpPr>
+          <p:spPr>
+            <a:xfrm>
+              <a:off x="0" y="-95250"/>
+              <a:ext cx="2475930" cy="494069"/>
+            </a:xfrm>
+            <a:prstGeom prst="rect">
+              <a:avLst/>
+            </a:prstGeom>
+          </p:spPr>
+          <p:txBody>
+            <a:bodyPr anchor="ctr" rtlCol="false" tIns="50800" lIns="50800" bIns="50800" rIns="50800"/>
+            <a:lstStyle/>
+            <a:p>
+              <a:pPr algn="ctr">
+                <a:lnSpc>
+                  <a:spcPts val="6719"/>
+                </a:lnSpc>
+              </a:pPr>
+              <a:r>
+                <a:rPr lang="en-US" sz="4800" b="true">
+                  <a:solidFill>
+                    <a:srgbClr val="08316C"/>
+                  </a:solidFill>
+                  <a:latin typeface="DM Sans Bold"/>
+                  <a:ea typeface="DM Sans Bold"/>
+                  <a:cs typeface="DM Sans Bold"/>
+                  <a:sym typeface="DM Sans Bold"/>
+                </a:rPr>
+                <a:t>The models we used:</a:t>
+              </a:r>
+            </a:p>
+          </p:txBody>
+        </p:sp>
+      </p:grpSp>
+      <p:sp>
+        <p:nvSpPr>
+          <p:cNvPr name="AutoShape 9" id="9"/>
+          <p:cNvSpPr/>
+          <p:nvPr/>
+        </p:nvSpPr>
+        <p:spPr>
+          <a:xfrm flipV="true">
+            <a:off x="-254686" y="2391777"/>
+            <a:ext cx="18797372" cy="19050"/>
+          </a:xfrm>
+          <a:prstGeom prst="line">
+            <a:avLst/>
+          </a:prstGeom>
+          <a:ln cap="flat" w="38100">
+            <a:solidFill>
+              <a:srgbClr val="08316C"/>
+            </a:solidFill>
+            <a:prstDash val="solid"/>
+            <a:headEnd type="none" len="sm" w="sm"/>
+            <a:tailEnd type="none" len="sm" w="sm"/>
+          </a:ln>
+        </p:spPr>
+      </p:sp>
+    </p:spTree>
+  </p:cSld>
+  <p:clrMapOvr>
+    <a:masterClrMapping/>
+  </p:clrMapOvr>
+</p:sld>
+</file>
+
+<file path=ppt/slides/slide12.xml><?xml version="1.0" encoding="utf-8"?>
+<p:sld xmlns:p="http://schemas.openxmlformats.org/presentationml/2006/main" xmlns:a="http://schemas.openxmlformats.org/drawingml/2006/main">
+  <p:cSld>
     <p:bg>
       <p:bgPr>
         <a:solidFill>
@@ -4006,7 +4989,7 @@
                   <a:tcPr marL="190500" marR="190500" marT="190500" marB="190500" anchor="ctr">
                     <a:lnL cmpd="sng" algn="ctr" cap="flat" w="38100">
                       <a:solidFill>
-                        <a:srgbClr val="35A1F4"/>
+                        <a:srgbClr val="696869"/>
                       </a:solidFill>
                       <a:prstDash val="solid"/>
                       <a:round/>
@@ -4015,7 +4998,7 @@
                     </a:lnL>
                     <a:lnR cmpd="sng" algn="ctr" cap="flat" w="38100">
                       <a:solidFill>
-                        <a:srgbClr val="35A1F4"/>
+                        <a:srgbClr val="696869"/>
                       </a:solidFill>
                       <a:prstDash val="solid"/>
                       <a:round/>
@@ -4024,7 +5007,7 @@
                     </a:lnR>
                     <a:lnT cmpd="sng" algn="ctr" cap="flat" w="38100">
                       <a:solidFill>
-                        <a:srgbClr val="35A1F4"/>
+                        <a:srgbClr val="696869"/>
                       </a:solidFill>
                       <a:prstDash val="solid"/>
                       <a:round/>
@@ -4033,7 +5016,7 @@
                     </a:lnT>
                     <a:lnB cmpd="sng" algn="ctr" cap="flat" w="38100">
                       <a:solidFill>
-                        <a:srgbClr val="35A1F4"/>
+                        <a:srgbClr val="696869"/>
                       </a:solidFill>
                       <a:prstDash val="solid"/>
                       <a:round/>
@@ -6345,7 +7328,7 @@
 </p:sld>
 </file>
 
-<file path=ppt/slides/slide11.xml><?xml version="1.0" encoding="utf-8"?>
+<file path=ppt/slides/slide13.xml><?xml version="1.0" encoding="utf-8"?>
 <p:sld xmlns:p="http://schemas.openxmlformats.org/presentationml/2006/main" xmlns:a="http://schemas.openxmlformats.org/drawingml/2006/main" xmlns:r="http://schemas.openxmlformats.org/officeDocument/2006/relationships">
   <p:cSld>
     <p:spTree>
@@ -6648,7 +7631,7 @@
 </p:sld>
 </file>
 
-<file path=ppt/slides/slide12.xml><?xml version="1.0" encoding="utf-8"?>
+<file path=ppt/slides/slide14.xml><?xml version="1.0" encoding="utf-8"?>
 <p:sld xmlns:p="http://schemas.openxmlformats.org/presentationml/2006/main" xmlns:a="http://schemas.openxmlformats.org/drawingml/2006/main" xmlns:r="http://schemas.openxmlformats.org/officeDocument/2006/relationships">
   <p:cSld>
     <p:spTree>
@@ -7154,7 +8137,7 @@
 </p:sld>
 </file>
 
-<file path=ppt/slides/slide13.xml><?xml version="1.0" encoding="utf-8"?>
+<file path=ppt/slides/slide15.xml><?xml version="1.0" encoding="utf-8"?>
 <p:sld xmlns:p="http://schemas.openxmlformats.org/presentationml/2006/main" xmlns:a="http://schemas.openxmlformats.org/drawingml/2006/main" xmlns:r="http://schemas.openxmlformats.org/officeDocument/2006/relationships">
   <p:cSld>
     <p:spTree>
@@ -7660,7 +8643,7 @@
 </p:sld>
 </file>
 
-<file path=ppt/slides/slide14.xml><?xml version="1.0" encoding="utf-8"?>
+<file path=ppt/slides/slide16.xml><?xml version="1.0" encoding="utf-8"?>
 <p:sld xmlns:p="http://schemas.openxmlformats.org/presentationml/2006/main" xmlns:a="http://schemas.openxmlformats.org/drawingml/2006/main" xmlns:r="http://schemas.openxmlformats.org/officeDocument/2006/relationships">
   <p:cSld>
     <p:spTree>
@@ -8036,7 +9019,7 @@
 </p:sld>
 </file>
 
-<file path=ppt/slides/slide15.xml><?xml version="1.0" encoding="utf-8"?>
+<file path=ppt/slides/slide17.xml><?xml version="1.0" encoding="utf-8"?>
 <p:sld xmlns:p="http://schemas.openxmlformats.org/presentationml/2006/main" xmlns:a="http://schemas.openxmlformats.org/drawingml/2006/main">
   <p:cSld>
     <p:spTree>
@@ -8433,7 +9416,7 @@
 </p:sld>
 </file>
 
-<file path=ppt/slides/slide16.xml><?xml version="1.0" encoding="utf-8"?>
+<file path=ppt/slides/slide18.xml><?xml version="1.0" encoding="utf-8"?>
 <p:sld xmlns:p="http://schemas.openxmlformats.org/presentationml/2006/main" xmlns:a="http://schemas.openxmlformats.org/drawingml/2006/main">
   <p:cSld>
     <p:spTree>
@@ -8945,7 +9928,7 @@
 </p:sld>
 </file>
 
-<file path=ppt/slides/slide17.xml><?xml version="1.0" encoding="utf-8"?>
+<file path=ppt/slides/slide19.xml><?xml version="1.0" encoding="utf-8"?>
 <p:sld xmlns:p="http://schemas.openxmlformats.org/presentationml/2006/main" xmlns:a="http://schemas.openxmlformats.org/drawingml/2006/main" xmlns:r="http://schemas.openxmlformats.org/officeDocument/2006/relationships">
   <p:cSld>
     <p:bg>
@@ -10486,1326 +11469,6 @@
 </p:sld>
 </file>
 
-<file path=ppt/slides/slide18.xml><?xml version="1.0" encoding="utf-8"?>
-<p:sld xmlns:p="http://schemas.openxmlformats.org/presentationml/2006/main" xmlns:a="http://schemas.openxmlformats.org/drawingml/2006/main" xmlns:r="http://schemas.openxmlformats.org/officeDocument/2006/relationships">
-  <p:cSld>
-    <p:bg>
-      <p:bgPr>
-        <a:solidFill>
-          <a:srgbClr val="F4F8FD"/>
-        </a:solidFill>
-      </p:bgPr>
-    </p:bg>
-    <p:spTree>
-      <p:nvGrpSpPr>
-        <p:cNvPr id="1" name=""/>
-        <p:cNvGrpSpPr/>
-        <p:nvPr/>
-      </p:nvGrpSpPr>
-      <p:grpSpPr>
-        <a:xfrm>
-          <a:off x="0" y="0"/>
-          <a:ext cx="0" cy="0"/>
-          <a:chOff x="0" y="0"/>
-          <a:chExt cx="0" cy="0"/>
-        </a:xfrm>
-      </p:grpSpPr>
-      <p:sp>
-        <p:nvSpPr>
-          <p:cNvPr name="Freeform 2" id="2"/>
-          <p:cNvSpPr/>
-          <p:nvPr/>
-        </p:nvSpPr>
-        <p:spPr>
-          <a:xfrm flipH="false" flipV="false" rot="0">
-            <a:off x="2439580" y="4344367"/>
-            <a:ext cx="6092938" cy="4019553"/>
-          </a:xfrm>
-          <a:custGeom>
-            <a:avLst/>
-            <a:gdLst/>
-            <a:ahLst/>
-            <a:cxnLst/>
-            <a:rect r="r" b="b" t="t" l="l"/>
-            <a:pathLst>
-              <a:path h="4019553" w="6092938">
-                <a:moveTo>
-                  <a:pt x="0" y="0"/>
-                </a:moveTo>
-                <a:lnTo>
-                  <a:pt x="6092938" y="0"/>
-                </a:lnTo>
-                <a:lnTo>
-                  <a:pt x="6092938" y="4019553"/>
-                </a:lnTo>
-                <a:lnTo>
-                  <a:pt x="0" y="4019553"/>
-                </a:lnTo>
-                <a:lnTo>
-                  <a:pt x="0" y="0"/>
-                </a:lnTo>
-                <a:close/>
-              </a:path>
-            </a:pathLst>
-          </a:custGeom>
-          <a:blipFill>
-            <a:blip r:embed="rId2"/>
-            <a:stretch>
-              <a:fillRect l="0" t="0" r="-137316" b="-11927"/>
-            </a:stretch>
-          </a:blipFill>
-        </p:spPr>
-      </p:sp>
-      <p:sp>
-        <p:nvSpPr>
-          <p:cNvPr name="Freeform 3" id="3"/>
-          <p:cNvSpPr/>
-          <p:nvPr/>
-        </p:nvSpPr>
-        <p:spPr>
-          <a:xfrm flipH="false" flipV="false" rot="0">
-            <a:off x="9755482" y="4344367"/>
-            <a:ext cx="6092938" cy="4078644"/>
-          </a:xfrm>
-          <a:custGeom>
-            <a:avLst/>
-            <a:gdLst/>
-            <a:ahLst/>
-            <a:cxnLst/>
-            <a:rect r="r" b="b" t="t" l="l"/>
-            <a:pathLst>
-              <a:path h="4078644" w="6092938">
-                <a:moveTo>
-                  <a:pt x="0" y="0"/>
-                </a:moveTo>
-                <a:lnTo>
-                  <a:pt x="6092938" y="0"/>
-                </a:lnTo>
-                <a:lnTo>
-                  <a:pt x="6092938" y="4078644"/>
-                </a:lnTo>
-                <a:lnTo>
-                  <a:pt x="0" y="4078644"/>
-                </a:lnTo>
-                <a:lnTo>
-                  <a:pt x="0" y="0"/>
-                </a:lnTo>
-                <a:close/>
-              </a:path>
-            </a:pathLst>
-          </a:custGeom>
-          <a:blipFill>
-            <a:blip r:embed="rId3"/>
-            <a:stretch>
-              <a:fillRect l="0" t="0" r="-109075" b="-15123"/>
-            </a:stretch>
-          </a:blipFill>
-        </p:spPr>
-      </p:sp>
-      <p:grpSp>
-        <p:nvGrpSpPr>
-          <p:cNvPr name="Group 4" id="4"/>
-          <p:cNvGrpSpPr/>
-          <p:nvPr/>
-        </p:nvGrpSpPr>
-        <p:grpSpPr>
-          <a:xfrm rot="0">
-            <a:off x="-225543" y="0"/>
-            <a:ext cx="18739086" cy="2390742"/>
-            <a:chOff x="0" y="0"/>
-            <a:chExt cx="4935397" cy="629660"/>
-          </a:xfrm>
-        </p:grpSpPr>
-        <p:sp>
-          <p:nvSpPr>
-            <p:cNvPr name="Freeform 5" id="5"/>
-            <p:cNvSpPr/>
-            <p:nvPr/>
-          </p:nvSpPr>
-          <p:spPr>
-            <a:xfrm flipH="false" flipV="false" rot="0">
-              <a:off x="0" y="0"/>
-              <a:ext cx="4935397" cy="629660"/>
-            </a:xfrm>
-            <a:custGeom>
-              <a:avLst/>
-              <a:gdLst/>
-              <a:ahLst/>
-              <a:cxnLst/>
-              <a:rect r="r" b="b" t="t" l="l"/>
-              <a:pathLst>
-                <a:path h="629660" w="4935397">
-                  <a:moveTo>
-                    <a:pt x="0" y="0"/>
-                  </a:moveTo>
-                  <a:lnTo>
-                    <a:pt x="4935397" y="0"/>
-                  </a:lnTo>
-                  <a:lnTo>
-                    <a:pt x="4935397" y="629660"/>
-                  </a:lnTo>
-                  <a:lnTo>
-                    <a:pt x="0" y="629660"/>
-                  </a:lnTo>
-                  <a:close/>
-                </a:path>
-              </a:pathLst>
-            </a:custGeom>
-            <a:solidFill>
-              <a:srgbClr val="FFFFFF"/>
-            </a:solidFill>
-          </p:spPr>
-        </p:sp>
-        <p:sp>
-          <p:nvSpPr>
-            <p:cNvPr name="TextBox 6" id="6"/>
-            <p:cNvSpPr txBox="true"/>
-            <p:nvPr/>
-          </p:nvSpPr>
-          <p:spPr>
-            <a:xfrm>
-              <a:off x="0" y="-47625"/>
-              <a:ext cx="4935397" cy="677285"/>
-            </a:xfrm>
-            <a:prstGeom prst="rect">
-              <a:avLst/>
-            </a:prstGeom>
-          </p:spPr>
-          <p:txBody>
-            <a:bodyPr anchor="ctr" rtlCol="false" tIns="50800" lIns="50800" bIns="50800" rIns="50800"/>
-            <a:lstStyle/>
-            <a:p>
-              <a:pPr algn="ctr">
-                <a:lnSpc>
-                  <a:spcPts val="3316"/>
-                </a:lnSpc>
-              </a:pPr>
-            </a:p>
-          </p:txBody>
-        </p:sp>
-      </p:grpSp>
-      <p:grpSp>
-        <p:nvGrpSpPr>
-          <p:cNvPr name="Group 7" id="7"/>
-          <p:cNvGrpSpPr/>
-          <p:nvPr/>
-        </p:nvGrpSpPr>
-        <p:grpSpPr>
-          <a:xfrm rot="0">
-            <a:off x="234416" y="553822"/>
-            <a:ext cx="12567535" cy="949757"/>
-            <a:chOff x="0" y="0"/>
-            <a:chExt cx="4527223" cy="342132"/>
-          </a:xfrm>
-        </p:grpSpPr>
-        <p:sp>
-          <p:nvSpPr>
-            <p:cNvPr name="Freeform 8" id="8"/>
-            <p:cNvSpPr/>
-            <p:nvPr/>
-          </p:nvSpPr>
-          <p:spPr>
-            <a:xfrm flipH="false" flipV="false" rot="0">
-              <a:off x="0" y="0"/>
-              <a:ext cx="4527223" cy="342132"/>
-            </a:xfrm>
-            <a:custGeom>
-              <a:avLst/>
-              <a:gdLst/>
-              <a:ahLst/>
-              <a:cxnLst/>
-              <a:rect r="r" b="b" t="t" l="l"/>
-              <a:pathLst>
-                <a:path h="342132" w="4527223">
-                  <a:moveTo>
-                    <a:pt x="57906" y="0"/>
-                  </a:moveTo>
-                  <a:lnTo>
-                    <a:pt x="4469316" y="0"/>
-                  </a:lnTo>
-                  <a:cubicBezTo>
-                    <a:pt x="4484674" y="0"/>
-                    <a:pt x="4499403" y="6101"/>
-                    <a:pt x="4510263" y="16960"/>
-                  </a:cubicBezTo>
-                  <a:cubicBezTo>
-                    <a:pt x="4521122" y="27820"/>
-                    <a:pt x="4527223" y="42549"/>
-                    <a:pt x="4527223" y="57906"/>
-                  </a:cubicBezTo>
-                  <a:lnTo>
-                    <a:pt x="4527223" y="284226"/>
-                  </a:lnTo>
-                  <a:cubicBezTo>
-                    <a:pt x="4527223" y="299584"/>
-                    <a:pt x="4521122" y="314313"/>
-                    <a:pt x="4510263" y="325172"/>
-                  </a:cubicBezTo>
-                  <a:cubicBezTo>
-                    <a:pt x="4499403" y="336032"/>
-                    <a:pt x="4484674" y="342132"/>
-                    <a:pt x="4469316" y="342132"/>
-                  </a:cubicBezTo>
-                  <a:lnTo>
-                    <a:pt x="57906" y="342132"/>
-                  </a:lnTo>
-                  <a:cubicBezTo>
-                    <a:pt x="42549" y="342132"/>
-                    <a:pt x="27820" y="336032"/>
-                    <a:pt x="16960" y="325172"/>
-                  </a:cubicBezTo>
-                  <a:cubicBezTo>
-                    <a:pt x="6101" y="314313"/>
-                    <a:pt x="0" y="299584"/>
-                    <a:pt x="0" y="284226"/>
-                  </a:cubicBezTo>
-                  <a:lnTo>
-                    <a:pt x="0" y="57906"/>
-                  </a:lnTo>
-                  <a:cubicBezTo>
-                    <a:pt x="0" y="42549"/>
-                    <a:pt x="6101" y="27820"/>
-                    <a:pt x="16960" y="16960"/>
-                  </a:cubicBezTo>
-                  <a:cubicBezTo>
-                    <a:pt x="27820" y="6101"/>
-                    <a:pt x="42549" y="0"/>
-                    <a:pt x="57906" y="0"/>
-                  </a:cubicBezTo>
-                  <a:close/>
-                </a:path>
-              </a:pathLst>
-            </a:custGeom>
-            <a:solidFill>
-              <a:srgbClr val="000000">
-                <a:alpha val="0"/>
-              </a:srgbClr>
-            </a:solidFill>
-            <a:ln w="38100" cap="rnd">
-              <a:solidFill>
-                <a:srgbClr val="08316C"/>
-              </a:solidFill>
-              <a:prstDash val="solid"/>
-              <a:round/>
-            </a:ln>
-          </p:spPr>
-        </p:sp>
-        <p:sp>
-          <p:nvSpPr>
-            <p:cNvPr name="TextBox 9" id="9"/>
-            <p:cNvSpPr txBox="true"/>
-            <p:nvPr/>
-          </p:nvSpPr>
-          <p:spPr>
-            <a:xfrm>
-              <a:off x="0" y="-76200"/>
-              <a:ext cx="4527223" cy="418332"/>
-            </a:xfrm>
-            <a:prstGeom prst="rect">
-              <a:avLst/>
-            </a:prstGeom>
-          </p:spPr>
-          <p:txBody>
-            <a:bodyPr anchor="ctr" rtlCol="false" tIns="50800" lIns="50800" bIns="50800" rIns="50800"/>
-            <a:lstStyle/>
-            <a:p>
-              <a:pPr algn="ctr">
-                <a:lnSpc>
-                  <a:spcPts val="5880"/>
-                </a:lnSpc>
-              </a:pPr>
-              <a:r>
-                <a:rPr lang="en-US" sz="4200" b="true">
-                  <a:solidFill>
-                    <a:srgbClr val="08316C"/>
-                  </a:solidFill>
-                  <a:latin typeface="DM Sans Bold"/>
-                  <a:ea typeface="DM Sans Bold"/>
-                  <a:cs typeface="DM Sans Bold"/>
-                  <a:sym typeface="DM Sans Bold"/>
-                </a:rPr>
-                <a:t>predict the label for the real data(Real,Fake):</a:t>
-              </a:r>
-            </a:p>
-          </p:txBody>
-        </p:sp>
-      </p:grpSp>
-      <p:grpSp>
-        <p:nvGrpSpPr>
-          <p:cNvPr name="Group 10" id="10"/>
-          <p:cNvGrpSpPr/>
-          <p:nvPr/>
-        </p:nvGrpSpPr>
-        <p:grpSpPr>
-          <a:xfrm rot="0">
-            <a:off x="11319689" y="3436773"/>
-            <a:ext cx="2964524" cy="595379"/>
-            <a:chOff x="0" y="0"/>
-            <a:chExt cx="2351117" cy="472186"/>
-          </a:xfrm>
-        </p:grpSpPr>
-        <p:sp>
-          <p:nvSpPr>
-            <p:cNvPr name="Freeform 11" id="11"/>
-            <p:cNvSpPr/>
-            <p:nvPr/>
-          </p:nvSpPr>
-          <p:spPr>
-            <a:xfrm flipH="false" flipV="false" rot="0">
-              <a:off x="0" y="0"/>
-              <a:ext cx="2351117" cy="472186"/>
-            </a:xfrm>
-            <a:custGeom>
-              <a:avLst/>
-              <a:gdLst/>
-              <a:ahLst/>
-              <a:cxnLst/>
-              <a:rect r="r" b="b" t="t" l="l"/>
-              <a:pathLst>
-                <a:path h="472186" w="2351117">
-                  <a:moveTo>
-                    <a:pt x="0" y="0"/>
-                  </a:moveTo>
-                  <a:lnTo>
-                    <a:pt x="2351117" y="0"/>
-                  </a:lnTo>
-                  <a:lnTo>
-                    <a:pt x="2351117" y="472186"/>
-                  </a:lnTo>
-                  <a:lnTo>
-                    <a:pt x="0" y="472186"/>
-                  </a:lnTo>
-                  <a:close/>
-                </a:path>
-              </a:pathLst>
-            </a:custGeom>
-            <a:solidFill>
-              <a:srgbClr val="08316C"/>
-            </a:solidFill>
-          </p:spPr>
-        </p:sp>
-        <p:sp>
-          <p:nvSpPr>
-            <p:cNvPr name="TextBox 12" id="12"/>
-            <p:cNvSpPr txBox="true"/>
-            <p:nvPr/>
-          </p:nvSpPr>
-          <p:spPr>
-            <a:xfrm>
-              <a:off x="0" y="0"/>
-              <a:ext cx="2351117" cy="472186"/>
-            </a:xfrm>
-            <a:prstGeom prst="rect">
-              <a:avLst/>
-            </a:prstGeom>
-          </p:spPr>
-          <p:txBody>
-            <a:bodyPr anchor="ctr" rtlCol="false" tIns="50800" lIns="50800" bIns="50800" rIns="50800"/>
-            <a:lstStyle/>
-            <a:p>
-              <a:pPr algn="ctr">
-                <a:lnSpc>
-                  <a:spcPts val="2160"/>
-                </a:lnSpc>
-              </a:pPr>
-              <a:r>
-                <a:rPr lang="en-US" sz="1800">
-                  <a:solidFill>
-                    <a:srgbClr val="FFFFFF"/>
-                  </a:solidFill>
-                  <a:latin typeface="DM Sans"/>
-                  <a:ea typeface="DM Sans"/>
-                  <a:cs typeface="DM Sans"/>
-                  <a:sym typeface="DM Sans"/>
-                </a:rPr>
-                <a:t>after labeling </a:t>
-              </a:r>
-            </a:p>
-          </p:txBody>
-        </p:sp>
-      </p:grpSp>
-      <p:grpSp>
-        <p:nvGrpSpPr>
-          <p:cNvPr name="Group 13" id="13"/>
-          <p:cNvGrpSpPr/>
-          <p:nvPr/>
-        </p:nvGrpSpPr>
-        <p:grpSpPr>
-          <a:xfrm rot="0">
-            <a:off x="4003787" y="3436773"/>
-            <a:ext cx="2964524" cy="595379"/>
-            <a:chOff x="0" y="0"/>
-            <a:chExt cx="2351117" cy="472186"/>
-          </a:xfrm>
-        </p:grpSpPr>
-        <p:sp>
-          <p:nvSpPr>
-            <p:cNvPr name="Freeform 14" id="14"/>
-            <p:cNvSpPr/>
-            <p:nvPr/>
-          </p:nvSpPr>
-          <p:spPr>
-            <a:xfrm flipH="false" flipV="false" rot="0">
-              <a:off x="0" y="0"/>
-              <a:ext cx="2351117" cy="472186"/>
-            </a:xfrm>
-            <a:custGeom>
-              <a:avLst/>
-              <a:gdLst/>
-              <a:ahLst/>
-              <a:cxnLst/>
-              <a:rect r="r" b="b" t="t" l="l"/>
-              <a:pathLst>
-                <a:path h="472186" w="2351117">
-                  <a:moveTo>
-                    <a:pt x="0" y="0"/>
-                  </a:moveTo>
-                  <a:lnTo>
-                    <a:pt x="2351117" y="0"/>
-                  </a:lnTo>
-                  <a:lnTo>
-                    <a:pt x="2351117" y="472186"/>
-                  </a:lnTo>
-                  <a:lnTo>
-                    <a:pt x="0" y="472186"/>
-                  </a:lnTo>
-                  <a:close/>
-                </a:path>
-              </a:pathLst>
-            </a:custGeom>
-            <a:solidFill>
-              <a:srgbClr val="08316C"/>
-            </a:solidFill>
-          </p:spPr>
-        </p:sp>
-        <p:sp>
-          <p:nvSpPr>
-            <p:cNvPr name="TextBox 15" id="15"/>
-            <p:cNvSpPr txBox="true"/>
-            <p:nvPr/>
-          </p:nvSpPr>
-          <p:spPr>
-            <a:xfrm>
-              <a:off x="0" y="0"/>
-              <a:ext cx="2351117" cy="472186"/>
-            </a:xfrm>
-            <a:prstGeom prst="rect">
-              <a:avLst/>
-            </a:prstGeom>
-          </p:spPr>
-          <p:txBody>
-            <a:bodyPr anchor="ctr" rtlCol="false" tIns="50800" lIns="50800" bIns="50800" rIns="50800"/>
-            <a:lstStyle/>
-            <a:p>
-              <a:pPr algn="ctr">
-                <a:lnSpc>
-                  <a:spcPts val="2160"/>
-                </a:lnSpc>
-              </a:pPr>
-              <a:r>
-                <a:rPr lang="en-US" sz="1800">
-                  <a:solidFill>
-                    <a:srgbClr val="FFFFFF"/>
-                  </a:solidFill>
-                  <a:latin typeface="DM Sans"/>
-                  <a:ea typeface="DM Sans"/>
-                  <a:cs typeface="DM Sans"/>
-                  <a:sym typeface="DM Sans"/>
-                </a:rPr>
-                <a:t>before labeling </a:t>
-              </a:r>
-            </a:p>
-          </p:txBody>
-        </p:sp>
-      </p:grpSp>
-      <p:sp>
-        <p:nvSpPr>
-          <p:cNvPr name="AutoShape 16" id="16"/>
-          <p:cNvSpPr/>
-          <p:nvPr/>
-        </p:nvSpPr>
-        <p:spPr>
-          <a:xfrm flipV="true">
-            <a:off x="7634286" y="3753512"/>
-            <a:ext cx="3019427" cy="19050"/>
-          </a:xfrm>
-          <a:prstGeom prst="line">
-            <a:avLst/>
-          </a:prstGeom>
-          <a:ln cap="flat" w="38100">
-            <a:solidFill>
-              <a:srgbClr val="08316C"/>
-            </a:solidFill>
-            <a:prstDash val="solid"/>
-            <a:headEnd type="none" len="sm" w="sm"/>
-            <a:tailEnd type="arrow" len="sm" w="med"/>
-          </a:ln>
-        </p:spPr>
-      </p:sp>
-      <p:sp>
-        <p:nvSpPr>
-          <p:cNvPr name="AutoShape 17" id="17"/>
-          <p:cNvSpPr/>
-          <p:nvPr/>
-        </p:nvSpPr>
-        <p:spPr>
-          <a:xfrm flipV="true">
-            <a:off x="-283848" y="2409792"/>
-            <a:ext cx="18797372" cy="19050"/>
-          </a:xfrm>
-          <a:prstGeom prst="line">
-            <a:avLst/>
-          </a:prstGeom>
-          <a:ln cap="flat" w="38100">
-            <a:solidFill>
-              <a:srgbClr val="08316C"/>
-            </a:solidFill>
-            <a:prstDash val="solid"/>
-            <a:headEnd type="none" len="sm" w="sm"/>
-            <a:tailEnd type="none" len="sm" w="sm"/>
-          </a:ln>
-        </p:spPr>
-      </p:sp>
-    </p:spTree>
-  </p:cSld>
-  <p:clrMapOvr>
-    <a:masterClrMapping/>
-  </p:clrMapOvr>
-</p:sld>
-</file>
-
-<file path=ppt/slides/slide19.xml><?xml version="1.0" encoding="utf-8"?>
-<p:sld xmlns:p="http://schemas.openxmlformats.org/presentationml/2006/main" xmlns:a="http://schemas.openxmlformats.org/drawingml/2006/main">
-  <p:cSld>
-    <p:bg>
-      <p:bgPr>
-        <a:solidFill>
-          <a:srgbClr val="F4F8FD"/>
-        </a:solidFill>
-      </p:bgPr>
-    </p:bg>
-    <p:spTree>
-      <p:nvGrpSpPr>
-        <p:cNvPr id="1" name=""/>
-        <p:cNvGrpSpPr/>
-        <p:nvPr/>
-      </p:nvGrpSpPr>
-      <p:grpSpPr>
-        <a:xfrm>
-          <a:off x="0" y="0"/>
-          <a:ext cx="0" cy="0"/>
-          <a:chOff x="0" y="0"/>
-          <a:chExt cx="0" cy="0"/>
-        </a:xfrm>
-      </p:grpSpPr>
-      <p:grpSp>
-        <p:nvGrpSpPr>
-          <p:cNvPr name="Group 2" id="2"/>
-          <p:cNvGrpSpPr/>
-          <p:nvPr/>
-        </p:nvGrpSpPr>
-        <p:grpSpPr>
-          <a:xfrm rot="0">
-            <a:off x="2383537" y="5423788"/>
-            <a:ext cx="3205523" cy="1497651"/>
-            <a:chOff x="0" y="0"/>
-            <a:chExt cx="672251" cy="314082"/>
-          </a:xfrm>
-        </p:grpSpPr>
-        <p:sp>
-          <p:nvSpPr>
-            <p:cNvPr name="Freeform 3" id="3"/>
-            <p:cNvSpPr/>
-            <p:nvPr/>
-          </p:nvSpPr>
-          <p:spPr>
-            <a:xfrm flipH="false" flipV="false" rot="0">
-              <a:off x="0" y="0"/>
-              <a:ext cx="672251" cy="314082"/>
-            </a:xfrm>
-            <a:custGeom>
-              <a:avLst/>
-              <a:gdLst/>
-              <a:ahLst/>
-              <a:cxnLst/>
-              <a:rect r="r" b="b" t="t" l="l"/>
-              <a:pathLst>
-                <a:path h="314082" w="672251">
-                  <a:moveTo>
-                    <a:pt x="36228" y="0"/>
-                  </a:moveTo>
-                  <a:lnTo>
-                    <a:pt x="636023" y="0"/>
-                  </a:lnTo>
-                  <a:cubicBezTo>
-                    <a:pt x="656031" y="0"/>
-                    <a:pt x="672251" y="16220"/>
-                    <a:pt x="672251" y="36228"/>
-                  </a:cubicBezTo>
-                  <a:lnTo>
-                    <a:pt x="672251" y="277854"/>
-                  </a:lnTo>
-                  <a:cubicBezTo>
-                    <a:pt x="672251" y="297862"/>
-                    <a:pt x="656031" y="314082"/>
-                    <a:pt x="636023" y="314082"/>
-                  </a:cubicBezTo>
-                  <a:lnTo>
-                    <a:pt x="36228" y="314082"/>
-                  </a:lnTo>
-                  <a:cubicBezTo>
-                    <a:pt x="16220" y="314082"/>
-                    <a:pt x="0" y="297862"/>
-                    <a:pt x="0" y="277854"/>
-                  </a:cubicBezTo>
-                  <a:lnTo>
-                    <a:pt x="0" y="36228"/>
-                  </a:lnTo>
-                  <a:cubicBezTo>
-                    <a:pt x="0" y="16220"/>
-                    <a:pt x="16220" y="0"/>
-                    <a:pt x="36228" y="0"/>
-                  </a:cubicBezTo>
-                  <a:close/>
-                </a:path>
-              </a:pathLst>
-            </a:custGeom>
-            <a:solidFill>
-              <a:srgbClr val="08316C"/>
-            </a:solidFill>
-          </p:spPr>
-        </p:sp>
-        <p:sp>
-          <p:nvSpPr>
-            <p:cNvPr name="TextBox 4" id="4"/>
-            <p:cNvSpPr txBox="true"/>
-            <p:nvPr/>
-          </p:nvSpPr>
-          <p:spPr>
-            <a:xfrm>
-              <a:off x="0" y="-28575"/>
-              <a:ext cx="672251" cy="342657"/>
-            </a:xfrm>
-            <a:prstGeom prst="rect">
-              <a:avLst/>
-            </a:prstGeom>
-          </p:spPr>
-          <p:txBody>
-            <a:bodyPr anchor="ctr" rtlCol="false" tIns="254000" lIns="254000" bIns="254000" rIns="254000"/>
-            <a:lstStyle/>
-            <a:p>
-              <a:pPr algn="ctr">
-                <a:lnSpc>
-                  <a:spcPts val="3120"/>
-                </a:lnSpc>
-              </a:pPr>
-              <a:r>
-                <a:rPr lang="en-US" sz="2400" b="true">
-                  <a:solidFill>
-                    <a:srgbClr val="FFFFFF"/>
-                  </a:solidFill>
-                  <a:latin typeface="Aileron Bold"/>
-                  <a:ea typeface="Aileron Bold"/>
-                  <a:cs typeface="Aileron Bold"/>
-                  <a:sym typeface="Aileron Bold"/>
-                </a:rPr>
-                <a:t>Data Quality Issues:</a:t>
-              </a:r>
-            </a:p>
-          </p:txBody>
-        </p:sp>
-      </p:grpSp>
-      <p:grpSp>
-        <p:nvGrpSpPr>
-          <p:cNvPr name="Group 5" id="5"/>
-          <p:cNvGrpSpPr/>
-          <p:nvPr/>
-        </p:nvGrpSpPr>
-        <p:grpSpPr>
-          <a:xfrm rot="0">
-            <a:off x="5938477" y="5423788"/>
-            <a:ext cx="3205523" cy="1497651"/>
-            <a:chOff x="0" y="0"/>
-            <a:chExt cx="672251" cy="314082"/>
-          </a:xfrm>
-        </p:grpSpPr>
-        <p:sp>
-          <p:nvSpPr>
-            <p:cNvPr name="Freeform 6" id="6"/>
-            <p:cNvSpPr/>
-            <p:nvPr/>
-          </p:nvSpPr>
-          <p:spPr>
-            <a:xfrm flipH="false" flipV="false" rot="0">
-              <a:off x="0" y="0"/>
-              <a:ext cx="672251" cy="314082"/>
-            </a:xfrm>
-            <a:custGeom>
-              <a:avLst/>
-              <a:gdLst/>
-              <a:ahLst/>
-              <a:cxnLst/>
-              <a:rect r="r" b="b" t="t" l="l"/>
-              <a:pathLst>
-                <a:path h="314082" w="672251">
-                  <a:moveTo>
-                    <a:pt x="36228" y="0"/>
-                  </a:moveTo>
-                  <a:lnTo>
-                    <a:pt x="636023" y="0"/>
-                  </a:lnTo>
-                  <a:cubicBezTo>
-                    <a:pt x="656031" y="0"/>
-                    <a:pt x="672251" y="16220"/>
-                    <a:pt x="672251" y="36228"/>
-                  </a:cubicBezTo>
-                  <a:lnTo>
-                    <a:pt x="672251" y="277854"/>
-                  </a:lnTo>
-                  <a:cubicBezTo>
-                    <a:pt x="672251" y="297862"/>
-                    <a:pt x="656031" y="314082"/>
-                    <a:pt x="636023" y="314082"/>
-                  </a:cubicBezTo>
-                  <a:lnTo>
-                    <a:pt x="36228" y="314082"/>
-                  </a:lnTo>
-                  <a:cubicBezTo>
-                    <a:pt x="16220" y="314082"/>
-                    <a:pt x="0" y="297862"/>
-                    <a:pt x="0" y="277854"/>
-                  </a:cubicBezTo>
-                  <a:lnTo>
-                    <a:pt x="0" y="36228"/>
-                  </a:lnTo>
-                  <a:cubicBezTo>
-                    <a:pt x="0" y="16220"/>
-                    <a:pt x="16220" y="0"/>
-                    <a:pt x="36228" y="0"/>
-                  </a:cubicBezTo>
-                  <a:close/>
-                </a:path>
-              </a:pathLst>
-            </a:custGeom>
-            <a:solidFill>
-              <a:srgbClr val="739DC3"/>
-            </a:solidFill>
-          </p:spPr>
-        </p:sp>
-        <p:sp>
-          <p:nvSpPr>
-            <p:cNvPr name="TextBox 7" id="7"/>
-            <p:cNvSpPr txBox="true"/>
-            <p:nvPr/>
-          </p:nvSpPr>
-          <p:spPr>
-            <a:xfrm>
-              <a:off x="0" y="-28575"/>
-              <a:ext cx="672251" cy="342657"/>
-            </a:xfrm>
-            <a:prstGeom prst="rect">
-              <a:avLst/>
-            </a:prstGeom>
-          </p:spPr>
-          <p:txBody>
-            <a:bodyPr anchor="ctr" rtlCol="false" tIns="254000" lIns="254000" bIns="254000" rIns="254000"/>
-            <a:lstStyle/>
-            <a:p>
-              <a:pPr algn="ctr">
-                <a:lnSpc>
-                  <a:spcPts val="3120"/>
-                </a:lnSpc>
-              </a:pPr>
-              <a:r>
-                <a:rPr lang="en-US" sz="2400" b="true">
-                  <a:solidFill>
-                    <a:srgbClr val="FFFFFF"/>
-                  </a:solidFill>
-                  <a:latin typeface="Aileron Bold"/>
-                  <a:ea typeface="Aileron Bold"/>
-                  <a:cs typeface="Aileron Bold"/>
-                  <a:sym typeface="Aileron Bold"/>
-                </a:rPr>
-                <a:t>Overfitting Risks</a:t>
-              </a:r>
-            </a:p>
-          </p:txBody>
-        </p:sp>
-      </p:grpSp>
-      <p:grpSp>
-        <p:nvGrpSpPr>
-          <p:cNvPr name="Group 8" id="8"/>
-          <p:cNvGrpSpPr/>
-          <p:nvPr/>
-        </p:nvGrpSpPr>
-        <p:grpSpPr>
-          <a:xfrm rot="0">
-            <a:off x="9496425" y="5423788"/>
-            <a:ext cx="3205523" cy="1497651"/>
-            <a:chOff x="0" y="0"/>
-            <a:chExt cx="672251" cy="314082"/>
-          </a:xfrm>
-        </p:grpSpPr>
-        <p:sp>
-          <p:nvSpPr>
-            <p:cNvPr name="Freeform 9" id="9"/>
-            <p:cNvSpPr/>
-            <p:nvPr/>
-          </p:nvSpPr>
-          <p:spPr>
-            <a:xfrm flipH="false" flipV="false" rot="0">
-              <a:off x="0" y="0"/>
-              <a:ext cx="672251" cy="314082"/>
-            </a:xfrm>
-            <a:custGeom>
-              <a:avLst/>
-              <a:gdLst/>
-              <a:ahLst/>
-              <a:cxnLst/>
-              <a:rect r="r" b="b" t="t" l="l"/>
-              <a:pathLst>
-                <a:path h="314082" w="672251">
-                  <a:moveTo>
-                    <a:pt x="36228" y="0"/>
-                  </a:moveTo>
-                  <a:lnTo>
-                    <a:pt x="636023" y="0"/>
-                  </a:lnTo>
-                  <a:cubicBezTo>
-                    <a:pt x="656031" y="0"/>
-                    <a:pt x="672251" y="16220"/>
-                    <a:pt x="672251" y="36228"/>
-                  </a:cubicBezTo>
-                  <a:lnTo>
-                    <a:pt x="672251" y="277854"/>
-                  </a:lnTo>
-                  <a:cubicBezTo>
-                    <a:pt x="672251" y="297862"/>
-                    <a:pt x="656031" y="314082"/>
-                    <a:pt x="636023" y="314082"/>
-                  </a:cubicBezTo>
-                  <a:lnTo>
-                    <a:pt x="36228" y="314082"/>
-                  </a:lnTo>
-                  <a:cubicBezTo>
-                    <a:pt x="16220" y="314082"/>
-                    <a:pt x="0" y="297862"/>
-                    <a:pt x="0" y="277854"/>
-                  </a:cubicBezTo>
-                  <a:lnTo>
-                    <a:pt x="0" y="36228"/>
-                  </a:lnTo>
-                  <a:cubicBezTo>
-                    <a:pt x="0" y="16220"/>
-                    <a:pt x="16220" y="0"/>
-                    <a:pt x="36228" y="0"/>
-                  </a:cubicBezTo>
-                  <a:close/>
-                </a:path>
-              </a:pathLst>
-            </a:custGeom>
-            <a:solidFill>
-              <a:srgbClr val="878787"/>
-            </a:solidFill>
-          </p:spPr>
-        </p:sp>
-        <p:sp>
-          <p:nvSpPr>
-            <p:cNvPr name="TextBox 10" id="10"/>
-            <p:cNvSpPr txBox="true"/>
-            <p:nvPr/>
-          </p:nvSpPr>
-          <p:spPr>
-            <a:xfrm>
-              <a:off x="0" y="-28575"/>
-              <a:ext cx="672251" cy="342657"/>
-            </a:xfrm>
-            <a:prstGeom prst="rect">
-              <a:avLst/>
-            </a:prstGeom>
-          </p:spPr>
-          <p:txBody>
-            <a:bodyPr anchor="ctr" rtlCol="false" tIns="254000" lIns="254000" bIns="254000" rIns="254000"/>
-            <a:lstStyle/>
-            <a:p>
-              <a:pPr algn="ctr">
-                <a:lnSpc>
-                  <a:spcPts val="3120"/>
-                </a:lnSpc>
-              </a:pPr>
-              <a:r>
-                <a:rPr lang="en-US" sz="2400" b="true">
-                  <a:solidFill>
-                    <a:srgbClr val="FFFFFF"/>
-                  </a:solidFill>
-                  <a:latin typeface="Aileron Bold"/>
-                  <a:ea typeface="Aileron Bold"/>
-                  <a:cs typeface="Aileron Bold"/>
-                  <a:sym typeface="Aileron Bold"/>
-                </a:rPr>
-                <a:t>Choice of Models:</a:t>
-              </a:r>
-            </a:p>
-          </p:txBody>
-        </p:sp>
-      </p:grpSp>
-      <p:sp>
-        <p:nvSpPr>
-          <p:cNvPr name="AutoShape 11" id="11"/>
-          <p:cNvSpPr/>
-          <p:nvPr/>
-        </p:nvSpPr>
-        <p:spPr>
-          <a:xfrm flipV="true">
-            <a:off x="-283848" y="2409792"/>
-            <a:ext cx="18797372" cy="19050"/>
-          </a:xfrm>
-          <a:prstGeom prst="line">
-            <a:avLst/>
-          </a:prstGeom>
-          <a:ln cap="flat" w="38100">
-            <a:solidFill>
-              <a:srgbClr val="08316C"/>
-            </a:solidFill>
-            <a:prstDash val="solid"/>
-            <a:headEnd type="none" len="sm" w="sm"/>
-            <a:tailEnd type="none" len="sm" w="sm"/>
-          </a:ln>
-        </p:spPr>
-      </p:sp>
-      <p:grpSp>
-        <p:nvGrpSpPr>
-          <p:cNvPr name="Group 12" id="12"/>
-          <p:cNvGrpSpPr/>
-          <p:nvPr/>
-        </p:nvGrpSpPr>
-        <p:grpSpPr>
-          <a:xfrm rot="0">
-            <a:off x="-225543" y="0"/>
-            <a:ext cx="18739086" cy="2390742"/>
-            <a:chOff x="0" y="0"/>
-            <a:chExt cx="4935397" cy="629660"/>
-          </a:xfrm>
-        </p:grpSpPr>
-        <p:sp>
-          <p:nvSpPr>
-            <p:cNvPr name="Freeform 13" id="13"/>
-            <p:cNvSpPr/>
-            <p:nvPr/>
-          </p:nvSpPr>
-          <p:spPr>
-            <a:xfrm flipH="false" flipV="false" rot="0">
-              <a:off x="0" y="0"/>
-              <a:ext cx="4935397" cy="629660"/>
-            </a:xfrm>
-            <a:custGeom>
-              <a:avLst/>
-              <a:gdLst/>
-              <a:ahLst/>
-              <a:cxnLst/>
-              <a:rect r="r" b="b" t="t" l="l"/>
-              <a:pathLst>
-                <a:path h="629660" w="4935397">
-                  <a:moveTo>
-                    <a:pt x="0" y="0"/>
-                  </a:moveTo>
-                  <a:lnTo>
-                    <a:pt x="4935397" y="0"/>
-                  </a:lnTo>
-                  <a:lnTo>
-                    <a:pt x="4935397" y="629660"/>
-                  </a:lnTo>
-                  <a:lnTo>
-                    <a:pt x="0" y="629660"/>
-                  </a:lnTo>
-                  <a:close/>
-                </a:path>
-              </a:pathLst>
-            </a:custGeom>
-            <a:solidFill>
-              <a:srgbClr val="FFFFFF"/>
-            </a:solidFill>
-          </p:spPr>
-        </p:sp>
-        <p:sp>
-          <p:nvSpPr>
-            <p:cNvPr name="TextBox 14" id="14"/>
-            <p:cNvSpPr txBox="true"/>
-            <p:nvPr/>
-          </p:nvSpPr>
-          <p:spPr>
-            <a:xfrm>
-              <a:off x="0" y="-47625"/>
-              <a:ext cx="4935397" cy="677285"/>
-            </a:xfrm>
-            <a:prstGeom prst="rect">
-              <a:avLst/>
-            </a:prstGeom>
-          </p:spPr>
-          <p:txBody>
-            <a:bodyPr anchor="ctr" rtlCol="false" tIns="50800" lIns="50800" bIns="50800" rIns="50800"/>
-            <a:lstStyle/>
-            <a:p>
-              <a:pPr algn="ctr">
-                <a:lnSpc>
-                  <a:spcPts val="3316"/>
-                </a:lnSpc>
-              </a:pPr>
-            </a:p>
-          </p:txBody>
-        </p:sp>
-      </p:grpSp>
-      <p:grpSp>
-        <p:nvGrpSpPr>
-          <p:cNvPr name="Group 15" id="15"/>
-          <p:cNvGrpSpPr/>
-          <p:nvPr/>
-        </p:nvGrpSpPr>
-        <p:grpSpPr>
-          <a:xfrm rot="0">
-            <a:off x="666149" y="641812"/>
-            <a:ext cx="8057889" cy="1107118"/>
-            <a:chOff x="0" y="0"/>
-            <a:chExt cx="2902706" cy="398819"/>
-          </a:xfrm>
-        </p:grpSpPr>
-        <p:sp>
-          <p:nvSpPr>
-            <p:cNvPr name="Freeform 16" id="16"/>
-            <p:cNvSpPr/>
-            <p:nvPr/>
-          </p:nvSpPr>
-          <p:spPr>
-            <a:xfrm flipH="false" flipV="false" rot="0">
-              <a:off x="0" y="0"/>
-              <a:ext cx="2902706" cy="398819"/>
-            </a:xfrm>
-            <a:custGeom>
-              <a:avLst/>
-              <a:gdLst/>
-              <a:ahLst/>
-              <a:cxnLst/>
-              <a:rect r="r" b="b" t="t" l="l"/>
-              <a:pathLst>
-                <a:path h="398819" w="2902706">
-                  <a:moveTo>
-                    <a:pt x="90314" y="0"/>
-                  </a:moveTo>
-                  <a:lnTo>
-                    <a:pt x="2812392" y="0"/>
-                  </a:lnTo>
-                  <a:cubicBezTo>
-                    <a:pt x="2862271" y="0"/>
-                    <a:pt x="2902706" y="40435"/>
-                    <a:pt x="2902706" y="90314"/>
-                  </a:cubicBezTo>
-                  <a:lnTo>
-                    <a:pt x="2902706" y="308505"/>
-                  </a:lnTo>
-                  <a:cubicBezTo>
-                    <a:pt x="2902706" y="358384"/>
-                    <a:pt x="2862271" y="398819"/>
-                    <a:pt x="2812392" y="398819"/>
-                  </a:cubicBezTo>
-                  <a:lnTo>
-                    <a:pt x="90314" y="398819"/>
-                  </a:lnTo>
-                  <a:cubicBezTo>
-                    <a:pt x="40435" y="398819"/>
-                    <a:pt x="0" y="358384"/>
-                    <a:pt x="0" y="308505"/>
-                  </a:cubicBezTo>
-                  <a:lnTo>
-                    <a:pt x="0" y="90314"/>
-                  </a:lnTo>
-                  <a:cubicBezTo>
-                    <a:pt x="0" y="40435"/>
-                    <a:pt x="40435" y="0"/>
-                    <a:pt x="90314" y="0"/>
-                  </a:cubicBezTo>
-                  <a:close/>
-                </a:path>
-              </a:pathLst>
-            </a:custGeom>
-            <a:solidFill>
-              <a:srgbClr val="000000">
-                <a:alpha val="0"/>
-              </a:srgbClr>
-            </a:solidFill>
-            <a:ln w="38100" cap="rnd">
-              <a:solidFill>
-                <a:srgbClr val="08316C"/>
-              </a:solidFill>
-              <a:prstDash val="solid"/>
-              <a:round/>
-            </a:ln>
-          </p:spPr>
-        </p:sp>
-        <p:sp>
-          <p:nvSpPr>
-            <p:cNvPr name="TextBox 17" id="17"/>
-            <p:cNvSpPr txBox="true"/>
-            <p:nvPr/>
-          </p:nvSpPr>
-          <p:spPr>
-            <a:xfrm>
-              <a:off x="0" y="-95250"/>
-              <a:ext cx="2902706" cy="494069"/>
-            </a:xfrm>
-            <a:prstGeom prst="rect">
-              <a:avLst/>
-            </a:prstGeom>
-          </p:spPr>
-          <p:txBody>
-            <a:bodyPr anchor="ctr" rtlCol="false" tIns="50800" lIns="50800" bIns="50800" rIns="50800"/>
-            <a:lstStyle/>
-            <a:p>
-              <a:pPr algn="ctr">
-                <a:lnSpc>
-                  <a:spcPts val="6719"/>
-                </a:lnSpc>
-              </a:pPr>
-              <a:r>
-                <a:rPr lang="en-US" sz="4800" b="true">
-                  <a:solidFill>
-                    <a:srgbClr val="08316C"/>
-                  </a:solidFill>
-                  <a:latin typeface="DM Sans Bold"/>
-                  <a:ea typeface="DM Sans Bold"/>
-                  <a:cs typeface="DM Sans Bold"/>
-                  <a:sym typeface="DM Sans Bold"/>
-                </a:rPr>
-                <a:t>Challenges &amp; Limitations:</a:t>
-              </a:r>
-            </a:p>
-          </p:txBody>
-        </p:sp>
-      </p:grpSp>
-      <p:grpSp>
-        <p:nvGrpSpPr>
-          <p:cNvPr name="Group 18" id="18"/>
-          <p:cNvGrpSpPr/>
-          <p:nvPr/>
-        </p:nvGrpSpPr>
-        <p:grpSpPr>
-          <a:xfrm rot="0">
-            <a:off x="13054373" y="5423788"/>
-            <a:ext cx="3205523" cy="1497651"/>
-            <a:chOff x="0" y="0"/>
-            <a:chExt cx="672251" cy="314082"/>
-          </a:xfrm>
-        </p:grpSpPr>
-        <p:sp>
-          <p:nvSpPr>
-            <p:cNvPr name="Freeform 19" id="19"/>
-            <p:cNvSpPr/>
-            <p:nvPr/>
-          </p:nvSpPr>
-          <p:spPr>
-            <a:xfrm flipH="false" flipV="false" rot="0">
-              <a:off x="0" y="0"/>
-              <a:ext cx="672251" cy="314082"/>
-            </a:xfrm>
-            <a:custGeom>
-              <a:avLst/>
-              <a:gdLst/>
-              <a:ahLst/>
-              <a:cxnLst/>
-              <a:rect r="r" b="b" t="t" l="l"/>
-              <a:pathLst>
-                <a:path h="314082" w="672251">
-                  <a:moveTo>
-                    <a:pt x="36228" y="0"/>
-                  </a:moveTo>
-                  <a:lnTo>
-                    <a:pt x="636023" y="0"/>
-                  </a:lnTo>
-                  <a:cubicBezTo>
-                    <a:pt x="656031" y="0"/>
-                    <a:pt x="672251" y="16220"/>
-                    <a:pt x="672251" y="36228"/>
-                  </a:cubicBezTo>
-                  <a:lnTo>
-                    <a:pt x="672251" y="277854"/>
-                  </a:lnTo>
-                  <a:cubicBezTo>
-                    <a:pt x="672251" y="297862"/>
-                    <a:pt x="656031" y="314082"/>
-                    <a:pt x="636023" y="314082"/>
-                  </a:cubicBezTo>
-                  <a:lnTo>
-                    <a:pt x="36228" y="314082"/>
-                  </a:lnTo>
-                  <a:cubicBezTo>
-                    <a:pt x="16220" y="314082"/>
-                    <a:pt x="0" y="297862"/>
-                    <a:pt x="0" y="277854"/>
-                  </a:cubicBezTo>
-                  <a:lnTo>
-                    <a:pt x="0" y="36228"/>
-                  </a:lnTo>
-                  <a:cubicBezTo>
-                    <a:pt x="0" y="16220"/>
-                    <a:pt x="16220" y="0"/>
-                    <a:pt x="36228" y="0"/>
-                  </a:cubicBezTo>
-                  <a:close/>
-                </a:path>
-              </a:pathLst>
-            </a:custGeom>
-            <a:solidFill>
-              <a:srgbClr val="08316C"/>
-            </a:solidFill>
-          </p:spPr>
-        </p:sp>
-        <p:sp>
-          <p:nvSpPr>
-            <p:cNvPr name="TextBox 20" id="20"/>
-            <p:cNvSpPr txBox="true"/>
-            <p:nvPr/>
-          </p:nvSpPr>
-          <p:spPr>
-            <a:xfrm>
-              <a:off x="0" y="-28575"/>
-              <a:ext cx="672251" cy="342657"/>
-            </a:xfrm>
-            <a:prstGeom prst="rect">
-              <a:avLst/>
-            </a:prstGeom>
-          </p:spPr>
-          <p:txBody>
-            <a:bodyPr anchor="ctr" rtlCol="false" tIns="254000" lIns="254000" bIns="254000" rIns="254000"/>
-            <a:lstStyle/>
-            <a:p>
-              <a:pPr algn="ctr">
-                <a:lnSpc>
-                  <a:spcPts val="3120"/>
-                </a:lnSpc>
-              </a:pPr>
-              <a:r>
-                <a:rPr lang="en-US" sz="2400" b="true">
-                  <a:solidFill>
-                    <a:srgbClr val="FFFFFF"/>
-                  </a:solidFill>
-                  <a:latin typeface="Aileron Bold"/>
-                  <a:ea typeface="Aileron Bold"/>
-                  <a:cs typeface="Aileron Bold"/>
-                  <a:sym typeface="Aileron Bold"/>
-                </a:rPr>
-                <a:t>Misclassification Risks:</a:t>
-              </a:r>
-            </a:p>
-          </p:txBody>
-        </p:sp>
-      </p:grpSp>
-    </p:spTree>
-  </p:cSld>
-  <p:clrMapOvr>
-    <a:masterClrMapping/>
-  </p:clrMapOvr>
-</p:sld>
-</file>
-
 <file path=ppt/slides/slide2.xml><?xml version="1.0" encoding="utf-8"?>
 <p:sld xmlns:p="http://schemas.openxmlformats.org/presentationml/2006/main" xmlns:a="http://schemas.openxmlformats.org/drawingml/2006/main" xmlns:r="http://schemas.openxmlformats.org/officeDocument/2006/relationships">
   <p:cSld>
@@ -12674,6 +12337,1326 @@
 </file>
 
 <file path=ppt/slides/slide20.xml><?xml version="1.0" encoding="utf-8"?>
+<p:sld xmlns:p="http://schemas.openxmlformats.org/presentationml/2006/main" xmlns:a="http://schemas.openxmlformats.org/drawingml/2006/main" xmlns:r="http://schemas.openxmlformats.org/officeDocument/2006/relationships">
+  <p:cSld>
+    <p:bg>
+      <p:bgPr>
+        <a:solidFill>
+          <a:srgbClr val="F4F8FD"/>
+        </a:solidFill>
+      </p:bgPr>
+    </p:bg>
+    <p:spTree>
+      <p:nvGrpSpPr>
+        <p:cNvPr id="1" name=""/>
+        <p:cNvGrpSpPr/>
+        <p:nvPr/>
+      </p:nvGrpSpPr>
+      <p:grpSpPr>
+        <a:xfrm>
+          <a:off x="0" y="0"/>
+          <a:ext cx="0" cy="0"/>
+          <a:chOff x="0" y="0"/>
+          <a:chExt cx="0" cy="0"/>
+        </a:xfrm>
+      </p:grpSpPr>
+      <p:sp>
+        <p:nvSpPr>
+          <p:cNvPr name="Freeform 2" id="2"/>
+          <p:cNvSpPr/>
+          <p:nvPr/>
+        </p:nvSpPr>
+        <p:spPr>
+          <a:xfrm flipH="false" flipV="false" rot="0">
+            <a:off x="2439580" y="4344367"/>
+            <a:ext cx="6092938" cy="4019553"/>
+          </a:xfrm>
+          <a:custGeom>
+            <a:avLst/>
+            <a:gdLst/>
+            <a:ahLst/>
+            <a:cxnLst/>
+            <a:rect r="r" b="b" t="t" l="l"/>
+            <a:pathLst>
+              <a:path h="4019553" w="6092938">
+                <a:moveTo>
+                  <a:pt x="0" y="0"/>
+                </a:moveTo>
+                <a:lnTo>
+                  <a:pt x="6092938" y="0"/>
+                </a:lnTo>
+                <a:lnTo>
+                  <a:pt x="6092938" y="4019553"/>
+                </a:lnTo>
+                <a:lnTo>
+                  <a:pt x="0" y="4019553"/>
+                </a:lnTo>
+                <a:lnTo>
+                  <a:pt x="0" y="0"/>
+                </a:lnTo>
+                <a:close/>
+              </a:path>
+            </a:pathLst>
+          </a:custGeom>
+          <a:blipFill>
+            <a:blip r:embed="rId2"/>
+            <a:stretch>
+              <a:fillRect l="0" t="0" r="-137316" b="-11927"/>
+            </a:stretch>
+          </a:blipFill>
+        </p:spPr>
+      </p:sp>
+      <p:sp>
+        <p:nvSpPr>
+          <p:cNvPr name="Freeform 3" id="3"/>
+          <p:cNvSpPr/>
+          <p:nvPr/>
+        </p:nvSpPr>
+        <p:spPr>
+          <a:xfrm flipH="false" flipV="false" rot="0">
+            <a:off x="9755482" y="4344367"/>
+            <a:ext cx="6092938" cy="4078644"/>
+          </a:xfrm>
+          <a:custGeom>
+            <a:avLst/>
+            <a:gdLst/>
+            <a:ahLst/>
+            <a:cxnLst/>
+            <a:rect r="r" b="b" t="t" l="l"/>
+            <a:pathLst>
+              <a:path h="4078644" w="6092938">
+                <a:moveTo>
+                  <a:pt x="0" y="0"/>
+                </a:moveTo>
+                <a:lnTo>
+                  <a:pt x="6092938" y="0"/>
+                </a:lnTo>
+                <a:lnTo>
+                  <a:pt x="6092938" y="4078644"/>
+                </a:lnTo>
+                <a:lnTo>
+                  <a:pt x="0" y="4078644"/>
+                </a:lnTo>
+                <a:lnTo>
+                  <a:pt x="0" y="0"/>
+                </a:lnTo>
+                <a:close/>
+              </a:path>
+            </a:pathLst>
+          </a:custGeom>
+          <a:blipFill>
+            <a:blip r:embed="rId3"/>
+            <a:stretch>
+              <a:fillRect l="0" t="0" r="-109075" b="-15123"/>
+            </a:stretch>
+          </a:blipFill>
+        </p:spPr>
+      </p:sp>
+      <p:grpSp>
+        <p:nvGrpSpPr>
+          <p:cNvPr name="Group 4" id="4"/>
+          <p:cNvGrpSpPr/>
+          <p:nvPr/>
+        </p:nvGrpSpPr>
+        <p:grpSpPr>
+          <a:xfrm rot="0">
+            <a:off x="-225543" y="0"/>
+            <a:ext cx="18739086" cy="2390742"/>
+            <a:chOff x="0" y="0"/>
+            <a:chExt cx="4935397" cy="629660"/>
+          </a:xfrm>
+        </p:grpSpPr>
+        <p:sp>
+          <p:nvSpPr>
+            <p:cNvPr name="Freeform 5" id="5"/>
+            <p:cNvSpPr/>
+            <p:nvPr/>
+          </p:nvSpPr>
+          <p:spPr>
+            <a:xfrm flipH="false" flipV="false" rot="0">
+              <a:off x="0" y="0"/>
+              <a:ext cx="4935397" cy="629660"/>
+            </a:xfrm>
+            <a:custGeom>
+              <a:avLst/>
+              <a:gdLst/>
+              <a:ahLst/>
+              <a:cxnLst/>
+              <a:rect r="r" b="b" t="t" l="l"/>
+              <a:pathLst>
+                <a:path h="629660" w="4935397">
+                  <a:moveTo>
+                    <a:pt x="0" y="0"/>
+                  </a:moveTo>
+                  <a:lnTo>
+                    <a:pt x="4935397" y="0"/>
+                  </a:lnTo>
+                  <a:lnTo>
+                    <a:pt x="4935397" y="629660"/>
+                  </a:lnTo>
+                  <a:lnTo>
+                    <a:pt x="0" y="629660"/>
+                  </a:lnTo>
+                  <a:close/>
+                </a:path>
+              </a:pathLst>
+            </a:custGeom>
+            <a:solidFill>
+              <a:srgbClr val="FFFFFF"/>
+            </a:solidFill>
+          </p:spPr>
+        </p:sp>
+        <p:sp>
+          <p:nvSpPr>
+            <p:cNvPr name="TextBox 6" id="6"/>
+            <p:cNvSpPr txBox="true"/>
+            <p:nvPr/>
+          </p:nvSpPr>
+          <p:spPr>
+            <a:xfrm>
+              <a:off x="0" y="-47625"/>
+              <a:ext cx="4935397" cy="677285"/>
+            </a:xfrm>
+            <a:prstGeom prst="rect">
+              <a:avLst/>
+            </a:prstGeom>
+          </p:spPr>
+          <p:txBody>
+            <a:bodyPr anchor="ctr" rtlCol="false" tIns="50800" lIns="50800" bIns="50800" rIns="50800"/>
+            <a:lstStyle/>
+            <a:p>
+              <a:pPr algn="ctr">
+                <a:lnSpc>
+                  <a:spcPts val="3316"/>
+                </a:lnSpc>
+              </a:pPr>
+            </a:p>
+          </p:txBody>
+        </p:sp>
+      </p:grpSp>
+      <p:grpSp>
+        <p:nvGrpSpPr>
+          <p:cNvPr name="Group 7" id="7"/>
+          <p:cNvGrpSpPr/>
+          <p:nvPr/>
+        </p:nvGrpSpPr>
+        <p:grpSpPr>
+          <a:xfrm rot="0">
+            <a:off x="234416" y="553822"/>
+            <a:ext cx="12567535" cy="949757"/>
+            <a:chOff x="0" y="0"/>
+            <a:chExt cx="4527223" cy="342132"/>
+          </a:xfrm>
+        </p:grpSpPr>
+        <p:sp>
+          <p:nvSpPr>
+            <p:cNvPr name="Freeform 8" id="8"/>
+            <p:cNvSpPr/>
+            <p:nvPr/>
+          </p:nvSpPr>
+          <p:spPr>
+            <a:xfrm flipH="false" flipV="false" rot="0">
+              <a:off x="0" y="0"/>
+              <a:ext cx="4527223" cy="342132"/>
+            </a:xfrm>
+            <a:custGeom>
+              <a:avLst/>
+              <a:gdLst/>
+              <a:ahLst/>
+              <a:cxnLst/>
+              <a:rect r="r" b="b" t="t" l="l"/>
+              <a:pathLst>
+                <a:path h="342132" w="4527223">
+                  <a:moveTo>
+                    <a:pt x="57906" y="0"/>
+                  </a:moveTo>
+                  <a:lnTo>
+                    <a:pt x="4469316" y="0"/>
+                  </a:lnTo>
+                  <a:cubicBezTo>
+                    <a:pt x="4484674" y="0"/>
+                    <a:pt x="4499403" y="6101"/>
+                    <a:pt x="4510263" y="16960"/>
+                  </a:cubicBezTo>
+                  <a:cubicBezTo>
+                    <a:pt x="4521122" y="27820"/>
+                    <a:pt x="4527223" y="42549"/>
+                    <a:pt x="4527223" y="57906"/>
+                  </a:cubicBezTo>
+                  <a:lnTo>
+                    <a:pt x="4527223" y="284226"/>
+                  </a:lnTo>
+                  <a:cubicBezTo>
+                    <a:pt x="4527223" y="299584"/>
+                    <a:pt x="4521122" y="314313"/>
+                    <a:pt x="4510263" y="325172"/>
+                  </a:cubicBezTo>
+                  <a:cubicBezTo>
+                    <a:pt x="4499403" y="336032"/>
+                    <a:pt x="4484674" y="342132"/>
+                    <a:pt x="4469316" y="342132"/>
+                  </a:cubicBezTo>
+                  <a:lnTo>
+                    <a:pt x="57906" y="342132"/>
+                  </a:lnTo>
+                  <a:cubicBezTo>
+                    <a:pt x="42549" y="342132"/>
+                    <a:pt x="27820" y="336032"/>
+                    <a:pt x="16960" y="325172"/>
+                  </a:cubicBezTo>
+                  <a:cubicBezTo>
+                    <a:pt x="6101" y="314313"/>
+                    <a:pt x="0" y="299584"/>
+                    <a:pt x="0" y="284226"/>
+                  </a:cubicBezTo>
+                  <a:lnTo>
+                    <a:pt x="0" y="57906"/>
+                  </a:lnTo>
+                  <a:cubicBezTo>
+                    <a:pt x="0" y="42549"/>
+                    <a:pt x="6101" y="27820"/>
+                    <a:pt x="16960" y="16960"/>
+                  </a:cubicBezTo>
+                  <a:cubicBezTo>
+                    <a:pt x="27820" y="6101"/>
+                    <a:pt x="42549" y="0"/>
+                    <a:pt x="57906" y="0"/>
+                  </a:cubicBezTo>
+                  <a:close/>
+                </a:path>
+              </a:pathLst>
+            </a:custGeom>
+            <a:solidFill>
+              <a:srgbClr val="000000">
+                <a:alpha val="0"/>
+              </a:srgbClr>
+            </a:solidFill>
+            <a:ln w="38100" cap="rnd">
+              <a:solidFill>
+                <a:srgbClr val="08316C"/>
+              </a:solidFill>
+              <a:prstDash val="solid"/>
+              <a:round/>
+            </a:ln>
+          </p:spPr>
+        </p:sp>
+        <p:sp>
+          <p:nvSpPr>
+            <p:cNvPr name="TextBox 9" id="9"/>
+            <p:cNvSpPr txBox="true"/>
+            <p:nvPr/>
+          </p:nvSpPr>
+          <p:spPr>
+            <a:xfrm>
+              <a:off x="0" y="-76200"/>
+              <a:ext cx="4527223" cy="418332"/>
+            </a:xfrm>
+            <a:prstGeom prst="rect">
+              <a:avLst/>
+            </a:prstGeom>
+          </p:spPr>
+          <p:txBody>
+            <a:bodyPr anchor="ctr" rtlCol="false" tIns="50800" lIns="50800" bIns="50800" rIns="50800"/>
+            <a:lstStyle/>
+            <a:p>
+              <a:pPr algn="ctr">
+                <a:lnSpc>
+                  <a:spcPts val="5880"/>
+                </a:lnSpc>
+              </a:pPr>
+              <a:r>
+                <a:rPr lang="en-US" sz="4200" b="true">
+                  <a:solidFill>
+                    <a:srgbClr val="08316C"/>
+                  </a:solidFill>
+                  <a:latin typeface="DM Sans Bold"/>
+                  <a:ea typeface="DM Sans Bold"/>
+                  <a:cs typeface="DM Sans Bold"/>
+                  <a:sym typeface="DM Sans Bold"/>
+                </a:rPr>
+                <a:t>predict the label for the real data(Real,Fake):</a:t>
+              </a:r>
+            </a:p>
+          </p:txBody>
+        </p:sp>
+      </p:grpSp>
+      <p:grpSp>
+        <p:nvGrpSpPr>
+          <p:cNvPr name="Group 10" id="10"/>
+          <p:cNvGrpSpPr/>
+          <p:nvPr/>
+        </p:nvGrpSpPr>
+        <p:grpSpPr>
+          <a:xfrm rot="0">
+            <a:off x="11319689" y="3436773"/>
+            <a:ext cx="2964524" cy="595379"/>
+            <a:chOff x="0" y="0"/>
+            <a:chExt cx="2351117" cy="472186"/>
+          </a:xfrm>
+        </p:grpSpPr>
+        <p:sp>
+          <p:nvSpPr>
+            <p:cNvPr name="Freeform 11" id="11"/>
+            <p:cNvSpPr/>
+            <p:nvPr/>
+          </p:nvSpPr>
+          <p:spPr>
+            <a:xfrm flipH="false" flipV="false" rot="0">
+              <a:off x="0" y="0"/>
+              <a:ext cx="2351117" cy="472186"/>
+            </a:xfrm>
+            <a:custGeom>
+              <a:avLst/>
+              <a:gdLst/>
+              <a:ahLst/>
+              <a:cxnLst/>
+              <a:rect r="r" b="b" t="t" l="l"/>
+              <a:pathLst>
+                <a:path h="472186" w="2351117">
+                  <a:moveTo>
+                    <a:pt x="0" y="0"/>
+                  </a:moveTo>
+                  <a:lnTo>
+                    <a:pt x="2351117" y="0"/>
+                  </a:lnTo>
+                  <a:lnTo>
+                    <a:pt x="2351117" y="472186"/>
+                  </a:lnTo>
+                  <a:lnTo>
+                    <a:pt x="0" y="472186"/>
+                  </a:lnTo>
+                  <a:close/>
+                </a:path>
+              </a:pathLst>
+            </a:custGeom>
+            <a:solidFill>
+              <a:srgbClr val="08316C"/>
+            </a:solidFill>
+          </p:spPr>
+        </p:sp>
+        <p:sp>
+          <p:nvSpPr>
+            <p:cNvPr name="TextBox 12" id="12"/>
+            <p:cNvSpPr txBox="true"/>
+            <p:nvPr/>
+          </p:nvSpPr>
+          <p:spPr>
+            <a:xfrm>
+              <a:off x="0" y="0"/>
+              <a:ext cx="2351117" cy="472186"/>
+            </a:xfrm>
+            <a:prstGeom prst="rect">
+              <a:avLst/>
+            </a:prstGeom>
+          </p:spPr>
+          <p:txBody>
+            <a:bodyPr anchor="ctr" rtlCol="false" tIns="50800" lIns="50800" bIns="50800" rIns="50800"/>
+            <a:lstStyle/>
+            <a:p>
+              <a:pPr algn="ctr">
+                <a:lnSpc>
+                  <a:spcPts val="2160"/>
+                </a:lnSpc>
+              </a:pPr>
+              <a:r>
+                <a:rPr lang="en-US" sz="1800">
+                  <a:solidFill>
+                    <a:srgbClr val="FFFFFF"/>
+                  </a:solidFill>
+                  <a:latin typeface="DM Sans"/>
+                  <a:ea typeface="DM Sans"/>
+                  <a:cs typeface="DM Sans"/>
+                  <a:sym typeface="DM Sans"/>
+                </a:rPr>
+                <a:t>after labeling </a:t>
+              </a:r>
+            </a:p>
+          </p:txBody>
+        </p:sp>
+      </p:grpSp>
+      <p:grpSp>
+        <p:nvGrpSpPr>
+          <p:cNvPr name="Group 13" id="13"/>
+          <p:cNvGrpSpPr/>
+          <p:nvPr/>
+        </p:nvGrpSpPr>
+        <p:grpSpPr>
+          <a:xfrm rot="0">
+            <a:off x="4003787" y="3436773"/>
+            <a:ext cx="2964524" cy="595379"/>
+            <a:chOff x="0" y="0"/>
+            <a:chExt cx="2351117" cy="472186"/>
+          </a:xfrm>
+        </p:grpSpPr>
+        <p:sp>
+          <p:nvSpPr>
+            <p:cNvPr name="Freeform 14" id="14"/>
+            <p:cNvSpPr/>
+            <p:nvPr/>
+          </p:nvSpPr>
+          <p:spPr>
+            <a:xfrm flipH="false" flipV="false" rot="0">
+              <a:off x="0" y="0"/>
+              <a:ext cx="2351117" cy="472186"/>
+            </a:xfrm>
+            <a:custGeom>
+              <a:avLst/>
+              <a:gdLst/>
+              <a:ahLst/>
+              <a:cxnLst/>
+              <a:rect r="r" b="b" t="t" l="l"/>
+              <a:pathLst>
+                <a:path h="472186" w="2351117">
+                  <a:moveTo>
+                    <a:pt x="0" y="0"/>
+                  </a:moveTo>
+                  <a:lnTo>
+                    <a:pt x="2351117" y="0"/>
+                  </a:lnTo>
+                  <a:lnTo>
+                    <a:pt x="2351117" y="472186"/>
+                  </a:lnTo>
+                  <a:lnTo>
+                    <a:pt x="0" y="472186"/>
+                  </a:lnTo>
+                  <a:close/>
+                </a:path>
+              </a:pathLst>
+            </a:custGeom>
+            <a:solidFill>
+              <a:srgbClr val="08316C"/>
+            </a:solidFill>
+          </p:spPr>
+        </p:sp>
+        <p:sp>
+          <p:nvSpPr>
+            <p:cNvPr name="TextBox 15" id="15"/>
+            <p:cNvSpPr txBox="true"/>
+            <p:nvPr/>
+          </p:nvSpPr>
+          <p:spPr>
+            <a:xfrm>
+              <a:off x="0" y="0"/>
+              <a:ext cx="2351117" cy="472186"/>
+            </a:xfrm>
+            <a:prstGeom prst="rect">
+              <a:avLst/>
+            </a:prstGeom>
+          </p:spPr>
+          <p:txBody>
+            <a:bodyPr anchor="ctr" rtlCol="false" tIns="50800" lIns="50800" bIns="50800" rIns="50800"/>
+            <a:lstStyle/>
+            <a:p>
+              <a:pPr algn="ctr">
+                <a:lnSpc>
+                  <a:spcPts val="2160"/>
+                </a:lnSpc>
+              </a:pPr>
+              <a:r>
+                <a:rPr lang="en-US" sz="1800">
+                  <a:solidFill>
+                    <a:srgbClr val="FFFFFF"/>
+                  </a:solidFill>
+                  <a:latin typeface="DM Sans"/>
+                  <a:ea typeface="DM Sans"/>
+                  <a:cs typeface="DM Sans"/>
+                  <a:sym typeface="DM Sans"/>
+                </a:rPr>
+                <a:t>before labeling </a:t>
+              </a:r>
+            </a:p>
+          </p:txBody>
+        </p:sp>
+      </p:grpSp>
+      <p:sp>
+        <p:nvSpPr>
+          <p:cNvPr name="AutoShape 16" id="16"/>
+          <p:cNvSpPr/>
+          <p:nvPr/>
+        </p:nvSpPr>
+        <p:spPr>
+          <a:xfrm flipV="true">
+            <a:off x="7634286" y="3753512"/>
+            <a:ext cx="3019427" cy="19050"/>
+          </a:xfrm>
+          <a:prstGeom prst="line">
+            <a:avLst/>
+          </a:prstGeom>
+          <a:ln cap="flat" w="38100">
+            <a:solidFill>
+              <a:srgbClr val="08316C"/>
+            </a:solidFill>
+            <a:prstDash val="solid"/>
+            <a:headEnd type="none" len="sm" w="sm"/>
+            <a:tailEnd type="arrow" len="sm" w="med"/>
+          </a:ln>
+        </p:spPr>
+      </p:sp>
+      <p:sp>
+        <p:nvSpPr>
+          <p:cNvPr name="AutoShape 17" id="17"/>
+          <p:cNvSpPr/>
+          <p:nvPr/>
+        </p:nvSpPr>
+        <p:spPr>
+          <a:xfrm flipV="true">
+            <a:off x="-283848" y="2409792"/>
+            <a:ext cx="18797372" cy="19050"/>
+          </a:xfrm>
+          <a:prstGeom prst="line">
+            <a:avLst/>
+          </a:prstGeom>
+          <a:ln cap="flat" w="38100">
+            <a:solidFill>
+              <a:srgbClr val="08316C"/>
+            </a:solidFill>
+            <a:prstDash val="solid"/>
+            <a:headEnd type="none" len="sm" w="sm"/>
+            <a:tailEnd type="none" len="sm" w="sm"/>
+          </a:ln>
+        </p:spPr>
+      </p:sp>
+    </p:spTree>
+  </p:cSld>
+  <p:clrMapOvr>
+    <a:masterClrMapping/>
+  </p:clrMapOvr>
+</p:sld>
+</file>
+
+<file path=ppt/slides/slide21.xml><?xml version="1.0" encoding="utf-8"?>
+<p:sld xmlns:p="http://schemas.openxmlformats.org/presentationml/2006/main" xmlns:a="http://schemas.openxmlformats.org/drawingml/2006/main">
+  <p:cSld>
+    <p:bg>
+      <p:bgPr>
+        <a:solidFill>
+          <a:srgbClr val="F4F8FD"/>
+        </a:solidFill>
+      </p:bgPr>
+    </p:bg>
+    <p:spTree>
+      <p:nvGrpSpPr>
+        <p:cNvPr id="1" name=""/>
+        <p:cNvGrpSpPr/>
+        <p:nvPr/>
+      </p:nvGrpSpPr>
+      <p:grpSpPr>
+        <a:xfrm>
+          <a:off x="0" y="0"/>
+          <a:ext cx="0" cy="0"/>
+          <a:chOff x="0" y="0"/>
+          <a:chExt cx="0" cy="0"/>
+        </a:xfrm>
+      </p:grpSpPr>
+      <p:grpSp>
+        <p:nvGrpSpPr>
+          <p:cNvPr name="Group 2" id="2"/>
+          <p:cNvGrpSpPr/>
+          <p:nvPr/>
+        </p:nvGrpSpPr>
+        <p:grpSpPr>
+          <a:xfrm rot="0">
+            <a:off x="2383537" y="5423788"/>
+            <a:ext cx="3205523" cy="1497651"/>
+            <a:chOff x="0" y="0"/>
+            <a:chExt cx="672251" cy="314082"/>
+          </a:xfrm>
+        </p:grpSpPr>
+        <p:sp>
+          <p:nvSpPr>
+            <p:cNvPr name="Freeform 3" id="3"/>
+            <p:cNvSpPr/>
+            <p:nvPr/>
+          </p:nvSpPr>
+          <p:spPr>
+            <a:xfrm flipH="false" flipV="false" rot="0">
+              <a:off x="0" y="0"/>
+              <a:ext cx="672251" cy="314082"/>
+            </a:xfrm>
+            <a:custGeom>
+              <a:avLst/>
+              <a:gdLst/>
+              <a:ahLst/>
+              <a:cxnLst/>
+              <a:rect r="r" b="b" t="t" l="l"/>
+              <a:pathLst>
+                <a:path h="314082" w="672251">
+                  <a:moveTo>
+                    <a:pt x="36228" y="0"/>
+                  </a:moveTo>
+                  <a:lnTo>
+                    <a:pt x="636023" y="0"/>
+                  </a:lnTo>
+                  <a:cubicBezTo>
+                    <a:pt x="656031" y="0"/>
+                    <a:pt x="672251" y="16220"/>
+                    <a:pt x="672251" y="36228"/>
+                  </a:cubicBezTo>
+                  <a:lnTo>
+                    <a:pt x="672251" y="277854"/>
+                  </a:lnTo>
+                  <a:cubicBezTo>
+                    <a:pt x="672251" y="297862"/>
+                    <a:pt x="656031" y="314082"/>
+                    <a:pt x="636023" y="314082"/>
+                  </a:cubicBezTo>
+                  <a:lnTo>
+                    <a:pt x="36228" y="314082"/>
+                  </a:lnTo>
+                  <a:cubicBezTo>
+                    <a:pt x="16220" y="314082"/>
+                    <a:pt x="0" y="297862"/>
+                    <a:pt x="0" y="277854"/>
+                  </a:cubicBezTo>
+                  <a:lnTo>
+                    <a:pt x="0" y="36228"/>
+                  </a:lnTo>
+                  <a:cubicBezTo>
+                    <a:pt x="0" y="16220"/>
+                    <a:pt x="16220" y="0"/>
+                    <a:pt x="36228" y="0"/>
+                  </a:cubicBezTo>
+                  <a:close/>
+                </a:path>
+              </a:pathLst>
+            </a:custGeom>
+            <a:solidFill>
+              <a:srgbClr val="08316C"/>
+            </a:solidFill>
+          </p:spPr>
+        </p:sp>
+        <p:sp>
+          <p:nvSpPr>
+            <p:cNvPr name="TextBox 4" id="4"/>
+            <p:cNvSpPr txBox="true"/>
+            <p:nvPr/>
+          </p:nvSpPr>
+          <p:spPr>
+            <a:xfrm>
+              <a:off x="0" y="-28575"/>
+              <a:ext cx="672251" cy="342657"/>
+            </a:xfrm>
+            <a:prstGeom prst="rect">
+              <a:avLst/>
+            </a:prstGeom>
+          </p:spPr>
+          <p:txBody>
+            <a:bodyPr anchor="ctr" rtlCol="false" tIns="254000" lIns="254000" bIns="254000" rIns="254000"/>
+            <a:lstStyle/>
+            <a:p>
+              <a:pPr algn="ctr">
+                <a:lnSpc>
+                  <a:spcPts val="3120"/>
+                </a:lnSpc>
+              </a:pPr>
+              <a:r>
+                <a:rPr lang="en-US" sz="2400" b="true">
+                  <a:solidFill>
+                    <a:srgbClr val="FFFFFF"/>
+                  </a:solidFill>
+                  <a:latin typeface="Aileron Bold"/>
+                  <a:ea typeface="Aileron Bold"/>
+                  <a:cs typeface="Aileron Bold"/>
+                  <a:sym typeface="Aileron Bold"/>
+                </a:rPr>
+                <a:t>Data Quality Issues:</a:t>
+              </a:r>
+            </a:p>
+          </p:txBody>
+        </p:sp>
+      </p:grpSp>
+      <p:grpSp>
+        <p:nvGrpSpPr>
+          <p:cNvPr name="Group 5" id="5"/>
+          <p:cNvGrpSpPr/>
+          <p:nvPr/>
+        </p:nvGrpSpPr>
+        <p:grpSpPr>
+          <a:xfrm rot="0">
+            <a:off x="5938477" y="5423788"/>
+            <a:ext cx="3205523" cy="1497651"/>
+            <a:chOff x="0" y="0"/>
+            <a:chExt cx="672251" cy="314082"/>
+          </a:xfrm>
+        </p:grpSpPr>
+        <p:sp>
+          <p:nvSpPr>
+            <p:cNvPr name="Freeform 6" id="6"/>
+            <p:cNvSpPr/>
+            <p:nvPr/>
+          </p:nvSpPr>
+          <p:spPr>
+            <a:xfrm flipH="false" flipV="false" rot="0">
+              <a:off x="0" y="0"/>
+              <a:ext cx="672251" cy="314082"/>
+            </a:xfrm>
+            <a:custGeom>
+              <a:avLst/>
+              <a:gdLst/>
+              <a:ahLst/>
+              <a:cxnLst/>
+              <a:rect r="r" b="b" t="t" l="l"/>
+              <a:pathLst>
+                <a:path h="314082" w="672251">
+                  <a:moveTo>
+                    <a:pt x="36228" y="0"/>
+                  </a:moveTo>
+                  <a:lnTo>
+                    <a:pt x="636023" y="0"/>
+                  </a:lnTo>
+                  <a:cubicBezTo>
+                    <a:pt x="656031" y="0"/>
+                    <a:pt x="672251" y="16220"/>
+                    <a:pt x="672251" y="36228"/>
+                  </a:cubicBezTo>
+                  <a:lnTo>
+                    <a:pt x="672251" y="277854"/>
+                  </a:lnTo>
+                  <a:cubicBezTo>
+                    <a:pt x="672251" y="297862"/>
+                    <a:pt x="656031" y="314082"/>
+                    <a:pt x="636023" y="314082"/>
+                  </a:cubicBezTo>
+                  <a:lnTo>
+                    <a:pt x="36228" y="314082"/>
+                  </a:lnTo>
+                  <a:cubicBezTo>
+                    <a:pt x="16220" y="314082"/>
+                    <a:pt x="0" y="297862"/>
+                    <a:pt x="0" y="277854"/>
+                  </a:cubicBezTo>
+                  <a:lnTo>
+                    <a:pt x="0" y="36228"/>
+                  </a:lnTo>
+                  <a:cubicBezTo>
+                    <a:pt x="0" y="16220"/>
+                    <a:pt x="16220" y="0"/>
+                    <a:pt x="36228" y="0"/>
+                  </a:cubicBezTo>
+                  <a:close/>
+                </a:path>
+              </a:pathLst>
+            </a:custGeom>
+            <a:solidFill>
+              <a:srgbClr val="739DC3"/>
+            </a:solidFill>
+          </p:spPr>
+        </p:sp>
+        <p:sp>
+          <p:nvSpPr>
+            <p:cNvPr name="TextBox 7" id="7"/>
+            <p:cNvSpPr txBox="true"/>
+            <p:nvPr/>
+          </p:nvSpPr>
+          <p:spPr>
+            <a:xfrm>
+              <a:off x="0" y="-28575"/>
+              <a:ext cx="672251" cy="342657"/>
+            </a:xfrm>
+            <a:prstGeom prst="rect">
+              <a:avLst/>
+            </a:prstGeom>
+          </p:spPr>
+          <p:txBody>
+            <a:bodyPr anchor="ctr" rtlCol="false" tIns="254000" lIns="254000" bIns="254000" rIns="254000"/>
+            <a:lstStyle/>
+            <a:p>
+              <a:pPr algn="ctr">
+                <a:lnSpc>
+                  <a:spcPts val="3120"/>
+                </a:lnSpc>
+              </a:pPr>
+              <a:r>
+                <a:rPr lang="en-US" sz="2400" b="true">
+                  <a:solidFill>
+                    <a:srgbClr val="FFFFFF"/>
+                  </a:solidFill>
+                  <a:latin typeface="Aileron Bold"/>
+                  <a:ea typeface="Aileron Bold"/>
+                  <a:cs typeface="Aileron Bold"/>
+                  <a:sym typeface="Aileron Bold"/>
+                </a:rPr>
+                <a:t>Overfitting Risks</a:t>
+              </a:r>
+            </a:p>
+          </p:txBody>
+        </p:sp>
+      </p:grpSp>
+      <p:grpSp>
+        <p:nvGrpSpPr>
+          <p:cNvPr name="Group 8" id="8"/>
+          <p:cNvGrpSpPr/>
+          <p:nvPr/>
+        </p:nvGrpSpPr>
+        <p:grpSpPr>
+          <a:xfrm rot="0">
+            <a:off x="9496425" y="5423788"/>
+            <a:ext cx="3205523" cy="1497651"/>
+            <a:chOff x="0" y="0"/>
+            <a:chExt cx="672251" cy="314082"/>
+          </a:xfrm>
+        </p:grpSpPr>
+        <p:sp>
+          <p:nvSpPr>
+            <p:cNvPr name="Freeform 9" id="9"/>
+            <p:cNvSpPr/>
+            <p:nvPr/>
+          </p:nvSpPr>
+          <p:spPr>
+            <a:xfrm flipH="false" flipV="false" rot="0">
+              <a:off x="0" y="0"/>
+              <a:ext cx="672251" cy="314082"/>
+            </a:xfrm>
+            <a:custGeom>
+              <a:avLst/>
+              <a:gdLst/>
+              <a:ahLst/>
+              <a:cxnLst/>
+              <a:rect r="r" b="b" t="t" l="l"/>
+              <a:pathLst>
+                <a:path h="314082" w="672251">
+                  <a:moveTo>
+                    <a:pt x="36228" y="0"/>
+                  </a:moveTo>
+                  <a:lnTo>
+                    <a:pt x="636023" y="0"/>
+                  </a:lnTo>
+                  <a:cubicBezTo>
+                    <a:pt x="656031" y="0"/>
+                    <a:pt x="672251" y="16220"/>
+                    <a:pt x="672251" y="36228"/>
+                  </a:cubicBezTo>
+                  <a:lnTo>
+                    <a:pt x="672251" y="277854"/>
+                  </a:lnTo>
+                  <a:cubicBezTo>
+                    <a:pt x="672251" y="297862"/>
+                    <a:pt x="656031" y="314082"/>
+                    <a:pt x="636023" y="314082"/>
+                  </a:cubicBezTo>
+                  <a:lnTo>
+                    <a:pt x="36228" y="314082"/>
+                  </a:lnTo>
+                  <a:cubicBezTo>
+                    <a:pt x="16220" y="314082"/>
+                    <a:pt x="0" y="297862"/>
+                    <a:pt x="0" y="277854"/>
+                  </a:cubicBezTo>
+                  <a:lnTo>
+                    <a:pt x="0" y="36228"/>
+                  </a:lnTo>
+                  <a:cubicBezTo>
+                    <a:pt x="0" y="16220"/>
+                    <a:pt x="16220" y="0"/>
+                    <a:pt x="36228" y="0"/>
+                  </a:cubicBezTo>
+                  <a:close/>
+                </a:path>
+              </a:pathLst>
+            </a:custGeom>
+            <a:solidFill>
+              <a:srgbClr val="878787"/>
+            </a:solidFill>
+          </p:spPr>
+        </p:sp>
+        <p:sp>
+          <p:nvSpPr>
+            <p:cNvPr name="TextBox 10" id="10"/>
+            <p:cNvSpPr txBox="true"/>
+            <p:nvPr/>
+          </p:nvSpPr>
+          <p:spPr>
+            <a:xfrm>
+              <a:off x="0" y="-28575"/>
+              <a:ext cx="672251" cy="342657"/>
+            </a:xfrm>
+            <a:prstGeom prst="rect">
+              <a:avLst/>
+            </a:prstGeom>
+          </p:spPr>
+          <p:txBody>
+            <a:bodyPr anchor="ctr" rtlCol="false" tIns="254000" lIns="254000" bIns="254000" rIns="254000"/>
+            <a:lstStyle/>
+            <a:p>
+              <a:pPr algn="ctr">
+                <a:lnSpc>
+                  <a:spcPts val="3120"/>
+                </a:lnSpc>
+              </a:pPr>
+              <a:r>
+                <a:rPr lang="en-US" sz="2400" b="true">
+                  <a:solidFill>
+                    <a:srgbClr val="FFFFFF"/>
+                  </a:solidFill>
+                  <a:latin typeface="Aileron Bold"/>
+                  <a:ea typeface="Aileron Bold"/>
+                  <a:cs typeface="Aileron Bold"/>
+                  <a:sym typeface="Aileron Bold"/>
+                </a:rPr>
+                <a:t>Choice of Models:</a:t>
+              </a:r>
+            </a:p>
+          </p:txBody>
+        </p:sp>
+      </p:grpSp>
+      <p:sp>
+        <p:nvSpPr>
+          <p:cNvPr name="AutoShape 11" id="11"/>
+          <p:cNvSpPr/>
+          <p:nvPr/>
+        </p:nvSpPr>
+        <p:spPr>
+          <a:xfrm flipV="true">
+            <a:off x="-283848" y="2409792"/>
+            <a:ext cx="18797372" cy="19050"/>
+          </a:xfrm>
+          <a:prstGeom prst="line">
+            <a:avLst/>
+          </a:prstGeom>
+          <a:ln cap="flat" w="38100">
+            <a:solidFill>
+              <a:srgbClr val="08316C"/>
+            </a:solidFill>
+            <a:prstDash val="solid"/>
+            <a:headEnd type="none" len="sm" w="sm"/>
+            <a:tailEnd type="none" len="sm" w="sm"/>
+          </a:ln>
+        </p:spPr>
+      </p:sp>
+      <p:grpSp>
+        <p:nvGrpSpPr>
+          <p:cNvPr name="Group 12" id="12"/>
+          <p:cNvGrpSpPr/>
+          <p:nvPr/>
+        </p:nvGrpSpPr>
+        <p:grpSpPr>
+          <a:xfrm rot="0">
+            <a:off x="-225543" y="0"/>
+            <a:ext cx="18739086" cy="2390742"/>
+            <a:chOff x="0" y="0"/>
+            <a:chExt cx="4935397" cy="629660"/>
+          </a:xfrm>
+        </p:grpSpPr>
+        <p:sp>
+          <p:nvSpPr>
+            <p:cNvPr name="Freeform 13" id="13"/>
+            <p:cNvSpPr/>
+            <p:nvPr/>
+          </p:nvSpPr>
+          <p:spPr>
+            <a:xfrm flipH="false" flipV="false" rot="0">
+              <a:off x="0" y="0"/>
+              <a:ext cx="4935397" cy="629660"/>
+            </a:xfrm>
+            <a:custGeom>
+              <a:avLst/>
+              <a:gdLst/>
+              <a:ahLst/>
+              <a:cxnLst/>
+              <a:rect r="r" b="b" t="t" l="l"/>
+              <a:pathLst>
+                <a:path h="629660" w="4935397">
+                  <a:moveTo>
+                    <a:pt x="0" y="0"/>
+                  </a:moveTo>
+                  <a:lnTo>
+                    <a:pt x="4935397" y="0"/>
+                  </a:lnTo>
+                  <a:lnTo>
+                    <a:pt x="4935397" y="629660"/>
+                  </a:lnTo>
+                  <a:lnTo>
+                    <a:pt x="0" y="629660"/>
+                  </a:lnTo>
+                  <a:close/>
+                </a:path>
+              </a:pathLst>
+            </a:custGeom>
+            <a:solidFill>
+              <a:srgbClr val="FFFFFF"/>
+            </a:solidFill>
+          </p:spPr>
+        </p:sp>
+        <p:sp>
+          <p:nvSpPr>
+            <p:cNvPr name="TextBox 14" id="14"/>
+            <p:cNvSpPr txBox="true"/>
+            <p:nvPr/>
+          </p:nvSpPr>
+          <p:spPr>
+            <a:xfrm>
+              <a:off x="0" y="-47625"/>
+              <a:ext cx="4935397" cy="677285"/>
+            </a:xfrm>
+            <a:prstGeom prst="rect">
+              <a:avLst/>
+            </a:prstGeom>
+          </p:spPr>
+          <p:txBody>
+            <a:bodyPr anchor="ctr" rtlCol="false" tIns="50800" lIns="50800" bIns="50800" rIns="50800"/>
+            <a:lstStyle/>
+            <a:p>
+              <a:pPr algn="ctr">
+                <a:lnSpc>
+                  <a:spcPts val="3316"/>
+                </a:lnSpc>
+              </a:pPr>
+            </a:p>
+          </p:txBody>
+        </p:sp>
+      </p:grpSp>
+      <p:grpSp>
+        <p:nvGrpSpPr>
+          <p:cNvPr name="Group 15" id="15"/>
+          <p:cNvGrpSpPr/>
+          <p:nvPr/>
+        </p:nvGrpSpPr>
+        <p:grpSpPr>
+          <a:xfrm rot="0">
+            <a:off x="666149" y="641812"/>
+            <a:ext cx="8057889" cy="1107118"/>
+            <a:chOff x="0" y="0"/>
+            <a:chExt cx="2902706" cy="398819"/>
+          </a:xfrm>
+        </p:grpSpPr>
+        <p:sp>
+          <p:nvSpPr>
+            <p:cNvPr name="Freeform 16" id="16"/>
+            <p:cNvSpPr/>
+            <p:nvPr/>
+          </p:nvSpPr>
+          <p:spPr>
+            <a:xfrm flipH="false" flipV="false" rot="0">
+              <a:off x="0" y="0"/>
+              <a:ext cx="2902706" cy="398819"/>
+            </a:xfrm>
+            <a:custGeom>
+              <a:avLst/>
+              <a:gdLst/>
+              <a:ahLst/>
+              <a:cxnLst/>
+              <a:rect r="r" b="b" t="t" l="l"/>
+              <a:pathLst>
+                <a:path h="398819" w="2902706">
+                  <a:moveTo>
+                    <a:pt x="90314" y="0"/>
+                  </a:moveTo>
+                  <a:lnTo>
+                    <a:pt x="2812392" y="0"/>
+                  </a:lnTo>
+                  <a:cubicBezTo>
+                    <a:pt x="2862271" y="0"/>
+                    <a:pt x="2902706" y="40435"/>
+                    <a:pt x="2902706" y="90314"/>
+                  </a:cubicBezTo>
+                  <a:lnTo>
+                    <a:pt x="2902706" y="308505"/>
+                  </a:lnTo>
+                  <a:cubicBezTo>
+                    <a:pt x="2902706" y="358384"/>
+                    <a:pt x="2862271" y="398819"/>
+                    <a:pt x="2812392" y="398819"/>
+                  </a:cubicBezTo>
+                  <a:lnTo>
+                    <a:pt x="90314" y="398819"/>
+                  </a:lnTo>
+                  <a:cubicBezTo>
+                    <a:pt x="40435" y="398819"/>
+                    <a:pt x="0" y="358384"/>
+                    <a:pt x="0" y="308505"/>
+                  </a:cubicBezTo>
+                  <a:lnTo>
+                    <a:pt x="0" y="90314"/>
+                  </a:lnTo>
+                  <a:cubicBezTo>
+                    <a:pt x="0" y="40435"/>
+                    <a:pt x="40435" y="0"/>
+                    <a:pt x="90314" y="0"/>
+                  </a:cubicBezTo>
+                  <a:close/>
+                </a:path>
+              </a:pathLst>
+            </a:custGeom>
+            <a:solidFill>
+              <a:srgbClr val="000000">
+                <a:alpha val="0"/>
+              </a:srgbClr>
+            </a:solidFill>
+            <a:ln w="38100" cap="rnd">
+              <a:solidFill>
+                <a:srgbClr val="08316C"/>
+              </a:solidFill>
+              <a:prstDash val="solid"/>
+              <a:round/>
+            </a:ln>
+          </p:spPr>
+        </p:sp>
+        <p:sp>
+          <p:nvSpPr>
+            <p:cNvPr name="TextBox 17" id="17"/>
+            <p:cNvSpPr txBox="true"/>
+            <p:nvPr/>
+          </p:nvSpPr>
+          <p:spPr>
+            <a:xfrm>
+              <a:off x="0" y="-95250"/>
+              <a:ext cx="2902706" cy="494069"/>
+            </a:xfrm>
+            <a:prstGeom prst="rect">
+              <a:avLst/>
+            </a:prstGeom>
+          </p:spPr>
+          <p:txBody>
+            <a:bodyPr anchor="ctr" rtlCol="false" tIns="50800" lIns="50800" bIns="50800" rIns="50800"/>
+            <a:lstStyle/>
+            <a:p>
+              <a:pPr algn="ctr">
+                <a:lnSpc>
+                  <a:spcPts val="6719"/>
+                </a:lnSpc>
+              </a:pPr>
+              <a:r>
+                <a:rPr lang="en-US" sz="4800" b="true">
+                  <a:solidFill>
+                    <a:srgbClr val="08316C"/>
+                  </a:solidFill>
+                  <a:latin typeface="DM Sans Bold"/>
+                  <a:ea typeface="DM Sans Bold"/>
+                  <a:cs typeface="DM Sans Bold"/>
+                  <a:sym typeface="DM Sans Bold"/>
+                </a:rPr>
+                <a:t>Challenges &amp; Limitations:</a:t>
+              </a:r>
+            </a:p>
+          </p:txBody>
+        </p:sp>
+      </p:grpSp>
+      <p:grpSp>
+        <p:nvGrpSpPr>
+          <p:cNvPr name="Group 18" id="18"/>
+          <p:cNvGrpSpPr/>
+          <p:nvPr/>
+        </p:nvGrpSpPr>
+        <p:grpSpPr>
+          <a:xfrm rot="0">
+            <a:off x="13054373" y="5423788"/>
+            <a:ext cx="3205523" cy="1497651"/>
+            <a:chOff x="0" y="0"/>
+            <a:chExt cx="672251" cy="314082"/>
+          </a:xfrm>
+        </p:grpSpPr>
+        <p:sp>
+          <p:nvSpPr>
+            <p:cNvPr name="Freeform 19" id="19"/>
+            <p:cNvSpPr/>
+            <p:nvPr/>
+          </p:nvSpPr>
+          <p:spPr>
+            <a:xfrm flipH="false" flipV="false" rot="0">
+              <a:off x="0" y="0"/>
+              <a:ext cx="672251" cy="314082"/>
+            </a:xfrm>
+            <a:custGeom>
+              <a:avLst/>
+              <a:gdLst/>
+              <a:ahLst/>
+              <a:cxnLst/>
+              <a:rect r="r" b="b" t="t" l="l"/>
+              <a:pathLst>
+                <a:path h="314082" w="672251">
+                  <a:moveTo>
+                    <a:pt x="36228" y="0"/>
+                  </a:moveTo>
+                  <a:lnTo>
+                    <a:pt x="636023" y="0"/>
+                  </a:lnTo>
+                  <a:cubicBezTo>
+                    <a:pt x="656031" y="0"/>
+                    <a:pt x="672251" y="16220"/>
+                    <a:pt x="672251" y="36228"/>
+                  </a:cubicBezTo>
+                  <a:lnTo>
+                    <a:pt x="672251" y="277854"/>
+                  </a:lnTo>
+                  <a:cubicBezTo>
+                    <a:pt x="672251" y="297862"/>
+                    <a:pt x="656031" y="314082"/>
+                    <a:pt x="636023" y="314082"/>
+                  </a:cubicBezTo>
+                  <a:lnTo>
+                    <a:pt x="36228" y="314082"/>
+                  </a:lnTo>
+                  <a:cubicBezTo>
+                    <a:pt x="16220" y="314082"/>
+                    <a:pt x="0" y="297862"/>
+                    <a:pt x="0" y="277854"/>
+                  </a:cubicBezTo>
+                  <a:lnTo>
+                    <a:pt x="0" y="36228"/>
+                  </a:lnTo>
+                  <a:cubicBezTo>
+                    <a:pt x="0" y="16220"/>
+                    <a:pt x="16220" y="0"/>
+                    <a:pt x="36228" y="0"/>
+                  </a:cubicBezTo>
+                  <a:close/>
+                </a:path>
+              </a:pathLst>
+            </a:custGeom>
+            <a:solidFill>
+              <a:srgbClr val="08316C"/>
+            </a:solidFill>
+          </p:spPr>
+        </p:sp>
+        <p:sp>
+          <p:nvSpPr>
+            <p:cNvPr name="TextBox 20" id="20"/>
+            <p:cNvSpPr txBox="true"/>
+            <p:nvPr/>
+          </p:nvSpPr>
+          <p:spPr>
+            <a:xfrm>
+              <a:off x="0" y="-28575"/>
+              <a:ext cx="672251" cy="342657"/>
+            </a:xfrm>
+            <a:prstGeom prst="rect">
+              <a:avLst/>
+            </a:prstGeom>
+          </p:spPr>
+          <p:txBody>
+            <a:bodyPr anchor="ctr" rtlCol="false" tIns="254000" lIns="254000" bIns="254000" rIns="254000"/>
+            <a:lstStyle/>
+            <a:p>
+              <a:pPr algn="ctr">
+                <a:lnSpc>
+                  <a:spcPts val="3120"/>
+                </a:lnSpc>
+              </a:pPr>
+              <a:r>
+                <a:rPr lang="en-US" sz="2400" b="true">
+                  <a:solidFill>
+                    <a:srgbClr val="FFFFFF"/>
+                  </a:solidFill>
+                  <a:latin typeface="Aileron Bold"/>
+                  <a:ea typeface="Aileron Bold"/>
+                  <a:cs typeface="Aileron Bold"/>
+                  <a:sym typeface="Aileron Bold"/>
+                </a:rPr>
+                <a:t>Misclassification Risks:</a:t>
+              </a:r>
+            </a:p>
+          </p:txBody>
+        </p:sp>
+      </p:grpSp>
+    </p:spTree>
+  </p:cSld>
+  <p:clrMapOvr>
+    <a:masterClrMapping/>
+  </p:clrMapOvr>
+</p:sld>
+</file>
+
+<file path=ppt/slides/slide22.xml><?xml version="1.0" encoding="utf-8"?>
 <p:sld xmlns:p="http://schemas.openxmlformats.org/presentationml/2006/main" xmlns:a="http://schemas.openxmlformats.org/drawingml/2006/main">
   <p:cSld>
     <p:spTree>
@@ -16992,8 +17975,15 @@
 </file>
 
 <file path=ppt/slides/slide8.xml><?xml version="1.0" encoding="utf-8"?>
-<p:sld xmlns:p="http://schemas.openxmlformats.org/presentationml/2006/main" xmlns:a="http://schemas.openxmlformats.org/drawingml/2006/main">
+<p:sld xmlns:p="http://schemas.openxmlformats.org/presentationml/2006/main" xmlns:a="http://schemas.openxmlformats.org/drawingml/2006/main" xmlns:r="http://schemas.openxmlformats.org/officeDocument/2006/relationships">
   <p:cSld>
+    <p:bg>
+      <p:bgPr>
+        <a:solidFill>
+          <a:srgbClr val="F4F8FD"/>
+        </a:solidFill>
+      </p:bgPr>
+    </p:bg>
     <p:spTree>
       <p:nvGrpSpPr>
         <p:cNvPr id="1" name=""/>
@@ -17016,10 +18006,10 @@
         </p:nvGrpSpPr>
         <p:grpSpPr>
           <a:xfrm rot="0">
-            <a:off x="-1572380" y="0"/>
-            <a:ext cx="20085923" cy="10287000"/>
+            <a:off x="-3516725" y="2263413"/>
+            <a:ext cx="21804725" cy="9254685"/>
             <a:chOff x="0" y="0"/>
-            <a:chExt cx="5290120" cy="2709333"/>
+            <a:chExt cx="5742808" cy="2437448"/>
           </a:xfrm>
         </p:grpSpPr>
         <p:sp>
@@ -17031,7 +18021,7 @@
           <p:spPr>
             <a:xfrm flipH="false" flipV="false" rot="0">
               <a:off x="0" y="0"/>
-              <a:ext cx="5290119" cy="2709333"/>
+              <a:ext cx="5742808" cy="2437448"/>
             </a:xfrm>
             <a:custGeom>
               <a:avLst/>
@@ -17040,25 +18030,25 @@
               <a:cxnLst/>
               <a:rect r="r" b="b" t="t" l="l"/>
               <a:pathLst>
-                <a:path h="2709333" w="5290119">
+                <a:path h="2437448" w="5742808">
                   <a:moveTo>
                     <a:pt x="0" y="0"/>
                   </a:moveTo>
                   <a:lnTo>
-                    <a:pt x="5290119" y="0"/>
-                  </a:lnTo>
-                  <a:lnTo>
-                    <a:pt x="5290119" y="2709333"/>
-                  </a:lnTo>
-                  <a:lnTo>
-                    <a:pt x="0" y="2709333"/>
+                    <a:pt x="5742808" y="0"/>
+                  </a:lnTo>
+                  <a:lnTo>
+                    <a:pt x="5742808" y="2437448"/>
+                  </a:lnTo>
+                  <a:lnTo>
+                    <a:pt x="0" y="2437448"/>
                   </a:lnTo>
                   <a:close/>
                 </a:path>
               </a:pathLst>
             </a:custGeom>
             <a:solidFill>
-              <a:srgbClr val="F4F8FD"/>
+              <a:srgbClr val="FFFFFF"/>
             </a:solidFill>
           </p:spPr>
         </p:sp>
@@ -17071,7 +18061,7 @@
           <p:spPr>
             <a:xfrm>
               <a:off x="0" y="-47625"/>
-              <a:ext cx="5290120" cy="2756958"/>
+              <a:ext cx="5742808" cy="2485073"/>
             </a:xfrm>
             <a:prstGeom prst="rect">
               <a:avLst/>
@@ -17098,10 +18088,10 @@
         </p:nvGrpSpPr>
         <p:grpSpPr>
           <a:xfrm rot="0">
-            <a:off x="4599053" y="3938079"/>
-            <a:ext cx="9089893" cy="2410843"/>
+            <a:off x="554688" y="475141"/>
+            <a:ext cx="6202300" cy="1107118"/>
             <a:chOff x="0" y="0"/>
-            <a:chExt cx="3274466" cy="868462"/>
+            <a:chExt cx="2234264" cy="398819"/>
           </a:xfrm>
         </p:grpSpPr>
         <p:sp>
@@ -17113,7 +18103,7 @@
           <p:spPr>
             <a:xfrm flipH="false" flipV="false" rot="0">
               <a:off x="0" y="0"/>
-              <a:ext cx="3274466" cy="868462"/>
+              <a:ext cx="2234264" cy="398819"/>
             </a:xfrm>
             <a:custGeom>
               <a:avLst/>
@@ -17122,41 +18112,41 @@
               <a:cxnLst/>
               <a:rect r="r" b="b" t="t" l="l"/>
               <a:pathLst>
-                <a:path h="868462" w="3274466">
+                <a:path h="398819" w="2234264">
                   <a:moveTo>
-                    <a:pt x="80060" y="0"/>
+                    <a:pt x="117334" y="0"/>
                   </a:moveTo>
                   <a:lnTo>
-                    <a:pt x="3194406" y="0"/>
-                  </a:lnTo>
-                  <a:cubicBezTo>
-                    <a:pt x="3238622" y="0"/>
-                    <a:pt x="3274466" y="35844"/>
-                    <a:pt x="3274466" y="80060"/>
-                  </a:cubicBezTo>
-                  <a:lnTo>
-                    <a:pt x="3274466" y="788401"/>
-                  </a:lnTo>
-                  <a:cubicBezTo>
-                    <a:pt x="3274466" y="832617"/>
-                    <a:pt x="3238622" y="868462"/>
-                    <a:pt x="3194406" y="868462"/>
-                  </a:cubicBezTo>
-                  <a:lnTo>
-                    <a:pt x="80060" y="868462"/>
-                  </a:lnTo>
-                  <a:cubicBezTo>
-                    <a:pt x="35844" y="868462"/>
-                    <a:pt x="0" y="832617"/>
-                    <a:pt x="0" y="788401"/>
-                  </a:cubicBezTo>
-                  <a:lnTo>
-                    <a:pt x="0" y="80060"/>
-                  </a:lnTo>
-                  <a:cubicBezTo>
-                    <a:pt x="0" y="35844"/>
-                    <a:pt x="35844" y="0"/>
-                    <a:pt x="80060" y="0"/>
+                    <a:pt x="2116930" y="0"/>
+                  </a:lnTo>
+                  <a:cubicBezTo>
+                    <a:pt x="2181732" y="0"/>
+                    <a:pt x="2234264" y="52532"/>
+                    <a:pt x="2234264" y="117334"/>
+                  </a:cubicBezTo>
+                  <a:lnTo>
+                    <a:pt x="2234264" y="281485"/>
+                  </a:lnTo>
+                  <a:cubicBezTo>
+                    <a:pt x="2234264" y="346287"/>
+                    <a:pt x="2181732" y="398819"/>
+                    <a:pt x="2116930" y="398819"/>
+                  </a:cubicBezTo>
+                  <a:lnTo>
+                    <a:pt x="117334" y="398819"/>
+                  </a:lnTo>
+                  <a:cubicBezTo>
+                    <a:pt x="52532" y="398819"/>
+                    <a:pt x="0" y="346287"/>
+                    <a:pt x="0" y="281485"/>
+                  </a:cubicBezTo>
+                  <a:lnTo>
+                    <a:pt x="0" y="117334"/>
+                  </a:lnTo>
+                  <a:cubicBezTo>
+                    <a:pt x="0" y="52532"/>
+                    <a:pt x="52532" y="0"/>
+                    <a:pt x="117334" y="0"/>
                   </a:cubicBezTo>
                   <a:close/>
                 </a:path>
@@ -17184,732 +18174,8 @@
           </p:nvSpPr>
           <p:spPr>
             <a:xfrm>
-              <a:off x="0" y="-104775"/>
-              <a:ext cx="3274466" cy="973237"/>
-            </a:xfrm>
-            <a:prstGeom prst="rect">
-              <a:avLst/>
-            </a:prstGeom>
-          </p:spPr>
-          <p:txBody>
-            <a:bodyPr anchor="ctr" rtlCol="false" tIns="50800" lIns="50800" bIns="50800" rIns="50800"/>
-            <a:lstStyle/>
-            <a:p>
-              <a:pPr algn="ctr">
-                <a:lnSpc>
-                  <a:spcPts val="7559"/>
-                </a:lnSpc>
-              </a:pPr>
-              <a:r>
-                <a:rPr lang="en-US" sz="5399" b="true">
-                  <a:solidFill>
-                    <a:srgbClr val="08316C"/>
-                  </a:solidFill>
-                  <a:latin typeface="DM Sans Bold"/>
-                  <a:ea typeface="DM Sans Bold"/>
-                  <a:cs typeface="DM Sans Bold"/>
-                  <a:sym typeface="DM Sans Bold"/>
-                </a:rPr>
-                <a:t>Model Training &amp; Evaluation:</a:t>
-              </a:r>
-            </a:p>
-          </p:txBody>
-        </p:sp>
-      </p:grpSp>
-      <p:grpSp>
-        <p:nvGrpSpPr>
-          <p:cNvPr name="Group 8" id="8"/>
-          <p:cNvGrpSpPr/>
-          <p:nvPr/>
-        </p:nvGrpSpPr>
-        <p:grpSpPr>
-          <a:xfrm rot="0">
-            <a:off x="-296413" y="0"/>
-            <a:ext cx="1861703" cy="12422130"/>
-            <a:chOff x="0" y="0"/>
-            <a:chExt cx="490325" cy="3271672"/>
-          </a:xfrm>
-        </p:grpSpPr>
-        <p:sp>
-          <p:nvSpPr>
-            <p:cNvPr name="Freeform 9" id="9"/>
-            <p:cNvSpPr/>
-            <p:nvPr/>
-          </p:nvSpPr>
-          <p:spPr>
-            <a:xfrm flipH="false" flipV="false" rot="0">
-              <a:off x="0" y="0"/>
-              <a:ext cx="490325" cy="3271672"/>
-            </a:xfrm>
-            <a:custGeom>
-              <a:avLst/>
-              <a:gdLst/>
-              <a:ahLst/>
-              <a:cxnLst/>
-              <a:rect r="r" b="b" t="t" l="l"/>
-              <a:pathLst>
-                <a:path h="3271672" w="490325">
-                  <a:moveTo>
-                    <a:pt x="0" y="0"/>
-                  </a:moveTo>
-                  <a:lnTo>
-                    <a:pt x="490325" y="0"/>
-                  </a:lnTo>
-                  <a:lnTo>
-                    <a:pt x="490325" y="3271672"/>
-                  </a:lnTo>
-                  <a:lnTo>
-                    <a:pt x="0" y="3271672"/>
-                  </a:lnTo>
-                  <a:close/>
-                </a:path>
-              </a:pathLst>
-            </a:custGeom>
-            <a:solidFill>
-              <a:srgbClr val="08316C"/>
-            </a:solidFill>
-          </p:spPr>
-        </p:sp>
-        <p:sp>
-          <p:nvSpPr>
-            <p:cNvPr name="TextBox 10" id="10"/>
-            <p:cNvSpPr txBox="true"/>
-            <p:nvPr/>
-          </p:nvSpPr>
-          <p:spPr>
-            <a:xfrm>
-              <a:off x="0" y="-47625"/>
-              <a:ext cx="490325" cy="3319297"/>
-            </a:xfrm>
-            <a:prstGeom prst="rect">
-              <a:avLst/>
-            </a:prstGeom>
-          </p:spPr>
-          <p:txBody>
-            <a:bodyPr anchor="ctr" rtlCol="false" tIns="50800" lIns="50800" bIns="50800" rIns="50800"/>
-            <a:lstStyle/>
-            <a:p>
-              <a:pPr algn="ctr">
-                <a:lnSpc>
-                  <a:spcPts val="3316"/>
-                </a:lnSpc>
-              </a:pPr>
-            </a:p>
-          </p:txBody>
-        </p:sp>
-      </p:grpSp>
-      <p:grpSp>
-        <p:nvGrpSpPr>
-          <p:cNvPr name="Group 11" id="11"/>
-          <p:cNvGrpSpPr/>
-          <p:nvPr/>
-        </p:nvGrpSpPr>
-        <p:grpSpPr>
-          <a:xfrm rot="0">
-            <a:off x="1565290" y="0"/>
-            <a:ext cx="453646" cy="12422130"/>
-            <a:chOff x="0" y="0"/>
-            <a:chExt cx="119479" cy="3271672"/>
-          </a:xfrm>
-        </p:grpSpPr>
-        <p:sp>
-          <p:nvSpPr>
-            <p:cNvPr name="Freeform 12" id="12"/>
-            <p:cNvSpPr/>
-            <p:nvPr/>
-          </p:nvSpPr>
-          <p:spPr>
-            <a:xfrm flipH="false" flipV="false" rot="0">
-              <a:off x="0" y="0"/>
-              <a:ext cx="119479" cy="3271672"/>
-            </a:xfrm>
-            <a:custGeom>
-              <a:avLst/>
-              <a:gdLst/>
-              <a:ahLst/>
-              <a:cxnLst/>
-              <a:rect r="r" b="b" t="t" l="l"/>
-              <a:pathLst>
-                <a:path h="3271672" w="119479">
-                  <a:moveTo>
-                    <a:pt x="0" y="0"/>
-                  </a:moveTo>
-                  <a:lnTo>
-                    <a:pt x="119479" y="0"/>
-                  </a:lnTo>
-                  <a:lnTo>
-                    <a:pt x="119479" y="3271672"/>
-                  </a:lnTo>
-                  <a:lnTo>
-                    <a:pt x="0" y="3271672"/>
-                  </a:lnTo>
-                  <a:close/>
-                </a:path>
-              </a:pathLst>
-            </a:custGeom>
-            <a:solidFill>
-              <a:srgbClr val="739DC3"/>
-            </a:solidFill>
-          </p:spPr>
-        </p:sp>
-        <p:sp>
-          <p:nvSpPr>
-            <p:cNvPr name="TextBox 13" id="13"/>
-            <p:cNvSpPr txBox="true"/>
-            <p:nvPr/>
-          </p:nvSpPr>
-          <p:spPr>
-            <a:xfrm>
-              <a:off x="0" y="-47625"/>
-              <a:ext cx="119479" cy="3319297"/>
-            </a:xfrm>
-            <a:prstGeom prst="rect">
-              <a:avLst/>
-            </a:prstGeom>
-          </p:spPr>
-          <p:txBody>
-            <a:bodyPr anchor="ctr" rtlCol="false" tIns="50800" lIns="50800" bIns="50800" rIns="50800"/>
-            <a:lstStyle/>
-            <a:p>
-              <a:pPr algn="ctr">
-                <a:lnSpc>
-                  <a:spcPts val="3316"/>
-                </a:lnSpc>
-              </a:pPr>
-            </a:p>
-          </p:txBody>
-        </p:sp>
-      </p:grpSp>
-    </p:spTree>
-  </p:cSld>
-  <p:clrMapOvr>
-    <a:masterClrMapping/>
-  </p:clrMapOvr>
-</p:sld>
-</file>
-
-<file path=ppt/slides/slide9.xml><?xml version="1.0" encoding="utf-8"?>
-<p:sld xmlns:p="http://schemas.openxmlformats.org/presentationml/2006/main" xmlns:a="http://schemas.openxmlformats.org/drawingml/2006/main">
-  <p:cSld>
-    <p:bg>
-      <p:bgPr>
-        <a:solidFill>
-          <a:srgbClr val="F4F8FD"/>
-        </a:solidFill>
-      </p:bgPr>
-    </p:bg>
-    <p:spTree>
-      <p:nvGrpSpPr>
-        <p:cNvPr id="1" name=""/>
-        <p:cNvGrpSpPr/>
-        <p:nvPr/>
-      </p:nvGrpSpPr>
-      <p:grpSpPr>
-        <a:xfrm>
-          <a:off x="0" y="0"/>
-          <a:ext cx="0" cy="0"/>
-          <a:chOff x="0" y="0"/>
-          <a:chExt cx="0" cy="0"/>
-        </a:xfrm>
-      </p:grpSpPr>
-      <p:graphicFrame>
-        <p:nvGraphicFramePr>
-          <p:cNvPr name="Table 2" id="2"/>
-          <p:cNvGraphicFramePr>
-            <a:graphicFrameLocks noGrp="true"/>
-          </p:cNvGraphicFramePr>
-          <p:nvPr/>
-        </p:nvGraphicFramePr>
-        <p:xfrm>
-          <a:off x="1028700" y="4503674"/>
-          <a:ext cx="16230600" cy="1279653"/>
-        </p:xfrm>
-        <a:graphic>
-          <a:graphicData uri="http://schemas.openxmlformats.org/drawingml/2006/table">
-            <a:tbl>
-              <a:tblPr/>
-              <a:tblGrid>
-                <a:gridCol w="4057650"/>
-                <a:gridCol w="4057650"/>
-                <a:gridCol w="4057650"/>
-                <a:gridCol w="4057650"/>
-              </a:tblGrid>
-              <a:tr h="1279653">
-                <a:tc>
-                  <a:txBody>
-                    <a:bodyPr anchor="t" rtlCol="false"/>
-                    <a:lstStyle/>
-                    <a:p>
-                      <a:pPr algn="ctr">
-                        <a:lnSpc>
-                          <a:spcPts val="3120"/>
-                        </a:lnSpc>
-                        <a:defRPr/>
-                      </a:pPr>
-                      <a:r>
-                        <a:rPr lang="en-US" b="true" sz="2400">
-                          <a:solidFill>
-                            <a:srgbClr val="FFFFFF"/>
-                          </a:solidFill>
-                          <a:latin typeface="Aileron Bold"/>
-                          <a:ea typeface="Aileron Bold"/>
-                          <a:cs typeface="Aileron Bold"/>
-                          <a:sym typeface="Aileron Bold"/>
-                        </a:rPr>
-                        <a:t>LOGISTIC REGRESSION</a:t>
-                      </a:r>
-                      <a:endParaRPr lang="en-US" sz="1100"/>
-                    </a:p>
-                  </a:txBody>
-                  <a:tcPr marL="171450" marR="171450" marT="171450" marB="171450" anchor="ctr">
-                    <a:lnL cmpd="sng" algn="ctr" cap="flat" w="38100">
-                      <a:solidFill>
-                        <a:srgbClr val="EDF0F2"/>
-                      </a:solidFill>
-                      <a:prstDash val="solid"/>
-                      <a:round/>
-                      <a:headEnd type="none" w="med" len="med"/>
-                      <a:tailEnd type="none" w="med" len="med"/>
-                    </a:lnL>
-                    <a:lnR cmpd="sng" algn="ctr" cap="flat" w="38100">
-                      <a:solidFill>
-                        <a:srgbClr val="EDF0F2"/>
-                      </a:solidFill>
-                      <a:prstDash val="solid"/>
-                      <a:round/>
-                      <a:headEnd type="none" w="med" len="med"/>
-                      <a:tailEnd type="none" w="med" len="med"/>
-                    </a:lnR>
-                    <a:lnT cmpd="sng" algn="ctr" cap="flat" w="38100">
-                      <a:solidFill>
-                        <a:srgbClr val="EDF0F2"/>
-                      </a:solidFill>
-                      <a:prstDash val="solid"/>
-                      <a:round/>
-                      <a:headEnd type="none" w="med" len="med"/>
-                      <a:tailEnd type="none" w="med" len="med"/>
-                    </a:lnT>
-                    <a:lnB cmpd="sng" algn="ctr" cap="flat" w="38100">
-                      <a:solidFill>
-                        <a:srgbClr val="EDF0F2"/>
-                      </a:solidFill>
-                      <a:prstDash val="solid"/>
-                      <a:round/>
-                      <a:headEnd type="none" w="med" len="med"/>
-                      <a:tailEnd type="none" w="med" len="med"/>
-                    </a:lnB>
-                    <a:solidFill>
-                      <a:srgbClr val="08316C"/>
-                    </a:solidFill>
-                  </a:tcPr>
-                </a:tc>
-                <a:tc>
-                  <a:txBody>
-                    <a:bodyPr anchor="t" rtlCol="false"/>
-                    <a:lstStyle/>
-                    <a:p>
-                      <a:pPr algn="ctr">
-                        <a:lnSpc>
-                          <a:spcPts val="3120"/>
-                        </a:lnSpc>
-                        <a:defRPr/>
-                      </a:pPr>
-                      <a:r>
-                        <a:rPr lang="en-US" b="true" sz="2400">
-                          <a:solidFill>
-                            <a:srgbClr val="FFFFFF"/>
-                          </a:solidFill>
-                          <a:latin typeface="Aileron Bold"/>
-                          <a:ea typeface="Aileron Bold"/>
-                          <a:cs typeface="Aileron Bold"/>
-                          <a:sym typeface="Aileron Bold"/>
-                        </a:rPr>
-                        <a:t>NAÏVE BAYES</a:t>
-                      </a:r>
-                      <a:endParaRPr lang="en-US" sz="1100"/>
-                    </a:p>
-                  </a:txBody>
-                  <a:tcPr marL="171450" marR="171450" marT="171450" marB="171450" anchor="ctr">
-                    <a:lnL cmpd="sng" algn="ctr" cap="flat" w="38100">
-                      <a:solidFill>
-                        <a:srgbClr val="EDF0F2"/>
-                      </a:solidFill>
-                      <a:prstDash val="solid"/>
-                      <a:round/>
-                      <a:headEnd type="none" w="med" len="med"/>
-                      <a:tailEnd type="none" w="med" len="med"/>
-                    </a:lnL>
-                    <a:lnR cmpd="sng" algn="ctr" cap="flat" w="38100">
-                      <a:solidFill>
-                        <a:srgbClr val="EDF0F2"/>
-                      </a:solidFill>
-                      <a:prstDash val="solid"/>
-                      <a:round/>
-                      <a:headEnd type="none" w="med" len="med"/>
-                      <a:tailEnd type="none" w="med" len="med"/>
-                    </a:lnR>
-                    <a:lnT cmpd="sng" algn="ctr" cap="flat" w="38100">
-                      <a:solidFill>
-                        <a:srgbClr val="EDF0F2"/>
-                      </a:solidFill>
-                      <a:prstDash val="solid"/>
-                      <a:round/>
-                      <a:headEnd type="none" w="med" len="med"/>
-                      <a:tailEnd type="none" w="med" len="med"/>
-                    </a:lnT>
-                    <a:lnB cmpd="sng" algn="ctr" cap="flat" w="38100">
-                      <a:solidFill>
-                        <a:srgbClr val="EDF0F2"/>
-                      </a:solidFill>
-                      <a:prstDash val="solid"/>
-                      <a:round/>
-                      <a:headEnd type="none" w="med" len="med"/>
-                      <a:tailEnd type="none" w="med" len="med"/>
-                    </a:lnB>
-                    <a:solidFill>
-                      <a:srgbClr val="739DC3"/>
-                    </a:solidFill>
-                  </a:tcPr>
-                </a:tc>
-                <a:tc>
-                  <a:txBody>
-                    <a:bodyPr anchor="t" rtlCol="false"/>
-                    <a:lstStyle/>
-                    <a:p>
-                      <a:pPr algn="ctr">
-                        <a:lnSpc>
-                          <a:spcPts val="3120"/>
-                        </a:lnSpc>
-                        <a:defRPr/>
-                      </a:pPr>
-                      <a:r>
-                        <a:rPr lang="en-US" b="true" sz="2400">
-                          <a:solidFill>
-                            <a:srgbClr val="FFFFFF"/>
-                          </a:solidFill>
-                          <a:latin typeface="Aileron Bold"/>
-                          <a:ea typeface="Aileron Bold"/>
-                          <a:cs typeface="Aileron Bold"/>
-                          <a:sym typeface="Aileron Bold"/>
-                        </a:rPr>
-                        <a:t>RANDOM FOREST</a:t>
-                      </a:r>
-                      <a:endParaRPr lang="en-US" sz="1100"/>
-                    </a:p>
-                  </a:txBody>
-                  <a:tcPr marL="171450" marR="171450" marT="171450" marB="171450" anchor="ctr">
-                    <a:lnL cmpd="sng" algn="ctr" cap="flat" w="38100">
-                      <a:solidFill>
-                        <a:srgbClr val="EDF0F2"/>
-                      </a:solidFill>
-                      <a:prstDash val="solid"/>
-                      <a:round/>
-                      <a:headEnd type="none" w="med" len="med"/>
-                      <a:tailEnd type="none" w="med" len="med"/>
-                    </a:lnL>
-                    <a:lnR cmpd="sng" algn="ctr" cap="flat" w="38100">
-                      <a:solidFill>
-                        <a:srgbClr val="EDF0F2"/>
-                      </a:solidFill>
-                      <a:prstDash val="solid"/>
-                      <a:round/>
-                      <a:headEnd type="none" w="med" len="med"/>
-                      <a:tailEnd type="none" w="med" len="med"/>
-                    </a:lnR>
-                    <a:lnT cmpd="sng" algn="ctr" cap="flat" w="38100">
-                      <a:solidFill>
-                        <a:srgbClr val="EDF0F2"/>
-                      </a:solidFill>
-                      <a:prstDash val="solid"/>
-                      <a:round/>
-                      <a:headEnd type="none" w="med" len="med"/>
-                      <a:tailEnd type="none" w="med" len="med"/>
-                    </a:lnT>
-                    <a:lnB cmpd="sng" algn="ctr" cap="flat" w="38100">
-                      <a:solidFill>
-                        <a:srgbClr val="EDF0F2"/>
-                      </a:solidFill>
-                      <a:prstDash val="solid"/>
-                      <a:round/>
-                      <a:headEnd type="none" w="med" len="med"/>
-                      <a:tailEnd type="none" w="med" len="med"/>
-                    </a:lnB>
-                    <a:solidFill>
-                      <a:srgbClr val="878787"/>
-                    </a:solidFill>
-                  </a:tcPr>
-                </a:tc>
-                <a:tc>
-                  <a:txBody>
-                    <a:bodyPr anchor="t" rtlCol="false"/>
-                    <a:lstStyle/>
-                    <a:p>
-                      <a:pPr algn="ctr">
-                        <a:lnSpc>
-                          <a:spcPts val="3120"/>
-                        </a:lnSpc>
-                        <a:defRPr/>
-                      </a:pPr>
-                      <a:r>
-                        <a:rPr lang="en-US" b="true" sz="2400">
-                          <a:solidFill>
-                            <a:srgbClr val="FFFFFF"/>
-                          </a:solidFill>
-                          <a:latin typeface="Aileron Bold"/>
-                          <a:ea typeface="Aileron Bold"/>
-                          <a:cs typeface="Aileron Bold"/>
-                          <a:sym typeface="Aileron Bold"/>
-                        </a:rPr>
-                        <a:t>SUPPORT VECTOR MACHINE (SVM)</a:t>
-                      </a:r>
-                      <a:endParaRPr lang="en-US" sz="1100"/>
-                    </a:p>
-                  </a:txBody>
-                  <a:tcPr marL="171450" marR="171450" marT="171450" marB="171450" anchor="ctr">
-                    <a:lnL cmpd="sng" algn="ctr" cap="flat" w="38100">
-                      <a:solidFill>
-                        <a:srgbClr val="EDF0F2"/>
-                      </a:solidFill>
-                      <a:prstDash val="solid"/>
-                      <a:round/>
-                      <a:headEnd type="none" w="med" len="med"/>
-                      <a:tailEnd type="none" w="med" len="med"/>
-                    </a:lnL>
-                    <a:lnR cmpd="sng" algn="ctr" cap="flat" w="38100">
-                      <a:solidFill>
-                        <a:srgbClr val="EDF0F2"/>
-                      </a:solidFill>
-                      <a:prstDash val="solid"/>
-                      <a:round/>
-                      <a:headEnd type="none" w="med" len="med"/>
-                      <a:tailEnd type="none" w="med" len="med"/>
-                    </a:lnR>
-                    <a:lnT cmpd="sng" algn="ctr" cap="flat" w="38100">
-                      <a:solidFill>
-                        <a:srgbClr val="EDF0F2"/>
-                      </a:solidFill>
-                      <a:prstDash val="solid"/>
-                      <a:round/>
-                      <a:headEnd type="none" w="med" len="med"/>
-                      <a:tailEnd type="none" w="med" len="med"/>
-                    </a:lnT>
-                    <a:lnB cmpd="sng" algn="ctr" cap="flat" w="38100">
-                      <a:solidFill>
-                        <a:srgbClr val="EDF0F2"/>
-                      </a:solidFill>
-                      <a:prstDash val="solid"/>
-                      <a:round/>
-                      <a:headEnd type="none" w="med" len="med"/>
-                      <a:tailEnd type="none" w="med" len="med"/>
-                    </a:lnB>
-                    <a:solidFill>
-                      <a:srgbClr val="08316C"/>
-                    </a:solidFill>
-                  </a:tcPr>
-                </a:tc>
-              </a:tr>
-            </a:tbl>
-          </a:graphicData>
-        </a:graphic>
-      </p:graphicFrame>
-      <p:grpSp>
-        <p:nvGrpSpPr>
-          <p:cNvPr name="Group 3" id="3"/>
-          <p:cNvGrpSpPr/>
-          <p:nvPr/>
-        </p:nvGrpSpPr>
-        <p:grpSpPr>
-          <a:xfrm rot="0">
-            <a:off x="0" y="-741914"/>
-            <a:ext cx="18739086" cy="3171792"/>
-            <a:chOff x="0" y="0"/>
-            <a:chExt cx="4935397" cy="835369"/>
-          </a:xfrm>
-        </p:grpSpPr>
-        <p:sp>
-          <p:nvSpPr>
-            <p:cNvPr name="Freeform 4" id="4"/>
-            <p:cNvSpPr/>
-            <p:nvPr/>
-          </p:nvSpPr>
-          <p:spPr>
-            <a:xfrm flipH="false" flipV="false" rot="0">
-              <a:off x="0" y="0"/>
-              <a:ext cx="4935397" cy="835369"/>
-            </a:xfrm>
-            <a:custGeom>
-              <a:avLst/>
-              <a:gdLst/>
-              <a:ahLst/>
-              <a:cxnLst/>
-              <a:rect r="r" b="b" t="t" l="l"/>
-              <a:pathLst>
-                <a:path h="835369" w="4935397">
-                  <a:moveTo>
-                    <a:pt x="0" y="0"/>
-                  </a:moveTo>
-                  <a:lnTo>
-                    <a:pt x="4935397" y="0"/>
-                  </a:lnTo>
-                  <a:lnTo>
-                    <a:pt x="4935397" y="835369"/>
-                  </a:lnTo>
-                  <a:lnTo>
-                    <a:pt x="0" y="835369"/>
-                  </a:lnTo>
-                  <a:close/>
-                </a:path>
-              </a:pathLst>
-            </a:custGeom>
-            <a:solidFill>
-              <a:srgbClr val="FFFFFF"/>
-            </a:solidFill>
-          </p:spPr>
-        </p:sp>
-        <p:sp>
-          <p:nvSpPr>
-            <p:cNvPr name="TextBox 5" id="5"/>
-            <p:cNvSpPr txBox="true"/>
-            <p:nvPr/>
-          </p:nvSpPr>
-          <p:spPr>
-            <a:xfrm>
-              <a:off x="0" y="-47625"/>
-              <a:ext cx="4935397" cy="882994"/>
-            </a:xfrm>
-            <a:prstGeom prst="rect">
-              <a:avLst/>
-            </a:prstGeom>
-          </p:spPr>
-          <p:txBody>
-            <a:bodyPr anchor="ctr" rtlCol="false" tIns="50800" lIns="50800" bIns="50800" rIns="50800"/>
-            <a:lstStyle/>
-            <a:p>
-              <a:pPr algn="ctr">
-                <a:lnSpc>
-                  <a:spcPts val="3316"/>
-                </a:lnSpc>
-              </a:pPr>
-            </a:p>
-          </p:txBody>
-        </p:sp>
-      </p:grpSp>
-      <p:grpSp>
-        <p:nvGrpSpPr>
-          <p:cNvPr name="Group 6" id="6"/>
-          <p:cNvGrpSpPr/>
-          <p:nvPr/>
-        </p:nvGrpSpPr>
-        <p:grpSpPr>
-          <a:xfrm rot="0">
-            <a:off x="554768" y="843981"/>
-            <a:ext cx="6873162" cy="1107118"/>
-            <a:chOff x="0" y="0"/>
-            <a:chExt cx="2475930" cy="398819"/>
-          </a:xfrm>
-        </p:grpSpPr>
-        <p:sp>
-          <p:nvSpPr>
-            <p:cNvPr name="Freeform 7" id="7"/>
-            <p:cNvSpPr/>
-            <p:nvPr/>
-          </p:nvSpPr>
-          <p:spPr>
-            <a:xfrm flipH="false" flipV="false" rot="0">
-              <a:off x="0" y="0"/>
-              <a:ext cx="2475930" cy="398819"/>
-            </a:xfrm>
-            <a:custGeom>
-              <a:avLst/>
-              <a:gdLst/>
-              <a:ahLst/>
-              <a:cxnLst/>
-              <a:rect r="r" b="b" t="t" l="l"/>
-              <a:pathLst>
-                <a:path h="398819" w="2475930">
-                  <a:moveTo>
-                    <a:pt x="105881" y="0"/>
-                  </a:moveTo>
-                  <a:lnTo>
-                    <a:pt x="2370049" y="0"/>
-                  </a:lnTo>
-                  <a:cubicBezTo>
-                    <a:pt x="2398130" y="0"/>
-                    <a:pt x="2425061" y="11155"/>
-                    <a:pt x="2444918" y="31012"/>
-                  </a:cubicBezTo>
-                  <a:cubicBezTo>
-                    <a:pt x="2464775" y="50869"/>
-                    <a:pt x="2475930" y="77800"/>
-                    <a:pt x="2475930" y="105881"/>
-                  </a:cubicBezTo>
-                  <a:lnTo>
-                    <a:pt x="2475930" y="292937"/>
-                  </a:lnTo>
-                  <a:cubicBezTo>
-                    <a:pt x="2475930" y="321019"/>
-                    <a:pt x="2464775" y="347950"/>
-                    <a:pt x="2444918" y="367807"/>
-                  </a:cubicBezTo>
-                  <a:cubicBezTo>
-                    <a:pt x="2425061" y="387663"/>
-                    <a:pt x="2398130" y="398819"/>
-                    <a:pt x="2370049" y="398819"/>
-                  </a:cubicBezTo>
-                  <a:lnTo>
-                    <a:pt x="105881" y="398819"/>
-                  </a:lnTo>
-                  <a:cubicBezTo>
-                    <a:pt x="77800" y="398819"/>
-                    <a:pt x="50869" y="387663"/>
-                    <a:pt x="31012" y="367807"/>
-                  </a:cubicBezTo>
-                  <a:cubicBezTo>
-                    <a:pt x="11155" y="347950"/>
-                    <a:pt x="0" y="321019"/>
-                    <a:pt x="0" y="292937"/>
-                  </a:cubicBezTo>
-                  <a:lnTo>
-                    <a:pt x="0" y="105881"/>
-                  </a:lnTo>
-                  <a:cubicBezTo>
-                    <a:pt x="0" y="77800"/>
-                    <a:pt x="11155" y="50869"/>
-                    <a:pt x="31012" y="31012"/>
-                  </a:cubicBezTo>
-                  <a:cubicBezTo>
-                    <a:pt x="50869" y="11155"/>
-                    <a:pt x="77800" y="0"/>
-                    <a:pt x="105881" y="0"/>
-                  </a:cubicBezTo>
-                  <a:close/>
-                </a:path>
-              </a:pathLst>
-            </a:custGeom>
-            <a:solidFill>
-              <a:srgbClr val="000000">
-                <a:alpha val="0"/>
-              </a:srgbClr>
-            </a:solidFill>
-            <a:ln w="38100" cap="rnd">
-              <a:solidFill>
-                <a:srgbClr val="08316C"/>
-              </a:solidFill>
-              <a:prstDash val="solid"/>
-              <a:round/>
-            </a:ln>
-          </p:spPr>
-        </p:sp>
-        <p:sp>
-          <p:nvSpPr>
-            <p:cNvPr name="TextBox 8" id="8"/>
-            <p:cNvSpPr txBox="true"/>
-            <p:nvPr/>
-          </p:nvSpPr>
-          <p:spPr>
-            <a:xfrm>
               <a:off x="0" y="-95250"/>
-              <a:ext cx="2475930" cy="494069"/>
+              <a:ext cx="2234264" cy="494069"/>
             </a:xfrm>
             <a:prstGeom prst="rect">
               <a:avLst/>
@@ -17934,7 +18200,7 @@
                   <a:cs typeface="DM Sans Bold"/>
                   <a:sym typeface="DM Sans Bold"/>
                 </a:rPr>
-                <a:t>The models we used:</a:t>
+                <a:t>word cloud(Real):</a:t>
               </a:r>
             </a:p>
           </p:txBody>
@@ -17942,13 +18208,13 @@
       </p:grpSp>
       <p:sp>
         <p:nvSpPr>
-          <p:cNvPr name="AutoShape 9" id="9"/>
+          <p:cNvPr name="AutoShape 8" id="8"/>
           <p:cNvSpPr/>
           <p:nvPr/>
         </p:nvSpPr>
         <p:spPr>
           <a:xfrm flipV="true">
-            <a:off x="-254686" y="2391777"/>
+            <a:off x="-254686" y="2225313"/>
             <a:ext cx="18797372" cy="19050"/>
           </a:xfrm>
           <a:prstGeom prst="line">
@@ -17962,6 +18228,362 @@
             <a:headEnd type="none" len="sm" w="sm"/>
             <a:tailEnd type="none" len="sm" w="sm"/>
           </a:ln>
+        </p:spPr>
+      </p:sp>
+      <p:sp>
+        <p:nvSpPr>
+          <p:cNvPr name="Freeform 9" id="9"/>
+          <p:cNvSpPr/>
+          <p:nvPr/>
+        </p:nvSpPr>
+        <p:spPr>
+          <a:xfrm flipH="false" flipV="false" rot="0">
+            <a:off x="2623849" y="2892063"/>
+            <a:ext cx="13040303" cy="6594905"/>
+          </a:xfrm>
+          <a:custGeom>
+            <a:avLst/>
+            <a:gdLst/>
+            <a:ahLst/>
+            <a:cxnLst/>
+            <a:rect r="r" b="b" t="t" l="l"/>
+            <a:pathLst>
+              <a:path h="6594905" w="13040303">
+                <a:moveTo>
+                  <a:pt x="0" y="0"/>
+                </a:moveTo>
+                <a:lnTo>
+                  <a:pt x="13040302" y="0"/>
+                </a:lnTo>
+                <a:lnTo>
+                  <a:pt x="13040302" y="6594905"/>
+                </a:lnTo>
+                <a:lnTo>
+                  <a:pt x="0" y="6594905"/>
+                </a:lnTo>
+                <a:lnTo>
+                  <a:pt x="0" y="0"/>
+                </a:lnTo>
+                <a:close/>
+              </a:path>
+            </a:pathLst>
+          </a:custGeom>
+          <a:blipFill>
+            <a:blip r:embed="rId2"/>
+            <a:stretch>
+              <a:fillRect l="0" t="0" r="0" b="0"/>
+            </a:stretch>
+          </a:blipFill>
+        </p:spPr>
+      </p:sp>
+    </p:spTree>
+  </p:cSld>
+  <p:clrMapOvr>
+    <a:masterClrMapping/>
+  </p:clrMapOvr>
+</p:sld>
+</file>
+
+<file path=ppt/slides/slide9.xml><?xml version="1.0" encoding="utf-8"?>
+<p:sld xmlns:p="http://schemas.openxmlformats.org/presentationml/2006/main" xmlns:a="http://schemas.openxmlformats.org/drawingml/2006/main" xmlns:r="http://schemas.openxmlformats.org/officeDocument/2006/relationships">
+  <p:cSld>
+    <p:bg>
+      <p:bgPr>
+        <a:solidFill>
+          <a:srgbClr val="F4F8FD"/>
+        </a:solidFill>
+      </p:bgPr>
+    </p:bg>
+    <p:spTree>
+      <p:nvGrpSpPr>
+        <p:cNvPr id="1" name=""/>
+        <p:cNvGrpSpPr/>
+        <p:nvPr/>
+      </p:nvGrpSpPr>
+      <p:grpSpPr>
+        <a:xfrm>
+          <a:off x="0" y="0"/>
+          <a:ext cx="0" cy="0"/>
+          <a:chOff x="0" y="0"/>
+          <a:chExt cx="0" cy="0"/>
+        </a:xfrm>
+      </p:grpSpPr>
+      <p:grpSp>
+        <p:nvGrpSpPr>
+          <p:cNvPr name="Group 2" id="2"/>
+          <p:cNvGrpSpPr/>
+          <p:nvPr/>
+        </p:nvGrpSpPr>
+        <p:grpSpPr>
+          <a:xfrm rot="0">
+            <a:off x="-3516725" y="2263413"/>
+            <a:ext cx="21804725" cy="9254685"/>
+            <a:chOff x="0" y="0"/>
+            <a:chExt cx="5742808" cy="2437448"/>
+          </a:xfrm>
+        </p:grpSpPr>
+        <p:sp>
+          <p:nvSpPr>
+            <p:cNvPr name="Freeform 3" id="3"/>
+            <p:cNvSpPr/>
+            <p:nvPr/>
+          </p:nvSpPr>
+          <p:spPr>
+            <a:xfrm flipH="false" flipV="false" rot="0">
+              <a:off x="0" y="0"/>
+              <a:ext cx="5742808" cy="2437448"/>
+            </a:xfrm>
+            <a:custGeom>
+              <a:avLst/>
+              <a:gdLst/>
+              <a:ahLst/>
+              <a:cxnLst/>
+              <a:rect r="r" b="b" t="t" l="l"/>
+              <a:pathLst>
+                <a:path h="2437448" w="5742808">
+                  <a:moveTo>
+                    <a:pt x="0" y="0"/>
+                  </a:moveTo>
+                  <a:lnTo>
+                    <a:pt x="5742808" y="0"/>
+                  </a:lnTo>
+                  <a:lnTo>
+                    <a:pt x="5742808" y="2437448"/>
+                  </a:lnTo>
+                  <a:lnTo>
+                    <a:pt x="0" y="2437448"/>
+                  </a:lnTo>
+                  <a:close/>
+                </a:path>
+              </a:pathLst>
+            </a:custGeom>
+            <a:solidFill>
+              <a:srgbClr val="FFFFFF"/>
+            </a:solidFill>
+          </p:spPr>
+        </p:sp>
+        <p:sp>
+          <p:nvSpPr>
+            <p:cNvPr name="TextBox 4" id="4"/>
+            <p:cNvSpPr txBox="true"/>
+            <p:nvPr/>
+          </p:nvSpPr>
+          <p:spPr>
+            <a:xfrm>
+              <a:off x="0" y="-47625"/>
+              <a:ext cx="5742808" cy="2485073"/>
+            </a:xfrm>
+            <a:prstGeom prst="rect">
+              <a:avLst/>
+            </a:prstGeom>
+          </p:spPr>
+          <p:txBody>
+            <a:bodyPr anchor="ctr" rtlCol="false" tIns="50800" lIns="50800" bIns="50800" rIns="50800"/>
+            <a:lstStyle/>
+            <a:p>
+              <a:pPr algn="ctr">
+                <a:lnSpc>
+                  <a:spcPts val="3316"/>
+                </a:lnSpc>
+              </a:pPr>
+            </a:p>
+          </p:txBody>
+        </p:sp>
+      </p:grpSp>
+      <p:grpSp>
+        <p:nvGrpSpPr>
+          <p:cNvPr name="Group 5" id="5"/>
+          <p:cNvGrpSpPr/>
+          <p:nvPr/>
+        </p:nvGrpSpPr>
+        <p:grpSpPr>
+          <a:xfrm rot="0">
+            <a:off x="554688" y="475141"/>
+            <a:ext cx="6202300" cy="1107118"/>
+            <a:chOff x="0" y="0"/>
+            <a:chExt cx="2234264" cy="398819"/>
+          </a:xfrm>
+        </p:grpSpPr>
+        <p:sp>
+          <p:nvSpPr>
+            <p:cNvPr name="Freeform 6" id="6"/>
+            <p:cNvSpPr/>
+            <p:nvPr/>
+          </p:nvSpPr>
+          <p:spPr>
+            <a:xfrm flipH="false" flipV="false" rot="0">
+              <a:off x="0" y="0"/>
+              <a:ext cx="2234264" cy="398819"/>
+            </a:xfrm>
+            <a:custGeom>
+              <a:avLst/>
+              <a:gdLst/>
+              <a:ahLst/>
+              <a:cxnLst/>
+              <a:rect r="r" b="b" t="t" l="l"/>
+              <a:pathLst>
+                <a:path h="398819" w="2234264">
+                  <a:moveTo>
+                    <a:pt x="117334" y="0"/>
+                  </a:moveTo>
+                  <a:lnTo>
+                    <a:pt x="2116930" y="0"/>
+                  </a:lnTo>
+                  <a:cubicBezTo>
+                    <a:pt x="2181732" y="0"/>
+                    <a:pt x="2234264" y="52532"/>
+                    <a:pt x="2234264" y="117334"/>
+                  </a:cubicBezTo>
+                  <a:lnTo>
+                    <a:pt x="2234264" y="281485"/>
+                  </a:lnTo>
+                  <a:cubicBezTo>
+                    <a:pt x="2234264" y="346287"/>
+                    <a:pt x="2181732" y="398819"/>
+                    <a:pt x="2116930" y="398819"/>
+                  </a:cubicBezTo>
+                  <a:lnTo>
+                    <a:pt x="117334" y="398819"/>
+                  </a:lnTo>
+                  <a:cubicBezTo>
+                    <a:pt x="52532" y="398819"/>
+                    <a:pt x="0" y="346287"/>
+                    <a:pt x="0" y="281485"/>
+                  </a:cubicBezTo>
+                  <a:lnTo>
+                    <a:pt x="0" y="117334"/>
+                  </a:lnTo>
+                  <a:cubicBezTo>
+                    <a:pt x="0" y="52532"/>
+                    <a:pt x="52532" y="0"/>
+                    <a:pt x="117334" y="0"/>
+                  </a:cubicBezTo>
+                  <a:close/>
+                </a:path>
+              </a:pathLst>
+            </a:custGeom>
+            <a:solidFill>
+              <a:srgbClr val="000000">
+                <a:alpha val="0"/>
+              </a:srgbClr>
+            </a:solidFill>
+            <a:ln w="38100" cap="rnd">
+              <a:solidFill>
+                <a:srgbClr val="08316C"/>
+              </a:solidFill>
+              <a:prstDash val="solid"/>
+              <a:round/>
+            </a:ln>
+          </p:spPr>
+        </p:sp>
+        <p:sp>
+          <p:nvSpPr>
+            <p:cNvPr name="TextBox 7" id="7"/>
+            <p:cNvSpPr txBox="true"/>
+            <p:nvPr/>
+          </p:nvSpPr>
+          <p:spPr>
+            <a:xfrm>
+              <a:off x="0" y="-95250"/>
+              <a:ext cx="2234264" cy="494069"/>
+            </a:xfrm>
+            <a:prstGeom prst="rect">
+              <a:avLst/>
+            </a:prstGeom>
+          </p:spPr>
+          <p:txBody>
+            <a:bodyPr anchor="ctr" rtlCol="false" tIns="50800" lIns="50800" bIns="50800" rIns="50800"/>
+            <a:lstStyle/>
+            <a:p>
+              <a:pPr algn="ctr">
+                <a:lnSpc>
+                  <a:spcPts val="6719"/>
+                </a:lnSpc>
+              </a:pPr>
+              <a:r>
+                <a:rPr lang="en-US" sz="4800" b="true">
+                  <a:solidFill>
+                    <a:srgbClr val="08316C"/>
+                  </a:solidFill>
+                  <a:latin typeface="DM Sans Bold"/>
+                  <a:ea typeface="DM Sans Bold"/>
+                  <a:cs typeface="DM Sans Bold"/>
+                  <a:sym typeface="DM Sans Bold"/>
+                </a:rPr>
+                <a:t>word cloud(Fake):</a:t>
+              </a:r>
+            </a:p>
+          </p:txBody>
+        </p:sp>
+      </p:grpSp>
+      <p:sp>
+        <p:nvSpPr>
+          <p:cNvPr name="AutoShape 8" id="8"/>
+          <p:cNvSpPr/>
+          <p:nvPr/>
+        </p:nvSpPr>
+        <p:spPr>
+          <a:xfrm flipV="true">
+            <a:off x="-254686" y="2225313"/>
+            <a:ext cx="18797372" cy="19050"/>
+          </a:xfrm>
+          <a:prstGeom prst="line">
+            <a:avLst/>
+          </a:prstGeom>
+          <a:ln cap="flat" w="38100">
+            <a:solidFill>
+              <a:srgbClr val="08316C"/>
+            </a:solidFill>
+            <a:prstDash val="solid"/>
+            <a:headEnd type="none" len="sm" w="sm"/>
+            <a:tailEnd type="none" len="sm" w="sm"/>
+          </a:ln>
+        </p:spPr>
+      </p:sp>
+      <p:sp>
+        <p:nvSpPr>
+          <p:cNvPr name="Freeform 9" id="9"/>
+          <p:cNvSpPr/>
+          <p:nvPr/>
+        </p:nvSpPr>
+        <p:spPr>
+          <a:xfrm flipH="false" flipV="false" rot="0">
+            <a:off x="2875113" y="2919759"/>
+            <a:ext cx="12537774" cy="6338541"/>
+          </a:xfrm>
+          <a:custGeom>
+            <a:avLst/>
+            <a:gdLst/>
+            <a:ahLst/>
+            <a:cxnLst/>
+            <a:rect r="r" b="b" t="t" l="l"/>
+            <a:pathLst>
+              <a:path h="6338541" w="12537774">
+                <a:moveTo>
+                  <a:pt x="0" y="0"/>
+                </a:moveTo>
+                <a:lnTo>
+                  <a:pt x="12537774" y="0"/>
+                </a:lnTo>
+                <a:lnTo>
+                  <a:pt x="12537774" y="6338541"/>
+                </a:lnTo>
+                <a:lnTo>
+                  <a:pt x="0" y="6338541"/>
+                </a:lnTo>
+                <a:lnTo>
+                  <a:pt x="0" y="0"/>
+                </a:lnTo>
+                <a:close/>
+              </a:path>
+            </a:pathLst>
+          </a:custGeom>
+          <a:blipFill>
+            <a:blip r:embed="rId2"/>
+            <a:stretch>
+              <a:fillRect l="0" t="0" r="0" b="0"/>
+            </a:stretch>
+          </a:blipFill>
         </p:spPr>
       </p:sp>
     </p:spTree>

--- a/NLP_project/NLP-news-classification-fake-real/presentation/NLP-news-classification-fake-real.pptx
+++ b/NLP_project/NLP-news-classification-fake-real/presentation/NLP-news-classification-fake-real.pptx
@@ -27,33 +27,34 @@
     <p:sldId id="275" r:id="rId25"/>
     <p:sldId id="276" r:id="rId26"/>
     <p:sldId id="277" r:id="rId27"/>
+    <p:sldId id="278" r:id="rId28"/>
   </p:sldIdLst>
   <p:sldSz cx="18288000" cy="10287000"/>
   <p:notesSz cx="6858000" cy="9144000"/>
   <p:embeddedFontLst>
     <p:embeddedFont>
       <p:font typeface="DM Sans" charset="1" panose="00000000000000000000"/>
-      <p:regular r:id="rId28"/>
+      <p:regular r:id="rId29"/>
     </p:embeddedFont>
     <p:embeddedFont>
       <p:font typeface="DM Sans Bold" charset="1" panose="00000000000000000000"/>
-      <p:regular r:id="rId29"/>
+      <p:regular r:id="rId30"/>
     </p:embeddedFont>
     <p:embeddedFont>
       <p:font typeface="Canva Sans" charset="1" panose="020B0503030501040103"/>
-      <p:regular r:id="rId30"/>
+      <p:regular r:id="rId31"/>
     </p:embeddedFont>
     <p:embeddedFont>
       <p:font typeface="Aileron" charset="1" panose="00000500000000000000"/>
-      <p:regular r:id="rId31"/>
+      <p:regular r:id="rId32"/>
     </p:embeddedFont>
     <p:embeddedFont>
       <p:font typeface="Aileron Bold" charset="1" panose="00000800000000000000"/>
-      <p:regular r:id="rId32"/>
+      <p:regular r:id="rId33"/>
     </p:embeddedFont>
     <p:embeddedFont>
       <p:font typeface="Canva Sans Bold" charset="1" panose="020B0803030501040103"/>
-      <p:regular r:id="rId33"/>
+      <p:regular r:id="rId34"/>
     </p:embeddedFont>
   </p:embeddedFontLst>
   <p:defaultTextStyle>
@@ -7879,7 +7880,7 @@
         </p:nvSpPr>
         <p:spPr>
           <a:xfrm flipH="false" flipV="false" rot="0">
-            <a:off x="2667612" y="3034981"/>
+            <a:off x="2594404" y="3053654"/>
             <a:ext cx="13550278" cy="5901609"/>
           </a:xfrm>
           <a:custGeom>
@@ -7925,8 +7926,8 @@
         </p:nvSpPr>
         <p:spPr>
           <a:xfrm flipH="false" flipV="false" rot="0">
-            <a:off x="3673455" y="6323712"/>
-            <a:ext cx="4196083" cy="1538707"/>
+            <a:off x="2824817" y="3959653"/>
+            <a:ext cx="5044721" cy="1538707"/>
           </a:xfrm>
           <a:custGeom>
             <a:avLst/>
@@ -7935,18 +7936,18 @@
             <a:cxnLst/>
             <a:rect r="r" b="b" t="t" l="l"/>
             <a:pathLst>
-              <a:path h="1538707" w="4196083">
+              <a:path h="1538707" w="5044721">
                 <a:moveTo>
                   <a:pt x="0" y="0"/>
                 </a:moveTo>
                 <a:lnTo>
-                  <a:pt x="4196083" y="0"/>
+                  <a:pt x="5044721" y="0"/>
                 </a:lnTo>
                 <a:lnTo>
-                  <a:pt x="4196083" y="1538706"/>
+                  <a:pt x="5044721" y="1538707"/>
                 </a:lnTo>
                 <a:lnTo>
-                  <a:pt x="0" y="1538706"/>
+                  <a:pt x="0" y="1538707"/>
                 </a:lnTo>
                 <a:lnTo>
                   <a:pt x="0" y="0"/>
@@ -7958,7 +7959,7 @@
           <a:blipFill>
             <a:blip r:embed="rId3"/>
             <a:stretch>
-              <a:fillRect l="-8349" t="-21143" r="0" b="0"/>
+              <a:fillRect l="-8349" t="-35531" r="0" b="-10112"/>
             </a:stretch>
           </a:blipFill>
           <a:ln w="38100" cap="sq">
@@ -7978,8 +7979,8 @@
         </p:nvSpPr>
         <p:spPr>
           <a:xfrm flipH="false" flipV="false" rot="-5400000">
-            <a:off x="5054397" y="5047277"/>
-            <a:ext cx="4022216" cy="1608066"/>
+            <a:off x="4710734" y="5510391"/>
+            <a:ext cx="4709542" cy="1608066"/>
           </a:xfrm>
           <a:custGeom>
             <a:avLst/>
@@ -7988,15 +7989,15 @@
             <a:cxnLst/>
             <a:rect r="r" b="b" t="t" l="l"/>
             <a:pathLst>
-              <a:path h="1608066" w="4022216">
+              <a:path h="1608066" w="4709542">
                 <a:moveTo>
                   <a:pt x="0" y="0"/>
                 </a:moveTo>
                 <a:lnTo>
-                  <a:pt x="4022216" y="0"/>
+                  <a:pt x="4709541" y="0"/>
                 </a:lnTo>
                 <a:lnTo>
-                  <a:pt x="4022216" y="1608066"/>
+                  <a:pt x="4709541" y="1608066"/>
                 </a:lnTo>
                 <a:lnTo>
                   <a:pt x="0" y="1608066"/>
@@ -8011,7 +8012,7 @@
           <a:blipFill>
             <a:blip r:embed="rId3"/>
             <a:stretch>
-              <a:fillRect l="0" t="-1276" r="0" b="-1276"/>
+              <a:fillRect l="-42738" t="-35698" r="0" b="-35698"/>
             </a:stretch>
           </a:blipFill>
           <a:ln w="38100" cap="sq">
@@ -8031,8 +8032,8 @@
         </p:nvSpPr>
         <p:spPr>
           <a:xfrm flipH="false" flipV="false" rot="-5400000">
-            <a:off x="11857895" y="4997225"/>
-            <a:ext cx="3922113" cy="1608066"/>
+            <a:off x="3365759" y="6687776"/>
+            <a:ext cx="2354771" cy="1608066"/>
           </a:xfrm>
           <a:custGeom>
             <a:avLst/>
@@ -8041,18 +8042,18 @@
             <a:cxnLst/>
             <a:rect r="r" b="b" t="t" l="l"/>
             <a:pathLst>
-              <a:path h="1608066" w="3922113">
+              <a:path h="1608066" w="2354771">
                 <a:moveTo>
                   <a:pt x="0" y="0"/>
                 </a:moveTo>
                 <a:lnTo>
-                  <a:pt x="3922113" y="0"/>
+                  <a:pt x="2354771" y="0"/>
                 </a:lnTo>
                 <a:lnTo>
-                  <a:pt x="3922113" y="1608067"/>
+                  <a:pt x="2354771" y="1608066"/>
                 </a:lnTo>
                 <a:lnTo>
-                  <a:pt x="0" y="1608067"/>
+                  <a:pt x="0" y="1608066"/>
                 </a:lnTo>
                 <a:lnTo>
                   <a:pt x="0" y="0"/>
@@ -8064,7 +8065,7 @@
           <a:blipFill>
             <a:blip r:embed="rId3"/>
             <a:stretch>
-              <a:fillRect l="0" t="0" r="0" b="0"/>
+              <a:fillRect l="-66560" t="0" r="0" b="0"/>
             </a:stretch>
           </a:blipFill>
           <a:ln w="38100" cap="sq">
@@ -8084,8 +8085,8 @@
         </p:nvSpPr>
         <p:spPr>
           <a:xfrm flipH="false" flipV="false" rot="0">
-            <a:off x="10770261" y="6182699"/>
-            <a:ext cx="3852723" cy="1579616"/>
+            <a:off x="2370395" y="6314424"/>
+            <a:ext cx="2976782" cy="1579616"/>
           </a:xfrm>
           <a:custGeom>
             <a:avLst/>
@@ -8094,15 +8095,15 @@
             <a:cxnLst/>
             <a:rect r="r" b="b" t="t" l="l"/>
             <a:pathLst>
-              <a:path h="1579616" w="3852723">
+              <a:path h="1579616" w="2976782">
                 <a:moveTo>
                   <a:pt x="0" y="0"/>
                 </a:moveTo>
                 <a:lnTo>
-                  <a:pt x="3852723" y="0"/>
+                  <a:pt x="2976782" y="0"/>
                 </a:lnTo>
                 <a:lnTo>
-                  <a:pt x="3852723" y="1579616"/>
+                  <a:pt x="2976782" y="1579616"/>
                 </a:lnTo>
                 <a:lnTo>
                   <a:pt x="0" y="1579616"/>
@@ -8117,7 +8118,219 @@
           <a:blipFill>
             <a:blip r:embed="rId3"/>
             <a:stretch>
-              <a:fillRect l="0" t="0" r="0" b="0"/>
+              <a:fillRect l="0" t="0" r="-29425" b="0"/>
+            </a:stretch>
+          </a:blipFill>
+          <a:ln w="38100" cap="sq">
+            <a:solidFill>
+              <a:srgbClr val="000000"/>
+            </a:solidFill>
+            <a:prstDash val="solid"/>
+            <a:miter/>
+          </a:ln>
+        </p:spPr>
+      </p:sp>
+      <p:sp>
+        <p:nvSpPr>
+          <p:cNvPr name="Freeform 13" id="13"/>
+          <p:cNvSpPr/>
+          <p:nvPr/>
+        </p:nvSpPr>
+        <p:spPr>
+          <a:xfrm flipH="false" flipV="false" rot="0">
+            <a:off x="9598422" y="3959653"/>
+            <a:ext cx="5044721" cy="1538707"/>
+          </a:xfrm>
+          <a:custGeom>
+            <a:avLst/>
+            <a:gdLst/>
+            <a:ahLst/>
+            <a:cxnLst/>
+            <a:rect r="r" b="b" t="t" l="l"/>
+            <a:pathLst>
+              <a:path h="1538707" w="5044721">
+                <a:moveTo>
+                  <a:pt x="0" y="0"/>
+                </a:moveTo>
+                <a:lnTo>
+                  <a:pt x="5044721" y="0"/>
+                </a:lnTo>
+                <a:lnTo>
+                  <a:pt x="5044721" y="1538707"/>
+                </a:lnTo>
+                <a:lnTo>
+                  <a:pt x="0" y="1538707"/>
+                </a:lnTo>
+                <a:lnTo>
+                  <a:pt x="0" y="0"/>
+                </a:lnTo>
+                <a:close/>
+              </a:path>
+            </a:pathLst>
+          </a:custGeom>
+          <a:blipFill>
+            <a:blip r:embed="rId3"/>
+            <a:stretch>
+              <a:fillRect l="-8349" t="-35531" r="0" b="-10112"/>
+            </a:stretch>
+          </a:blipFill>
+          <a:ln w="38100" cap="sq">
+            <a:solidFill>
+              <a:srgbClr val="000000"/>
+            </a:solidFill>
+            <a:prstDash val="solid"/>
+            <a:miter/>
+          </a:ln>
+        </p:spPr>
+      </p:sp>
+      <p:sp>
+        <p:nvSpPr>
+          <p:cNvPr name="Freeform 14" id="14"/>
+          <p:cNvSpPr/>
+          <p:nvPr/>
+        </p:nvSpPr>
+        <p:spPr>
+          <a:xfrm flipH="false" flipV="false" rot="-5400000">
+            <a:off x="11484339" y="5510391"/>
+            <a:ext cx="4709542" cy="1608066"/>
+          </a:xfrm>
+          <a:custGeom>
+            <a:avLst/>
+            <a:gdLst/>
+            <a:ahLst/>
+            <a:cxnLst/>
+            <a:rect r="r" b="b" t="t" l="l"/>
+            <a:pathLst>
+              <a:path h="1608066" w="4709542">
+                <a:moveTo>
+                  <a:pt x="0" y="0"/>
+                </a:moveTo>
+                <a:lnTo>
+                  <a:pt x="4709541" y="0"/>
+                </a:lnTo>
+                <a:lnTo>
+                  <a:pt x="4709541" y="1608066"/>
+                </a:lnTo>
+                <a:lnTo>
+                  <a:pt x="0" y="1608066"/>
+                </a:lnTo>
+                <a:lnTo>
+                  <a:pt x="0" y="0"/>
+                </a:lnTo>
+                <a:close/>
+              </a:path>
+            </a:pathLst>
+          </a:custGeom>
+          <a:blipFill>
+            <a:blip r:embed="rId3"/>
+            <a:stretch>
+              <a:fillRect l="-42738" t="-35698" r="0" b="-35698"/>
+            </a:stretch>
+          </a:blipFill>
+          <a:ln w="38100" cap="sq">
+            <a:solidFill>
+              <a:srgbClr val="000000"/>
+            </a:solidFill>
+            <a:prstDash val="solid"/>
+            <a:miter/>
+          </a:ln>
+        </p:spPr>
+      </p:sp>
+      <p:sp>
+        <p:nvSpPr>
+          <p:cNvPr name="Freeform 15" id="15"/>
+          <p:cNvSpPr/>
+          <p:nvPr/>
+        </p:nvSpPr>
+        <p:spPr>
+          <a:xfrm flipH="false" flipV="false" rot="-5400000">
+            <a:off x="10139364" y="6687776"/>
+            <a:ext cx="2354771" cy="1608066"/>
+          </a:xfrm>
+          <a:custGeom>
+            <a:avLst/>
+            <a:gdLst/>
+            <a:ahLst/>
+            <a:cxnLst/>
+            <a:rect r="r" b="b" t="t" l="l"/>
+            <a:pathLst>
+              <a:path h="1608066" w="2354771">
+                <a:moveTo>
+                  <a:pt x="0" y="0"/>
+                </a:moveTo>
+                <a:lnTo>
+                  <a:pt x="2354771" y="0"/>
+                </a:lnTo>
+                <a:lnTo>
+                  <a:pt x="2354771" y="1608066"/>
+                </a:lnTo>
+                <a:lnTo>
+                  <a:pt x="0" y="1608066"/>
+                </a:lnTo>
+                <a:lnTo>
+                  <a:pt x="0" y="0"/>
+                </a:lnTo>
+                <a:close/>
+              </a:path>
+            </a:pathLst>
+          </a:custGeom>
+          <a:blipFill>
+            <a:blip r:embed="rId3"/>
+            <a:stretch>
+              <a:fillRect l="-66560" t="0" r="0" b="0"/>
+            </a:stretch>
+          </a:blipFill>
+          <a:ln w="38100" cap="sq">
+            <a:solidFill>
+              <a:srgbClr val="000000"/>
+            </a:solidFill>
+            <a:prstDash val="solid"/>
+            <a:miter/>
+          </a:ln>
+        </p:spPr>
+      </p:sp>
+      <p:sp>
+        <p:nvSpPr>
+          <p:cNvPr name="Freeform 16" id="16"/>
+          <p:cNvSpPr/>
+          <p:nvPr/>
+        </p:nvSpPr>
+        <p:spPr>
+          <a:xfrm flipH="false" flipV="false" rot="0">
+            <a:off x="9144000" y="6314424"/>
+            <a:ext cx="2976782" cy="1579616"/>
+          </a:xfrm>
+          <a:custGeom>
+            <a:avLst/>
+            <a:gdLst/>
+            <a:ahLst/>
+            <a:cxnLst/>
+            <a:rect r="r" b="b" t="t" l="l"/>
+            <a:pathLst>
+              <a:path h="1579616" w="2976782">
+                <a:moveTo>
+                  <a:pt x="0" y="0"/>
+                </a:moveTo>
+                <a:lnTo>
+                  <a:pt x="2976782" y="0"/>
+                </a:lnTo>
+                <a:lnTo>
+                  <a:pt x="2976782" y="1579616"/>
+                </a:lnTo>
+                <a:lnTo>
+                  <a:pt x="0" y="1579616"/>
+                </a:lnTo>
+                <a:lnTo>
+                  <a:pt x="0" y="0"/>
+                </a:lnTo>
+                <a:close/>
+              </a:path>
+            </a:pathLst>
+          </a:custGeom>
+          <a:blipFill>
+            <a:blip r:embed="rId3"/>
+            <a:stretch>
+              <a:fillRect l="0" t="0" r="-29425" b="0"/>
             </a:stretch>
           </a:blipFill>
           <a:ln w="38100" cap="sq">
@@ -8244,8 +8457,8 @@
         </p:nvSpPr>
         <p:spPr>
           <a:xfrm flipH="false" flipV="false" rot="0">
-            <a:off x="2725877" y="3120456"/>
-            <a:ext cx="13523409" cy="5673151"/>
+            <a:off x="2725877" y="3217783"/>
+            <a:ext cx="13523409" cy="5575824"/>
           </a:xfrm>
           <a:custGeom>
             <a:avLst/>
@@ -8254,7 +8467,7 @@
             <a:cxnLst/>
             <a:rect r="r" b="b" t="t" l="l"/>
             <a:pathLst>
-              <a:path h="5673151" w="13523409">
+              <a:path h="5575824" w="13523409">
                 <a:moveTo>
                   <a:pt x="0" y="0"/>
                 </a:moveTo>
@@ -8262,10 +8475,10 @@
                   <a:pt x="13523409" y="0"/>
                 </a:lnTo>
                 <a:lnTo>
-                  <a:pt x="13523409" y="5673151"/>
+                  <a:pt x="13523409" y="5575824"/>
                 </a:lnTo>
                 <a:lnTo>
-                  <a:pt x="0" y="5673151"/>
+                  <a:pt x="0" y="5575824"/>
                 </a:lnTo>
                 <a:lnTo>
                   <a:pt x="0" y="0"/>
@@ -8277,226 +8490,14 @@
           <a:blipFill>
             <a:blip r:embed="rId2"/>
             <a:stretch>
-              <a:fillRect l="0" t="-100000" r="0" b="0"/>
+              <a:fillRect l="0" t="-103491" r="0" b="0"/>
             </a:stretch>
           </a:blipFill>
         </p:spPr>
       </p:sp>
-      <p:sp>
-        <p:nvSpPr>
-          <p:cNvPr name="Freeform 6" id="6"/>
-          <p:cNvSpPr/>
-          <p:nvPr/>
-        </p:nvSpPr>
-        <p:spPr>
-          <a:xfrm flipH="false" flipV="false" rot="0">
-            <a:off x="3796570" y="6338472"/>
-            <a:ext cx="3852723" cy="1579616"/>
-          </a:xfrm>
-          <a:custGeom>
-            <a:avLst/>
-            <a:gdLst/>
-            <a:ahLst/>
-            <a:cxnLst/>
-            <a:rect r="r" b="b" t="t" l="l"/>
-            <a:pathLst>
-              <a:path h="1579616" w="3852723">
-                <a:moveTo>
-                  <a:pt x="0" y="0"/>
-                </a:moveTo>
-                <a:lnTo>
-                  <a:pt x="3852723" y="0"/>
-                </a:lnTo>
-                <a:lnTo>
-                  <a:pt x="3852723" y="1579616"/>
-                </a:lnTo>
-                <a:lnTo>
-                  <a:pt x="0" y="1579616"/>
-                </a:lnTo>
-                <a:lnTo>
-                  <a:pt x="0" y="0"/>
-                </a:lnTo>
-                <a:close/>
-              </a:path>
-            </a:pathLst>
-          </a:custGeom>
-          <a:blipFill>
-            <a:blip r:embed="rId3"/>
-            <a:stretch>
-              <a:fillRect l="0" t="0" r="0" b="0"/>
-            </a:stretch>
-          </a:blipFill>
-          <a:ln w="38100" cap="sq">
-            <a:solidFill>
-              <a:srgbClr val="000000"/>
-            </a:solidFill>
-            <a:prstDash val="solid"/>
-            <a:miter/>
-          </a:ln>
-        </p:spPr>
-      </p:sp>
-      <p:sp>
-        <p:nvSpPr>
-          <p:cNvPr name="Freeform 7" id="7"/>
-          <p:cNvSpPr/>
-          <p:nvPr/>
-        </p:nvSpPr>
-        <p:spPr>
-          <a:xfrm flipH="false" flipV="false" rot="-5400000">
-            <a:off x="4884204" y="5152998"/>
-            <a:ext cx="3922113" cy="1608066"/>
-          </a:xfrm>
-          <a:custGeom>
-            <a:avLst/>
-            <a:gdLst/>
-            <a:ahLst/>
-            <a:cxnLst/>
-            <a:rect r="r" b="b" t="t" l="l"/>
-            <a:pathLst>
-              <a:path h="1608066" w="3922113">
-                <a:moveTo>
-                  <a:pt x="0" y="0"/>
-                </a:moveTo>
-                <a:lnTo>
-                  <a:pt x="3922113" y="0"/>
-                </a:lnTo>
-                <a:lnTo>
-                  <a:pt x="3922113" y="1608067"/>
-                </a:lnTo>
-                <a:lnTo>
-                  <a:pt x="0" y="1608067"/>
-                </a:lnTo>
-                <a:lnTo>
-                  <a:pt x="0" y="0"/>
-                </a:lnTo>
-                <a:close/>
-              </a:path>
-            </a:pathLst>
-          </a:custGeom>
-          <a:blipFill>
-            <a:blip r:embed="rId3"/>
-            <a:stretch>
-              <a:fillRect l="0" t="0" r="0" b="0"/>
-            </a:stretch>
-          </a:blipFill>
-          <a:ln w="38100" cap="sq">
-            <a:solidFill>
-              <a:srgbClr val="000000"/>
-            </a:solidFill>
-            <a:prstDash val="solid"/>
-            <a:miter/>
-          </a:ln>
-        </p:spPr>
-      </p:sp>
-      <p:sp>
-        <p:nvSpPr>
-          <p:cNvPr name="Freeform 8" id="8"/>
-          <p:cNvSpPr/>
-          <p:nvPr/>
-        </p:nvSpPr>
-        <p:spPr>
-          <a:xfrm flipH="false" flipV="false" rot="-5400000">
-            <a:off x="11712630" y="5152998"/>
-            <a:ext cx="3922113" cy="1608066"/>
-          </a:xfrm>
-          <a:custGeom>
-            <a:avLst/>
-            <a:gdLst/>
-            <a:ahLst/>
-            <a:cxnLst/>
-            <a:rect r="r" b="b" t="t" l="l"/>
-            <a:pathLst>
-              <a:path h="1608066" w="3922113">
-                <a:moveTo>
-                  <a:pt x="0" y="0"/>
-                </a:moveTo>
-                <a:lnTo>
-                  <a:pt x="3922113" y="0"/>
-                </a:lnTo>
-                <a:lnTo>
-                  <a:pt x="3922113" y="1608067"/>
-                </a:lnTo>
-                <a:lnTo>
-                  <a:pt x="0" y="1608067"/>
-                </a:lnTo>
-                <a:lnTo>
-                  <a:pt x="0" y="0"/>
-                </a:lnTo>
-                <a:close/>
-              </a:path>
-            </a:pathLst>
-          </a:custGeom>
-          <a:blipFill>
-            <a:blip r:embed="rId3"/>
-            <a:stretch>
-              <a:fillRect l="0" t="0" r="0" b="0"/>
-            </a:stretch>
-          </a:blipFill>
-          <a:ln w="38100" cap="sq">
-            <a:solidFill>
-              <a:srgbClr val="000000"/>
-            </a:solidFill>
-            <a:prstDash val="solid"/>
-            <a:miter/>
-          </a:ln>
-        </p:spPr>
-      </p:sp>
-      <p:sp>
-        <p:nvSpPr>
-          <p:cNvPr name="Freeform 9" id="9"/>
-          <p:cNvSpPr/>
-          <p:nvPr/>
-        </p:nvSpPr>
-        <p:spPr>
-          <a:xfrm flipH="false" flipV="false" rot="0">
-            <a:off x="10624997" y="6338472"/>
-            <a:ext cx="3852723" cy="1579616"/>
-          </a:xfrm>
-          <a:custGeom>
-            <a:avLst/>
-            <a:gdLst/>
-            <a:ahLst/>
-            <a:cxnLst/>
-            <a:rect r="r" b="b" t="t" l="l"/>
-            <a:pathLst>
-              <a:path h="1579616" w="3852723">
-                <a:moveTo>
-                  <a:pt x="0" y="0"/>
-                </a:moveTo>
-                <a:lnTo>
-                  <a:pt x="3852723" y="0"/>
-                </a:lnTo>
-                <a:lnTo>
-                  <a:pt x="3852723" y="1579616"/>
-                </a:lnTo>
-                <a:lnTo>
-                  <a:pt x="0" y="1579616"/>
-                </a:lnTo>
-                <a:lnTo>
-                  <a:pt x="0" y="0"/>
-                </a:lnTo>
-                <a:close/>
-              </a:path>
-            </a:pathLst>
-          </a:custGeom>
-          <a:blipFill>
-            <a:blip r:embed="rId3"/>
-            <a:stretch>
-              <a:fillRect l="0" t="0" r="0" b="0"/>
-            </a:stretch>
-          </a:blipFill>
-          <a:ln w="38100" cap="sq">
-            <a:solidFill>
-              <a:srgbClr val="000000"/>
-            </a:solidFill>
-            <a:prstDash val="solid"/>
-            <a:miter/>
-          </a:ln>
-        </p:spPr>
-      </p:sp>
       <p:grpSp>
         <p:nvGrpSpPr>
-          <p:cNvPr name="Group 10" id="10"/>
+          <p:cNvPr name="Group 6" id="6"/>
           <p:cNvGrpSpPr/>
           <p:nvPr/>
         </p:nvGrpSpPr>
@@ -8510,7 +8511,7 @@
         </p:grpSpPr>
         <p:sp>
           <p:nvSpPr>
-            <p:cNvPr name="Freeform 11" id="11"/>
+            <p:cNvPr name="Freeform 7" id="7"/>
             <p:cNvSpPr/>
             <p:nvPr/>
           </p:nvSpPr>
@@ -8597,7 +8598,7 @@
         </p:sp>
         <p:sp>
           <p:nvSpPr>
-            <p:cNvPr name="TextBox 12" id="12"/>
+            <p:cNvPr name="TextBox 8" id="8"/>
             <p:cNvSpPr txBox="true"/>
             <p:nvPr/>
           </p:nvSpPr>
@@ -8635,6 +8636,430 @@
           </p:txBody>
         </p:sp>
       </p:grpSp>
+      <p:sp>
+        <p:nvSpPr>
+          <p:cNvPr name="Freeform 9" id="9"/>
+          <p:cNvSpPr/>
+          <p:nvPr/>
+        </p:nvSpPr>
+        <p:spPr>
+          <a:xfrm flipH="false" flipV="false" rot="0">
+            <a:off x="2824817" y="3959653"/>
+            <a:ext cx="5044721" cy="1538707"/>
+          </a:xfrm>
+          <a:custGeom>
+            <a:avLst/>
+            <a:gdLst/>
+            <a:ahLst/>
+            <a:cxnLst/>
+            <a:rect r="r" b="b" t="t" l="l"/>
+            <a:pathLst>
+              <a:path h="1538707" w="5044721">
+                <a:moveTo>
+                  <a:pt x="0" y="0"/>
+                </a:moveTo>
+                <a:lnTo>
+                  <a:pt x="5044721" y="0"/>
+                </a:lnTo>
+                <a:lnTo>
+                  <a:pt x="5044721" y="1538707"/>
+                </a:lnTo>
+                <a:lnTo>
+                  <a:pt x="0" y="1538707"/>
+                </a:lnTo>
+                <a:lnTo>
+                  <a:pt x="0" y="0"/>
+                </a:lnTo>
+                <a:close/>
+              </a:path>
+            </a:pathLst>
+          </a:custGeom>
+          <a:blipFill>
+            <a:blip r:embed="rId3"/>
+            <a:stretch>
+              <a:fillRect l="-8349" t="-35531" r="0" b="-10112"/>
+            </a:stretch>
+          </a:blipFill>
+          <a:ln w="38100" cap="sq">
+            <a:solidFill>
+              <a:srgbClr val="000000"/>
+            </a:solidFill>
+            <a:prstDash val="solid"/>
+            <a:miter/>
+          </a:ln>
+        </p:spPr>
+      </p:sp>
+      <p:sp>
+        <p:nvSpPr>
+          <p:cNvPr name="Freeform 10" id="10"/>
+          <p:cNvSpPr/>
+          <p:nvPr/>
+        </p:nvSpPr>
+        <p:spPr>
+          <a:xfrm flipH="false" flipV="false" rot="-5400000">
+            <a:off x="4710734" y="5510391"/>
+            <a:ext cx="4709542" cy="1608066"/>
+          </a:xfrm>
+          <a:custGeom>
+            <a:avLst/>
+            <a:gdLst/>
+            <a:ahLst/>
+            <a:cxnLst/>
+            <a:rect r="r" b="b" t="t" l="l"/>
+            <a:pathLst>
+              <a:path h="1608066" w="4709542">
+                <a:moveTo>
+                  <a:pt x="0" y="0"/>
+                </a:moveTo>
+                <a:lnTo>
+                  <a:pt x="4709541" y="0"/>
+                </a:lnTo>
+                <a:lnTo>
+                  <a:pt x="4709541" y="1608066"/>
+                </a:lnTo>
+                <a:lnTo>
+                  <a:pt x="0" y="1608066"/>
+                </a:lnTo>
+                <a:lnTo>
+                  <a:pt x="0" y="0"/>
+                </a:lnTo>
+                <a:close/>
+              </a:path>
+            </a:pathLst>
+          </a:custGeom>
+          <a:blipFill>
+            <a:blip r:embed="rId3"/>
+            <a:stretch>
+              <a:fillRect l="-42738" t="-35698" r="0" b="-35698"/>
+            </a:stretch>
+          </a:blipFill>
+          <a:ln w="38100" cap="sq">
+            <a:solidFill>
+              <a:srgbClr val="000000"/>
+            </a:solidFill>
+            <a:prstDash val="solid"/>
+            <a:miter/>
+          </a:ln>
+        </p:spPr>
+      </p:sp>
+      <p:sp>
+        <p:nvSpPr>
+          <p:cNvPr name="Freeform 11" id="11"/>
+          <p:cNvSpPr/>
+          <p:nvPr/>
+        </p:nvSpPr>
+        <p:spPr>
+          <a:xfrm flipH="false" flipV="false" rot="-5400000">
+            <a:off x="3365759" y="6687776"/>
+            <a:ext cx="2354771" cy="1608066"/>
+          </a:xfrm>
+          <a:custGeom>
+            <a:avLst/>
+            <a:gdLst/>
+            <a:ahLst/>
+            <a:cxnLst/>
+            <a:rect r="r" b="b" t="t" l="l"/>
+            <a:pathLst>
+              <a:path h="1608066" w="2354771">
+                <a:moveTo>
+                  <a:pt x="0" y="0"/>
+                </a:moveTo>
+                <a:lnTo>
+                  <a:pt x="2354771" y="0"/>
+                </a:lnTo>
+                <a:lnTo>
+                  <a:pt x="2354771" y="1608066"/>
+                </a:lnTo>
+                <a:lnTo>
+                  <a:pt x="0" y="1608066"/>
+                </a:lnTo>
+                <a:lnTo>
+                  <a:pt x="0" y="0"/>
+                </a:lnTo>
+                <a:close/>
+              </a:path>
+            </a:pathLst>
+          </a:custGeom>
+          <a:blipFill>
+            <a:blip r:embed="rId3"/>
+            <a:stretch>
+              <a:fillRect l="-66560" t="0" r="0" b="0"/>
+            </a:stretch>
+          </a:blipFill>
+          <a:ln w="38100" cap="sq">
+            <a:solidFill>
+              <a:srgbClr val="000000"/>
+            </a:solidFill>
+            <a:prstDash val="solid"/>
+            <a:miter/>
+          </a:ln>
+        </p:spPr>
+      </p:sp>
+      <p:sp>
+        <p:nvSpPr>
+          <p:cNvPr name="Freeform 12" id="12"/>
+          <p:cNvSpPr/>
+          <p:nvPr/>
+        </p:nvSpPr>
+        <p:spPr>
+          <a:xfrm flipH="false" flipV="false" rot="0">
+            <a:off x="2370395" y="6314424"/>
+            <a:ext cx="2976782" cy="1579616"/>
+          </a:xfrm>
+          <a:custGeom>
+            <a:avLst/>
+            <a:gdLst/>
+            <a:ahLst/>
+            <a:cxnLst/>
+            <a:rect r="r" b="b" t="t" l="l"/>
+            <a:pathLst>
+              <a:path h="1579616" w="2976782">
+                <a:moveTo>
+                  <a:pt x="0" y="0"/>
+                </a:moveTo>
+                <a:lnTo>
+                  <a:pt x="2976782" y="0"/>
+                </a:lnTo>
+                <a:lnTo>
+                  <a:pt x="2976782" y="1579616"/>
+                </a:lnTo>
+                <a:lnTo>
+                  <a:pt x="0" y="1579616"/>
+                </a:lnTo>
+                <a:lnTo>
+                  <a:pt x="0" y="0"/>
+                </a:lnTo>
+                <a:close/>
+              </a:path>
+            </a:pathLst>
+          </a:custGeom>
+          <a:blipFill>
+            <a:blip r:embed="rId3"/>
+            <a:stretch>
+              <a:fillRect l="0" t="0" r="-29425" b="0"/>
+            </a:stretch>
+          </a:blipFill>
+          <a:ln w="38100" cap="sq">
+            <a:solidFill>
+              <a:srgbClr val="000000"/>
+            </a:solidFill>
+            <a:prstDash val="solid"/>
+            <a:miter/>
+          </a:ln>
+        </p:spPr>
+      </p:sp>
+      <p:sp>
+        <p:nvSpPr>
+          <p:cNvPr name="Freeform 13" id="13"/>
+          <p:cNvSpPr/>
+          <p:nvPr/>
+        </p:nvSpPr>
+        <p:spPr>
+          <a:xfrm flipH="false" flipV="false" rot="0">
+            <a:off x="9823965" y="3800607"/>
+            <a:ext cx="5044721" cy="1538707"/>
+          </a:xfrm>
+          <a:custGeom>
+            <a:avLst/>
+            <a:gdLst/>
+            <a:ahLst/>
+            <a:cxnLst/>
+            <a:rect r="r" b="b" t="t" l="l"/>
+            <a:pathLst>
+              <a:path h="1538707" w="5044721">
+                <a:moveTo>
+                  <a:pt x="0" y="0"/>
+                </a:moveTo>
+                <a:lnTo>
+                  <a:pt x="5044720" y="0"/>
+                </a:lnTo>
+                <a:lnTo>
+                  <a:pt x="5044720" y="1538707"/>
+                </a:lnTo>
+                <a:lnTo>
+                  <a:pt x="0" y="1538707"/>
+                </a:lnTo>
+                <a:lnTo>
+                  <a:pt x="0" y="0"/>
+                </a:lnTo>
+                <a:close/>
+              </a:path>
+            </a:pathLst>
+          </a:custGeom>
+          <a:blipFill>
+            <a:blip r:embed="rId3"/>
+            <a:stretch>
+              <a:fillRect l="-8349" t="-35531" r="0" b="-10112"/>
+            </a:stretch>
+          </a:blipFill>
+          <a:ln w="38100" cap="sq">
+            <a:solidFill>
+              <a:srgbClr val="000000"/>
+            </a:solidFill>
+            <a:prstDash val="solid"/>
+            <a:miter/>
+          </a:ln>
+        </p:spPr>
+      </p:sp>
+      <p:sp>
+        <p:nvSpPr>
+          <p:cNvPr name="Freeform 14" id="14"/>
+          <p:cNvSpPr/>
+          <p:nvPr/>
+        </p:nvSpPr>
+        <p:spPr>
+          <a:xfrm flipH="false" flipV="false" rot="-5400000">
+            <a:off x="11709882" y="5351345"/>
+            <a:ext cx="4709542" cy="1608066"/>
+          </a:xfrm>
+          <a:custGeom>
+            <a:avLst/>
+            <a:gdLst/>
+            <a:ahLst/>
+            <a:cxnLst/>
+            <a:rect r="r" b="b" t="t" l="l"/>
+            <a:pathLst>
+              <a:path h="1608066" w="4709542">
+                <a:moveTo>
+                  <a:pt x="0" y="0"/>
+                </a:moveTo>
+                <a:lnTo>
+                  <a:pt x="4709541" y="0"/>
+                </a:lnTo>
+                <a:lnTo>
+                  <a:pt x="4709541" y="1608066"/>
+                </a:lnTo>
+                <a:lnTo>
+                  <a:pt x="0" y="1608066"/>
+                </a:lnTo>
+                <a:lnTo>
+                  <a:pt x="0" y="0"/>
+                </a:lnTo>
+                <a:close/>
+              </a:path>
+            </a:pathLst>
+          </a:custGeom>
+          <a:blipFill>
+            <a:blip r:embed="rId3"/>
+            <a:stretch>
+              <a:fillRect l="-42738" t="-35698" r="0" b="-35698"/>
+            </a:stretch>
+          </a:blipFill>
+          <a:ln w="38100" cap="sq">
+            <a:solidFill>
+              <a:srgbClr val="000000"/>
+            </a:solidFill>
+            <a:prstDash val="solid"/>
+            <a:miter/>
+          </a:ln>
+        </p:spPr>
+      </p:sp>
+      <p:sp>
+        <p:nvSpPr>
+          <p:cNvPr name="Freeform 15" id="15"/>
+          <p:cNvSpPr/>
+          <p:nvPr/>
+        </p:nvSpPr>
+        <p:spPr>
+          <a:xfrm flipH="false" flipV="false" rot="-5400000">
+            <a:off x="10364907" y="6528730"/>
+            <a:ext cx="2354771" cy="1608066"/>
+          </a:xfrm>
+          <a:custGeom>
+            <a:avLst/>
+            <a:gdLst/>
+            <a:ahLst/>
+            <a:cxnLst/>
+            <a:rect r="r" b="b" t="t" l="l"/>
+            <a:pathLst>
+              <a:path h="1608066" w="2354771">
+                <a:moveTo>
+                  <a:pt x="0" y="0"/>
+                </a:moveTo>
+                <a:lnTo>
+                  <a:pt x="2354770" y="0"/>
+                </a:lnTo>
+                <a:lnTo>
+                  <a:pt x="2354770" y="1608067"/>
+                </a:lnTo>
+                <a:lnTo>
+                  <a:pt x="0" y="1608067"/>
+                </a:lnTo>
+                <a:lnTo>
+                  <a:pt x="0" y="0"/>
+                </a:lnTo>
+                <a:close/>
+              </a:path>
+            </a:pathLst>
+          </a:custGeom>
+          <a:blipFill>
+            <a:blip r:embed="rId3"/>
+            <a:stretch>
+              <a:fillRect l="-66560" t="0" r="0" b="0"/>
+            </a:stretch>
+          </a:blipFill>
+          <a:ln w="38100" cap="sq">
+            <a:solidFill>
+              <a:srgbClr val="000000"/>
+            </a:solidFill>
+            <a:prstDash val="solid"/>
+            <a:miter/>
+          </a:ln>
+        </p:spPr>
+      </p:sp>
+      <p:sp>
+        <p:nvSpPr>
+          <p:cNvPr name="Freeform 16" id="16"/>
+          <p:cNvSpPr/>
+          <p:nvPr/>
+        </p:nvSpPr>
+        <p:spPr>
+          <a:xfrm flipH="false" flipV="false" rot="0">
+            <a:off x="9369543" y="6155378"/>
+            <a:ext cx="2976782" cy="1579616"/>
+          </a:xfrm>
+          <a:custGeom>
+            <a:avLst/>
+            <a:gdLst/>
+            <a:ahLst/>
+            <a:cxnLst/>
+            <a:rect r="r" b="b" t="t" l="l"/>
+            <a:pathLst>
+              <a:path h="1579616" w="2976782">
+                <a:moveTo>
+                  <a:pt x="0" y="0"/>
+                </a:moveTo>
+                <a:lnTo>
+                  <a:pt x="2976782" y="0"/>
+                </a:lnTo>
+                <a:lnTo>
+                  <a:pt x="2976782" y="1579617"/>
+                </a:lnTo>
+                <a:lnTo>
+                  <a:pt x="0" y="1579617"/>
+                </a:lnTo>
+                <a:lnTo>
+                  <a:pt x="0" y="0"/>
+                </a:lnTo>
+                <a:close/>
+              </a:path>
+            </a:pathLst>
+          </a:custGeom>
+          <a:blipFill>
+            <a:blip r:embed="rId3"/>
+            <a:stretch>
+              <a:fillRect l="0" t="0" r="-29425" b="0"/>
+            </a:stretch>
+          </a:blipFill>
+          <a:ln w="38100" cap="sq">
+            <a:solidFill>
+              <a:srgbClr val="000000"/>
+            </a:solidFill>
+            <a:prstDash val="solid"/>
+            <a:miter/>
+          </a:ln>
+        </p:spPr>
+      </p:sp>
     </p:spTree>
   </p:cSld>
   <p:clrMapOvr>
@@ -12059,7 +12484,7 @@
                   <a:sym typeface="DM Sans Bold"/>
                   <a:hlinkClick r:id="rId4" action="ppaction://hlinksldjump"/>
                 </a:rPr>
-                <a:t>Challenges &amp; Learnings</a:t>
+                <a:t>Challenges</a:t>
               </a:r>
             </a:p>
           </p:txBody>
@@ -12956,7 +13381,7 @@
         </p:nvGrpSpPr>
         <p:grpSpPr>
           <a:xfrm rot="0">
-            <a:off x="2383537" y="5423788"/>
+            <a:off x="3446913" y="5423788"/>
             <a:ext cx="3205523" cy="1497651"/>
             <a:chOff x="0" y="0"/>
             <a:chExt cx="672251" cy="314082"/>
@@ -13021,130 +13446,13 @@
               </a:pathLst>
             </a:custGeom>
             <a:solidFill>
-              <a:srgbClr val="08316C"/>
+              <a:srgbClr val="739DC3"/>
             </a:solidFill>
           </p:spPr>
         </p:sp>
         <p:sp>
           <p:nvSpPr>
             <p:cNvPr name="TextBox 4" id="4"/>
-            <p:cNvSpPr txBox="true"/>
-            <p:nvPr/>
-          </p:nvSpPr>
-          <p:spPr>
-            <a:xfrm>
-              <a:off x="0" y="-28575"/>
-              <a:ext cx="672251" cy="342657"/>
-            </a:xfrm>
-            <a:prstGeom prst="rect">
-              <a:avLst/>
-            </a:prstGeom>
-          </p:spPr>
-          <p:txBody>
-            <a:bodyPr anchor="ctr" rtlCol="false" tIns="254000" lIns="254000" bIns="254000" rIns="254000"/>
-            <a:lstStyle/>
-            <a:p>
-              <a:pPr algn="ctr">
-                <a:lnSpc>
-                  <a:spcPts val="3120"/>
-                </a:lnSpc>
-              </a:pPr>
-              <a:r>
-                <a:rPr lang="en-US" sz="2400" b="true">
-                  <a:solidFill>
-                    <a:srgbClr val="FFFFFF"/>
-                  </a:solidFill>
-                  <a:latin typeface="Aileron Bold"/>
-                  <a:ea typeface="Aileron Bold"/>
-                  <a:cs typeface="Aileron Bold"/>
-                  <a:sym typeface="Aileron Bold"/>
-                </a:rPr>
-                <a:t>Data Quality Issues:</a:t>
-              </a:r>
-            </a:p>
-          </p:txBody>
-        </p:sp>
-      </p:grpSp>
-      <p:grpSp>
-        <p:nvGrpSpPr>
-          <p:cNvPr name="Group 5" id="5"/>
-          <p:cNvGrpSpPr/>
-          <p:nvPr/>
-        </p:nvGrpSpPr>
-        <p:grpSpPr>
-          <a:xfrm rot="0">
-            <a:off x="5938477" y="5423788"/>
-            <a:ext cx="3205523" cy="1497651"/>
-            <a:chOff x="0" y="0"/>
-            <a:chExt cx="672251" cy="314082"/>
-          </a:xfrm>
-        </p:grpSpPr>
-        <p:sp>
-          <p:nvSpPr>
-            <p:cNvPr name="Freeform 6" id="6"/>
-            <p:cNvSpPr/>
-            <p:nvPr/>
-          </p:nvSpPr>
-          <p:spPr>
-            <a:xfrm flipH="false" flipV="false" rot="0">
-              <a:off x="0" y="0"/>
-              <a:ext cx="672251" cy="314082"/>
-            </a:xfrm>
-            <a:custGeom>
-              <a:avLst/>
-              <a:gdLst/>
-              <a:ahLst/>
-              <a:cxnLst/>
-              <a:rect r="r" b="b" t="t" l="l"/>
-              <a:pathLst>
-                <a:path h="314082" w="672251">
-                  <a:moveTo>
-                    <a:pt x="36228" y="0"/>
-                  </a:moveTo>
-                  <a:lnTo>
-                    <a:pt x="636023" y="0"/>
-                  </a:lnTo>
-                  <a:cubicBezTo>
-                    <a:pt x="656031" y="0"/>
-                    <a:pt x="672251" y="16220"/>
-                    <a:pt x="672251" y="36228"/>
-                  </a:cubicBezTo>
-                  <a:lnTo>
-                    <a:pt x="672251" y="277854"/>
-                  </a:lnTo>
-                  <a:cubicBezTo>
-                    <a:pt x="672251" y="297862"/>
-                    <a:pt x="656031" y="314082"/>
-                    <a:pt x="636023" y="314082"/>
-                  </a:cubicBezTo>
-                  <a:lnTo>
-                    <a:pt x="36228" y="314082"/>
-                  </a:lnTo>
-                  <a:cubicBezTo>
-                    <a:pt x="16220" y="314082"/>
-                    <a:pt x="0" y="297862"/>
-                    <a:pt x="0" y="277854"/>
-                  </a:cubicBezTo>
-                  <a:lnTo>
-                    <a:pt x="0" y="36228"/>
-                  </a:lnTo>
-                  <a:cubicBezTo>
-                    <a:pt x="0" y="16220"/>
-                    <a:pt x="16220" y="0"/>
-                    <a:pt x="36228" y="0"/>
-                  </a:cubicBezTo>
-                  <a:close/>
-                </a:path>
-              </a:pathLst>
-            </a:custGeom>
-            <a:solidFill>
-              <a:srgbClr val="739DC3"/>
-            </a:solidFill>
-          </p:spPr>
-        </p:sp>
-        <p:sp>
-          <p:nvSpPr>
-            <p:cNvPr name="TextBox 7" id="7"/>
             <p:cNvSpPr txBox="true"/>
             <p:nvPr/>
           </p:nvSpPr>
@@ -13184,13 +13492,13 @@
       </p:grpSp>
       <p:grpSp>
         <p:nvGrpSpPr>
-          <p:cNvPr name="Group 8" id="8"/>
+          <p:cNvPr name="Group 5" id="5"/>
           <p:cNvGrpSpPr/>
           <p:nvPr/>
         </p:nvGrpSpPr>
         <p:grpSpPr>
           <a:xfrm rot="0">
-            <a:off x="9496425" y="5423788"/>
+            <a:off x="7121277" y="5423788"/>
             <a:ext cx="3205523" cy="1497651"/>
             <a:chOff x="0" y="0"/>
             <a:chExt cx="672251" cy="314082"/>
@@ -13198,7 +13506,7 @@
         </p:grpSpPr>
         <p:sp>
           <p:nvSpPr>
-            <p:cNvPr name="Freeform 9" id="9"/>
+            <p:cNvPr name="Freeform 6" id="6"/>
             <p:cNvSpPr/>
             <p:nvPr/>
           </p:nvSpPr>
@@ -13261,7 +13569,7 @@
         </p:sp>
         <p:sp>
           <p:nvSpPr>
-            <p:cNvPr name="TextBox 10" id="10"/>
+            <p:cNvPr name="TextBox 7" id="7"/>
             <p:cNvSpPr txBox="true"/>
             <p:nvPr/>
           </p:nvSpPr>
@@ -13293,7 +13601,7 @@
                   <a:cs typeface="Aileron Bold"/>
                   <a:sym typeface="Aileron Bold"/>
                 </a:rPr>
-                <a:t>Choice of Models:</a:t>
+                <a:t>Choice of Models</a:t>
               </a:r>
             </a:p>
           </p:txBody>
@@ -13301,7 +13609,7 @@
       </p:grpSp>
       <p:sp>
         <p:nvSpPr>
-          <p:cNvPr name="AutoShape 11" id="11"/>
+          <p:cNvPr name="AutoShape 8" id="8"/>
           <p:cNvSpPr/>
           <p:nvPr/>
         </p:nvSpPr>
@@ -13325,7 +13633,7 @@
       </p:sp>
       <p:grpSp>
         <p:nvGrpSpPr>
-          <p:cNvPr name="Group 12" id="12"/>
+          <p:cNvPr name="Group 9" id="9"/>
           <p:cNvGrpSpPr/>
           <p:nvPr/>
         </p:nvGrpSpPr>
@@ -13339,7 +13647,7 @@
         </p:grpSpPr>
         <p:sp>
           <p:nvSpPr>
-            <p:cNvPr name="Freeform 13" id="13"/>
+            <p:cNvPr name="Freeform 10" id="10"/>
             <p:cNvSpPr/>
             <p:nvPr/>
           </p:nvSpPr>
@@ -13379,7 +13687,7 @@
         </p:sp>
         <p:sp>
           <p:nvSpPr>
-            <p:cNvPr name="TextBox 14" id="14"/>
+            <p:cNvPr name="TextBox 11" id="11"/>
             <p:cNvSpPr txBox="true"/>
             <p:nvPr/>
           </p:nvSpPr>
@@ -13407,7 +13715,7 @@
       </p:grpSp>
       <p:grpSp>
         <p:nvGrpSpPr>
-          <p:cNvPr name="Group 15" id="15"/>
+          <p:cNvPr name="Group 12" id="12"/>
           <p:cNvGrpSpPr/>
           <p:nvPr/>
         </p:nvGrpSpPr>
@@ -13421,7 +13729,7 @@
         </p:grpSpPr>
         <p:sp>
           <p:nvSpPr>
-            <p:cNvPr name="Freeform 16" id="16"/>
+            <p:cNvPr name="Freeform 13" id="13"/>
             <p:cNvSpPr/>
             <p:nvPr/>
           </p:nvSpPr>
@@ -13493,7 +13801,7 @@
         </p:sp>
         <p:sp>
           <p:nvSpPr>
-            <p:cNvPr name="TextBox 17" id="17"/>
+            <p:cNvPr name="TextBox 14" id="14"/>
             <p:cNvSpPr txBox="true"/>
             <p:nvPr/>
           </p:nvSpPr>
@@ -13533,13 +13841,13 @@
       </p:grpSp>
       <p:grpSp>
         <p:nvGrpSpPr>
-          <p:cNvPr name="Group 18" id="18"/>
+          <p:cNvPr name="Group 15" id="15"/>
           <p:cNvGrpSpPr/>
           <p:nvPr/>
         </p:nvGrpSpPr>
         <p:grpSpPr>
           <a:xfrm rot="0">
-            <a:off x="13054373" y="5423788"/>
+            <a:off x="10932650" y="5423788"/>
             <a:ext cx="3205523" cy="1497651"/>
             <a:chOff x="0" y="0"/>
             <a:chExt cx="672251" cy="314082"/>
@@ -13547,7 +13855,7 @@
         </p:grpSpPr>
         <p:sp>
           <p:nvSpPr>
-            <p:cNvPr name="Freeform 19" id="19"/>
+            <p:cNvPr name="Freeform 16" id="16"/>
             <p:cNvSpPr/>
             <p:nvPr/>
           </p:nvSpPr>
@@ -13610,7 +13918,7 @@
         </p:sp>
         <p:sp>
           <p:nvSpPr>
-            <p:cNvPr name="TextBox 20" id="20"/>
+            <p:cNvPr name="TextBox 17" id="17"/>
             <p:cNvSpPr txBox="true"/>
             <p:nvPr/>
           </p:nvSpPr>
@@ -13642,7 +13950,7 @@
                   <a:cs typeface="Aileron Bold"/>
                   <a:sym typeface="Aileron Bold"/>
                 </a:rPr>
-                <a:t>Misclassification Risks:</a:t>
+                <a:t>Misclassification Risks</a:t>
               </a:r>
             </a:p>
           </p:txBody>
@@ -13657,6 +13965,1662 @@
 </file>
 
 <file path=ppt/slides/slide22.xml><?xml version="1.0" encoding="utf-8"?>
+<p:sld xmlns:p="http://schemas.openxmlformats.org/presentationml/2006/main" xmlns:a="http://schemas.openxmlformats.org/drawingml/2006/main">
+  <p:cSld>
+    <p:bg>
+      <p:bgPr>
+        <a:solidFill>
+          <a:srgbClr val="F4F8FD"/>
+        </a:solidFill>
+      </p:bgPr>
+    </p:bg>
+    <p:spTree>
+      <p:nvGrpSpPr>
+        <p:cNvPr id="1" name=""/>
+        <p:cNvGrpSpPr/>
+        <p:nvPr/>
+      </p:nvGrpSpPr>
+      <p:grpSpPr>
+        <a:xfrm>
+          <a:off x="0" y="0"/>
+          <a:ext cx="0" cy="0"/>
+          <a:chOff x="0" y="0"/>
+          <a:chExt cx="0" cy="0"/>
+        </a:xfrm>
+      </p:grpSpPr>
+      <p:grpSp>
+        <p:nvGrpSpPr>
+          <p:cNvPr name="Group 2" id="2"/>
+          <p:cNvGrpSpPr/>
+          <p:nvPr/>
+        </p:nvGrpSpPr>
+        <p:grpSpPr>
+          <a:xfrm rot="0">
+            <a:off x="0" y="-741914"/>
+            <a:ext cx="18739086" cy="3171792"/>
+            <a:chOff x="0" y="0"/>
+            <a:chExt cx="4935397" cy="835369"/>
+          </a:xfrm>
+        </p:grpSpPr>
+        <p:sp>
+          <p:nvSpPr>
+            <p:cNvPr name="Freeform 3" id="3"/>
+            <p:cNvSpPr/>
+            <p:nvPr/>
+          </p:nvSpPr>
+          <p:spPr>
+            <a:xfrm flipH="false" flipV="false" rot="0">
+              <a:off x="0" y="0"/>
+              <a:ext cx="4935397" cy="835369"/>
+            </a:xfrm>
+            <a:custGeom>
+              <a:avLst/>
+              <a:gdLst/>
+              <a:ahLst/>
+              <a:cxnLst/>
+              <a:rect r="r" b="b" t="t" l="l"/>
+              <a:pathLst>
+                <a:path h="835369" w="4935397">
+                  <a:moveTo>
+                    <a:pt x="0" y="0"/>
+                  </a:moveTo>
+                  <a:lnTo>
+                    <a:pt x="4935397" y="0"/>
+                  </a:lnTo>
+                  <a:lnTo>
+                    <a:pt x="4935397" y="835369"/>
+                  </a:lnTo>
+                  <a:lnTo>
+                    <a:pt x="0" y="835369"/>
+                  </a:lnTo>
+                  <a:close/>
+                </a:path>
+              </a:pathLst>
+            </a:custGeom>
+            <a:solidFill>
+              <a:srgbClr val="FFFFFF"/>
+            </a:solidFill>
+          </p:spPr>
+        </p:sp>
+        <p:sp>
+          <p:nvSpPr>
+            <p:cNvPr name="TextBox 4" id="4"/>
+            <p:cNvSpPr txBox="true"/>
+            <p:nvPr/>
+          </p:nvSpPr>
+          <p:spPr>
+            <a:xfrm>
+              <a:off x="0" y="-47625"/>
+              <a:ext cx="4935397" cy="882994"/>
+            </a:xfrm>
+            <a:prstGeom prst="rect">
+              <a:avLst/>
+            </a:prstGeom>
+          </p:spPr>
+          <p:txBody>
+            <a:bodyPr anchor="ctr" rtlCol="false" tIns="50800" lIns="50800" bIns="50800" rIns="50800"/>
+            <a:lstStyle/>
+            <a:p>
+              <a:pPr algn="ctr">
+                <a:lnSpc>
+                  <a:spcPts val="3316"/>
+                </a:lnSpc>
+              </a:pPr>
+            </a:p>
+          </p:txBody>
+        </p:sp>
+      </p:grpSp>
+      <p:grpSp>
+        <p:nvGrpSpPr>
+          <p:cNvPr name="Group 5" id="5"/>
+          <p:cNvGrpSpPr/>
+          <p:nvPr/>
+        </p:nvGrpSpPr>
+        <p:grpSpPr>
+          <a:xfrm rot="0">
+            <a:off x="1028700" y="651366"/>
+            <a:ext cx="7719027" cy="1062304"/>
+            <a:chOff x="0" y="0"/>
+            <a:chExt cx="2484888" cy="341974"/>
+          </a:xfrm>
+        </p:grpSpPr>
+        <p:sp>
+          <p:nvSpPr>
+            <p:cNvPr name="Freeform 6" id="6"/>
+            <p:cNvSpPr/>
+            <p:nvPr/>
+          </p:nvSpPr>
+          <p:spPr>
+            <a:xfrm flipH="false" flipV="false" rot="0">
+              <a:off x="0" y="0"/>
+              <a:ext cx="2484888" cy="341974"/>
+            </a:xfrm>
+            <a:custGeom>
+              <a:avLst/>
+              <a:gdLst/>
+              <a:ahLst/>
+              <a:cxnLst/>
+              <a:rect r="r" b="b" t="t" l="l"/>
+              <a:pathLst>
+                <a:path h="341974" w="2484888">
+                  <a:moveTo>
+                    <a:pt x="94279" y="0"/>
+                  </a:moveTo>
+                  <a:lnTo>
+                    <a:pt x="2390609" y="0"/>
+                  </a:lnTo>
+                  <a:cubicBezTo>
+                    <a:pt x="2415613" y="0"/>
+                    <a:pt x="2439594" y="9933"/>
+                    <a:pt x="2457274" y="27614"/>
+                  </a:cubicBezTo>
+                  <a:cubicBezTo>
+                    <a:pt x="2474955" y="45294"/>
+                    <a:pt x="2484888" y="69275"/>
+                    <a:pt x="2484888" y="94279"/>
+                  </a:cubicBezTo>
+                  <a:lnTo>
+                    <a:pt x="2484888" y="247695"/>
+                  </a:lnTo>
+                  <a:cubicBezTo>
+                    <a:pt x="2484888" y="272699"/>
+                    <a:pt x="2474955" y="296680"/>
+                    <a:pt x="2457274" y="314360"/>
+                  </a:cubicBezTo>
+                  <a:cubicBezTo>
+                    <a:pt x="2439594" y="332041"/>
+                    <a:pt x="2415613" y="341974"/>
+                    <a:pt x="2390609" y="341974"/>
+                  </a:cubicBezTo>
+                  <a:lnTo>
+                    <a:pt x="94279" y="341974"/>
+                  </a:lnTo>
+                  <a:cubicBezTo>
+                    <a:pt x="69275" y="341974"/>
+                    <a:pt x="45294" y="332041"/>
+                    <a:pt x="27614" y="314360"/>
+                  </a:cubicBezTo>
+                  <a:cubicBezTo>
+                    <a:pt x="9933" y="296680"/>
+                    <a:pt x="0" y="272699"/>
+                    <a:pt x="0" y="247695"/>
+                  </a:cubicBezTo>
+                  <a:lnTo>
+                    <a:pt x="0" y="94279"/>
+                  </a:lnTo>
+                  <a:cubicBezTo>
+                    <a:pt x="0" y="69275"/>
+                    <a:pt x="9933" y="45294"/>
+                    <a:pt x="27614" y="27614"/>
+                  </a:cubicBezTo>
+                  <a:cubicBezTo>
+                    <a:pt x="45294" y="9933"/>
+                    <a:pt x="69275" y="0"/>
+                    <a:pt x="94279" y="0"/>
+                  </a:cubicBezTo>
+                  <a:close/>
+                </a:path>
+              </a:pathLst>
+            </a:custGeom>
+            <a:solidFill>
+              <a:srgbClr val="000000">
+                <a:alpha val="0"/>
+              </a:srgbClr>
+            </a:solidFill>
+            <a:ln w="38100" cap="rnd">
+              <a:solidFill>
+                <a:srgbClr val="08316C"/>
+              </a:solidFill>
+              <a:prstDash val="solid"/>
+              <a:round/>
+            </a:ln>
+          </p:spPr>
+        </p:sp>
+        <p:sp>
+          <p:nvSpPr>
+            <p:cNvPr name="TextBox 7" id="7"/>
+            <p:cNvSpPr txBox="true"/>
+            <p:nvPr/>
+          </p:nvSpPr>
+          <p:spPr>
+            <a:xfrm>
+              <a:off x="0" y="-95250"/>
+              <a:ext cx="2484888" cy="437224"/>
+            </a:xfrm>
+            <a:prstGeom prst="rect">
+              <a:avLst/>
+            </a:prstGeom>
+          </p:spPr>
+          <p:txBody>
+            <a:bodyPr anchor="ctr" rtlCol="false" tIns="50800" lIns="50800" bIns="50800" rIns="50800"/>
+            <a:lstStyle/>
+            <a:p>
+              <a:pPr algn="ctr">
+                <a:lnSpc>
+                  <a:spcPts val="6719"/>
+                </a:lnSpc>
+              </a:pPr>
+              <a:r>
+                <a:rPr lang="en-US" sz="4799" b="true">
+                  <a:solidFill>
+                    <a:srgbClr val="08316C"/>
+                  </a:solidFill>
+                  <a:latin typeface="DM Sans Bold"/>
+                  <a:ea typeface="DM Sans Bold"/>
+                  <a:cs typeface="DM Sans Bold"/>
+                  <a:sym typeface="DM Sans Bold"/>
+                </a:rPr>
+                <a:t>Team work:</a:t>
+              </a:r>
+            </a:p>
+          </p:txBody>
+        </p:sp>
+      </p:grpSp>
+      <p:graphicFrame>
+        <p:nvGraphicFramePr>
+          <p:cNvPr name="Table 8" id="8"/>
+          <p:cNvGraphicFramePr>
+            <a:graphicFrameLocks noGrp="true"/>
+          </p:cNvGraphicFramePr>
+          <p:nvPr/>
+        </p:nvGraphicFramePr>
+        <p:xfrm>
+          <a:off x="876300" y="4731209"/>
+          <a:ext cx="16383000" cy="3453188"/>
+        </p:xfrm>
+        <a:graphic>
+          <a:graphicData uri="http://schemas.openxmlformats.org/drawingml/2006/table">
+            <a:tbl>
+              <a:tblPr/>
+              <a:tblGrid>
+                <a:gridCol w="2110959"/>
+                <a:gridCol w="3338639"/>
+                <a:gridCol w="3432254"/>
+                <a:gridCol w="3750574"/>
+                <a:gridCol w="3750574"/>
+              </a:tblGrid>
+              <a:tr h="1082629">
+                <a:tc>
+                  <a:txBody>
+                    <a:bodyPr anchor="t" rtlCol="false"/>
+                    <a:lstStyle/>
+                    <a:p>
+                      <a:pPr algn="ctr">
+                        <a:lnSpc>
+                          <a:spcPts val="2520"/>
+                        </a:lnSpc>
+                        <a:defRPr/>
+                      </a:pPr>
+                      <a:endParaRPr lang="en-US" sz="1100"/>
+                    </a:p>
+                  </a:txBody>
+                  <a:tcPr marL="190500" marR="190500" marT="190500" marB="190500" anchor="ctr">
+                    <a:lnL cmpd="sng" algn="ctr" cap="flat" w="38100">
+                      <a:solidFill>
+                        <a:srgbClr val="878787"/>
+                      </a:solidFill>
+                      <a:prstDash val="solid"/>
+                      <a:round/>
+                      <a:headEnd type="none" w="med" len="med"/>
+                      <a:tailEnd type="none" w="med" len="med"/>
+                    </a:lnL>
+                    <a:lnR cmpd="sng" algn="ctr" cap="flat" w="38100">
+                      <a:solidFill>
+                        <a:srgbClr val="878787"/>
+                      </a:solidFill>
+                      <a:prstDash val="solid"/>
+                      <a:round/>
+                      <a:headEnd type="none" w="med" len="med"/>
+                      <a:tailEnd type="none" w="med" len="med"/>
+                    </a:lnR>
+                    <a:lnT cmpd="sng" algn="ctr" cap="flat" w="38100">
+                      <a:solidFill>
+                        <a:srgbClr val="878787"/>
+                      </a:solidFill>
+                      <a:prstDash val="solid"/>
+                      <a:round/>
+                      <a:headEnd type="none" w="med" len="med"/>
+                      <a:tailEnd type="none" w="med" len="med"/>
+                    </a:lnT>
+                    <a:lnB cmpd="sng" algn="ctr" cap="flat" w="38100">
+                      <a:solidFill>
+                        <a:srgbClr val="878787"/>
+                      </a:solidFill>
+                      <a:prstDash val="solid"/>
+                      <a:round/>
+                      <a:headEnd type="none" w="med" len="med"/>
+                      <a:tailEnd type="none" w="med" len="med"/>
+                    </a:lnB>
+                    <a:solidFill>
+                      <a:srgbClr val="A8A6A6"/>
+                    </a:solidFill>
+                  </a:tcPr>
+                </a:tc>
+                <a:tc>
+                  <a:txBody>
+                    <a:bodyPr anchor="t" rtlCol="false"/>
+                    <a:lstStyle/>
+                    <a:p>
+                      <a:pPr algn="ctr">
+                        <a:lnSpc>
+                          <a:spcPts val="2799"/>
+                        </a:lnSpc>
+                        <a:defRPr/>
+                      </a:pPr>
+                      <a:r>
+                        <a:rPr lang="en-US" sz="1999" b="true">
+                          <a:solidFill>
+                            <a:srgbClr val="FFFFFF"/>
+                          </a:solidFill>
+                          <a:latin typeface="DM Sans Bold"/>
+                          <a:ea typeface="DM Sans Bold"/>
+                          <a:cs typeface="DM Sans Bold"/>
+                          <a:sym typeface="DM Sans Bold"/>
+                        </a:rPr>
+                        <a:t>Mehdhar</a:t>
+                      </a:r>
+                      <a:endParaRPr lang="en-US" sz="1100"/>
+                    </a:p>
+                  </a:txBody>
+                  <a:tcPr marL="190500" marR="190500" marT="190500" marB="190500" anchor="ctr">
+                    <a:lnL cmpd="sng" algn="ctr" cap="flat" w="38100">
+                      <a:solidFill>
+                        <a:srgbClr val="000000"/>
+                      </a:solidFill>
+                      <a:prstDash val="solid"/>
+                      <a:round/>
+                      <a:headEnd type="none" w="med" len="med"/>
+                      <a:tailEnd type="none" w="med" len="med"/>
+                    </a:lnL>
+                    <a:lnR cmpd="sng" algn="ctr" cap="flat" w="38100">
+                      <a:solidFill>
+                        <a:srgbClr val="000000"/>
+                      </a:solidFill>
+                      <a:prstDash val="solid"/>
+                      <a:round/>
+                      <a:headEnd type="none" w="med" len="med"/>
+                      <a:tailEnd type="none" w="med" len="med"/>
+                    </a:lnR>
+                    <a:lnT cmpd="sng" algn="ctr" cap="flat" w="38100">
+                      <a:solidFill>
+                        <a:srgbClr val="000000"/>
+                      </a:solidFill>
+                      <a:prstDash val="solid"/>
+                      <a:round/>
+                      <a:headEnd type="none" w="med" len="med"/>
+                      <a:tailEnd type="none" w="med" len="med"/>
+                    </a:lnT>
+                    <a:lnB cmpd="sng" algn="ctr" cap="flat" w="38100">
+                      <a:solidFill>
+                        <a:srgbClr val="000000"/>
+                      </a:solidFill>
+                      <a:prstDash val="solid"/>
+                      <a:round/>
+                      <a:headEnd type="none" w="med" len="med"/>
+                      <a:tailEnd type="none" w="med" len="med"/>
+                    </a:lnB>
+                    <a:solidFill>
+                      <a:srgbClr val="08316C"/>
+                    </a:solidFill>
+                  </a:tcPr>
+                </a:tc>
+                <a:tc>
+                  <a:txBody>
+                    <a:bodyPr anchor="t" rtlCol="false"/>
+                    <a:lstStyle/>
+                    <a:p>
+                      <a:pPr algn="ctr">
+                        <a:lnSpc>
+                          <a:spcPts val="2799"/>
+                        </a:lnSpc>
+                        <a:defRPr/>
+                      </a:pPr>
+                      <a:r>
+                        <a:rPr lang="en-US" sz="1999" b="true">
+                          <a:solidFill>
+                            <a:srgbClr val="FFFFFF"/>
+                          </a:solidFill>
+                          <a:latin typeface="DM Sans Bold"/>
+                          <a:ea typeface="DM Sans Bold"/>
+                          <a:cs typeface="DM Sans Bold"/>
+                          <a:sym typeface="DM Sans Bold"/>
+                        </a:rPr>
+                        <a:t>Hessa</a:t>
+                      </a:r>
+                      <a:endParaRPr lang="en-US" sz="1100"/>
+                    </a:p>
+                  </a:txBody>
+                  <a:tcPr marL="190500" marR="190500" marT="190500" marB="190500" anchor="ctr">
+                    <a:lnL cmpd="sng" algn="ctr" cap="flat" w="38100">
+                      <a:solidFill>
+                        <a:srgbClr val="739DC3"/>
+                      </a:solidFill>
+                      <a:prstDash val="solid"/>
+                      <a:round/>
+                      <a:headEnd type="none" w="med" len="med"/>
+                      <a:tailEnd type="none" w="med" len="med"/>
+                    </a:lnL>
+                    <a:lnR cmpd="sng" algn="ctr" cap="flat" w="38100">
+                      <a:solidFill>
+                        <a:srgbClr val="739DC3"/>
+                      </a:solidFill>
+                      <a:prstDash val="solid"/>
+                      <a:round/>
+                      <a:headEnd type="none" w="med" len="med"/>
+                      <a:tailEnd type="none" w="med" len="med"/>
+                    </a:lnR>
+                    <a:lnT cmpd="sng" algn="ctr" cap="flat" w="38100">
+                      <a:solidFill>
+                        <a:srgbClr val="739DC3"/>
+                      </a:solidFill>
+                      <a:prstDash val="solid"/>
+                      <a:round/>
+                      <a:headEnd type="none" w="med" len="med"/>
+                      <a:tailEnd type="none" w="med" len="med"/>
+                    </a:lnT>
+                    <a:lnB cmpd="sng" algn="ctr" cap="flat" w="38100">
+                      <a:solidFill>
+                        <a:srgbClr val="739DC3"/>
+                      </a:solidFill>
+                      <a:prstDash val="solid"/>
+                      <a:round/>
+                      <a:headEnd type="none" w="med" len="med"/>
+                      <a:tailEnd type="none" w="med" len="med"/>
+                    </a:lnB>
+                    <a:solidFill>
+                      <a:srgbClr val="739DC3"/>
+                    </a:solidFill>
+                  </a:tcPr>
+                </a:tc>
+                <a:tc>
+                  <a:txBody>
+                    <a:bodyPr anchor="t" rtlCol="false"/>
+                    <a:lstStyle/>
+                    <a:p>
+                      <a:pPr algn="ctr">
+                        <a:lnSpc>
+                          <a:spcPts val="2799"/>
+                        </a:lnSpc>
+                        <a:defRPr/>
+                      </a:pPr>
+                      <a:r>
+                        <a:rPr lang="en-US" sz="1999" b="true">
+                          <a:solidFill>
+                            <a:srgbClr val="FFFFFF"/>
+                          </a:solidFill>
+                          <a:latin typeface="DM Sans Bold"/>
+                          <a:ea typeface="DM Sans Bold"/>
+                          <a:cs typeface="DM Sans Bold"/>
+                          <a:sym typeface="DM Sans Bold"/>
+                        </a:rPr>
+                        <a:t>Ahmad</a:t>
+                      </a:r>
+                      <a:endParaRPr lang="en-US" sz="1100"/>
+                    </a:p>
+                  </a:txBody>
+                  <a:tcPr marL="190500" marR="190500" marT="190500" marB="190500" anchor="ctr">
+                    <a:lnL cmpd="sng" algn="ctr" cap="flat" w="38100">
+                      <a:solidFill>
+                        <a:srgbClr val="696869"/>
+                      </a:solidFill>
+                      <a:prstDash val="solid"/>
+                      <a:round/>
+                      <a:headEnd type="none" w="med" len="med"/>
+                      <a:tailEnd type="none" w="med" len="med"/>
+                    </a:lnL>
+                    <a:lnR cmpd="sng" algn="ctr" cap="flat" w="38100">
+                      <a:solidFill>
+                        <a:srgbClr val="696869"/>
+                      </a:solidFill>
+                      <a:prstDash val="solid"/>
+                      <a:round/>
+                      <a:headEnd type="none" w="med" len="med"/>
+                      <a:tailEnd type="none" w="med" len="med"/>
+                    </a:lnR>
+                    <a:lnT cmpd="sng" algn="ctr" cap="flat" w="38100">
+                      <a:solidFill>
+                        <a:srgbClr val="696869"/>
+                      </a:solidFill>
+                      <a:prstDash val="solid"/>
+                      <a:round/>
+                      <a:headEnd type="none" w="med" len="med"/>
+                      <a:tailEnd type="none" w="med" len="med"/>
+                    </a:lnT>
+                    <a:lnB cmpd="sng" algn="ctr" cap="flat" w="38100">
+                      <a:solidFill>
+                        <a:srgbClr val="696869"/>
+                      </a:solidFill>
+                      <a:prstDash val="solid"/>
+                      <a:round/>
+                      <a:headEnd type="none" w="med" len="med"/>
+                      <a:tailEnd type="none" w="med" len="med"/>
+                    </a:lnB>
+                    <a:solidFill>
+                      <a:srgbClr val="696869"/>
+                    </a:solidFill>
+                  </a:tcPr>
+                </a:tc>
+                <a:tc>
+                  <a:txBody>
+                    <a:bodyPr anchor="t" rtlCol="false"/>
+                    <a:lstStyle/>
+                    <a:p>
+                      <a:pPr algn="ctr">
+                        <a:lnSpc>
+                          <a:spcPts val="2799"/>
+                        </a:lnSpc>
+                        <a:defRPr/>
+                      </a:pPr>
+                      <a:r>
+                        <a:rPr lang="en-US" sz="1999" b="true">
+                          <a:solidFill>
+                            <a:srgbClr val="FFFFFF"/>
+                          </a:solidFill>
+                          <a:latin typeface="DM Sans Bold"/>
+                          <a:ea typeface="DM Sans Bold"/>
+                          <a:cs typeface="DM Sans Bold"/>
+                          <a:sym typeface="DM Sans Bold"/>
+                        </a:rPr>
+                        <a:t>Amal</a:t>
+                      </a:r>
+                      <a:endParaRPr lang="en-US" sz="1100"/>
+                    </a:p>
+                  </a:txBody>
+                  <a:tcPr marL="190500" marR="190500" marT="190500" marB="190500" anchor="ctr">
+                    <a:lnL cmpd="sng" algn="ctr" cap="flat" w="38100">
+                      <a:solidFill>
+                        <a:srgbClr val="878787"/>
+                      </a:solidFill>
+                      <a:prstDash val="solid"/>
+                      <a:round/>
+                      <a:headEnd type="none" w="med" len="med"/>
+                      <a:tailEnd type="none" w="med" len="med"/>
+                    </a:lnL>
+                    <a:lnR cmpd="sng" algn="ctr" cap="flat" w="38100">
+                      <a:solidFill>
+                        <a:srgbClr val="878787"/>
+                      </a:solidFill>
+                      <a:prstDash val="solid"/>
+                      <a:round/>
+                      <a:headEnd type="none" w="med" len="med"/>
+                      <a:tailEnd type="none" w="med" len="med"/>
+                    </a:lnR>
+                    <a:lnT cmpd="sng" algn="ctr" cap="flat" w="38100">
+                      <a:solidFill>
+                        <a:srgbClr val="878787"/>
+                      </a:solidFill>
+                      <a:prstDash val="solid"/>
+                      <a:round/>
+                      <a:headEnd type="none" w="med" len="med"/>
+                      <a:tailEnd type="none" w="med" len="med"/>
+                    </a:lnT>
+                    <a:lnB cmpd="sng" algn="ctr" cap="flat" w="38100">
+                      <a:solidFill>
+                        <a:srgbClr val="878787"/>
+                      </a:solidFill>
+                      <a:prstDash val="solid"/>
+                      <a:round/>
+                      <a:headEnd type="none" w="med" len="med"/>
+                      <a:tailEnd type="none" w="med" len="med"/>
+                    </a:lnB>
+                    <a:solidFill>
+                      <a:srgbClr val="08316C"/>
+                    </a:solidFill>
+                  </a:tcPr>
+                </a:tc>
+              </a:tr>
+              <a:tr h="1192386">
+                <a:tc>
+                  <a:txBody>
+                    <a:bodyPr anchor="t" rtlCol="false"/>
+                    <a:lstStyle/>
+                    <a:p>
+                      <a:pPr algn="ctr">
+                        <a:lnSpc>
+                          <a:spcPts val="2520"/>
+                        </a:lnSpc>
+                        <a:defRPr/>
+                      </a:pPr>
+                      <a:endParaRPr lang="en-US" sz="1100"/>
+                    </a:p>
+                  </a:txBody>
+                  <a:tcPr marL="190500" marR="190500" marT="190500" marB="190500" anchor="ctr">
+                    <a:lnL cmpd="sng" algn="ctr" cap="flat" w="38100">
+                      <a:solidFill>
+                        <a:srgbClr val="A8A6A6"/>
+                      </a:solidFill>
+                      <a:prstDash val="solid"/>
+                      <a:round/>
+                      <a:headEnd type="none" w="med" len="med"/>
+                      <a:tailEnd type="none" w="med" len="med"/>
+                    </a:lnL>
+                    <a:lnR cmpd="sng" algn="ctr" cap="flat" w="38100">
+                      <a:solidFill>
+                        <a:srgbClr val="A8A6A6"/>
+                      </a:solidFill>
+                      <a:prstDash val="solid"/>
+                      <a:round/>
+                      <a:headEnd type="none" w="med" len="med"/>
+                      <a:tailEnd type="none" w="med" len="med"/>
+                    </a:lnR>
+                    <a:lnT cmpd="sng" algn="ctr" cap="flat" w="38100">
+                      <a:solidFill>
+                        <a:srgbClr val="A8A6A6"/>
+                      </a:solidFill>
+                      <a:prstDash val="solid"/>
+                      <a:round/>
+                      <a:headEnd type="none" w="med" len="med"/>
+                      <a:tailEnd type="none" w="med" len="med"/>
+                    </a:lnT>
+                    <a:lnB cmpd="sng" algn="ctr" cap="flat" w="38100">
+                      <a:solidFill>
+                        <a:srgbClr val="A8A6A6"/>
+                      </a:solidFill>
+                      <a:prstDash val="solid"/>
+                      <a:round/>
+                      <a:headEnd type="none" w="med" len="med"/>
+                      <a:tailEnd type="none" w="med" len="med"/>
+                    </a:lnB>
+                    <a:solidFill>
+                      <a:srgbClr val="A8A6A6"/>
+                    </a:solidFill>
+                  </a:tcPr>
+                </a:tc>
+                <a:tc>
+                  <a:txBody>
+                    <a:bodyPr anchor="t" rtlCol="false"/>
+                    <a:lstStyle/>
+                    <a:p>
+                      <a:pPr algn="ctr">
+                        <a:lnSpc>
+                          <a:spcPts val="2520"/>
+                        </a:lnSpc>
+                        <a:defRPr/>
+                      </a:pPr>
+                      <a:endParaRPr lang="en-US" sz="1100"/>
+                    </a:p>
+                  </a:txBody>
+                  <a:tcPr marL="190500" marR="190500" marT="190500" marB="190500" anchor="ctr">
+                    <a:lnL cmpd="sng" algn="ctr" cap="flat" w="38100">
+                      <a:solidFill>
+                        <a:srgbClr val="BDBBBB"/>
+                      </a:solidFill>
+                      <a:prstDash val="solid"/>
+                      <a:round/>
+                      <a:headEnd type="none" w="med" len="med"/>
+                      <a:tailEnd type="none" w="med" len="med"/>
+                    </a:lnL>
+                    <a:lnR cmpd="sng" algn="ctr" cap="flat" w="38100">
+                      <a:solidFill>
+                        <a:srgbClr val="BDBBBB"/>
+                      </a:solidFill>
+                      <a:prstDash val="solid"/>
+                      <a:round/>
+                      <a:headEnd type="none" w="med" len="med"/>
+                      <a:tailEnd type="none" w="med" len="med"/>
+                    </a:lnR>
+                    <a:lnT cmpd="sng" algn="ctr" cap="flat" w="38100">
+                      <a:solidFill>
+                        <a:srgbClr val="BDBBBB"/>
+                      </a:solidFill>
+                      <a:prstDash val="solid"/>
+                      <a:round/>
+                      <a:headEnd type="none" w="med" len="med"/>
+                      <a:tailEnd type="none" w="med" len="med"/>
+                    </a:lnT>
+                    <a:lnB cmpd="sng" algn="ctr" cap="flat" w="38100">
+                      <a:solidFill>
+                        <a:srgbClr val="BDBBBB"/>
+                      </a:solidFill>
+                      <a:prstDash val="solid"/>
+                      <a:round/>
+                      <a:headEnd type="none" w="med" len="med"/>
+                      <a:tailEnd type="none" w="med" len="med"/>
+                    </a:lnB>
+                    <a:solidFill>
+                      <a:srgbClr val="BDBBBB"/>
+                    </a:solidFill>
+                  </a:tcPr>
+                </a:tc>
+                <a:tc>
+                  <a:txBody>
+                    <a:bodyPr anchor="t" rtlCol="false"/>
+                    <a:lstStyle/>
+                    <a:p>
+                      <a:pPr algn="ctr">
+                        <a:lnSpc>
+                          <a:spcPts val="2520"/>
+                        </a:lnSpc>
+                        <a:defRPr/>
+                      </a:pPr>
+                      <a:endParaRPr lang="en-US" sz="1100"/>
+                    </a:p>
+                  </a:txBody>
+                  <a:tcPr marL="190500" marR="190500" marT="190500" marB="190500" anchor="ctr">
+                    <a:lnL cmpd="sng" algn="ctr" cap="flat" w="38100">
+                      <a:solidFill>
+                        <a:srgbClr val="CDCDCD"/>
+                      </a:solidFill>
+                      <a:prstDash val="solid"/>
+                      <a:round/>
+                      <a:headEnd type="none" w="med" len="med"/>
+                      <a:tailEnd type="none" w="med" len="med"/>
+                    </a:lnL>
+                    <a:lnR cmpd="sng" algn="ctr" cap="flat" w="38100">
+                      <a:solidFill>
+                        <a:srgbClr val="CDCDCD"/>
+                      </a:solidFill>
+                      <a:prstDash val="solid"/>
+                      <a:round/>
+                      <a:headEnd type="none" w="med" len="med"/>
+                      <a:tailEnd type="none" w="med" len="med"/>
+                    </a:lnR>
+                    <a:lnT cmpd="sng" algn="ctr" cap="flat" w="38100">
+                      <a:solidFill>
+                        <a:srgbClr val="CDCDCD"/>
+                      </a:solidFill>
+                      <a:prstDash val="solid"/>
+                      <a:round/>
+                      <a:headEnd type="none" w="med" len="med"/>
+                      <a:tailEnd type="none" w="med" len="med"/>
+                    </a:lnT>
+                    <a:lnB cmpd="sng" algn="ctr" cap="flat" w="38100">
+                      <a:solidFill>
+                        <a:srgbClr val="CDCDCD"/>
+                      </a:solidFill>
+                      <a:prstDash val="solid"/>
+                      <a:round/>
+                      <a:headEnd type="none" w="med" len="med"/>
+                      <a:tailEnd type="none" w="med" len="med"/>
+                    </a:lnB>
+                    <a:solidFill>
+                      <a:srgbClr val="CDCDCD"/>
+                    </a:solidFill>
+                  </a:tcPr>
+                </a:tc>
+                <a:tc>
+                  <a:txBody>
+                    <a:bodyPr anchor="t" rtlCol="false"/>
+                    <a:lstStyle/>
+                    <a:p>
+                      <a:pPr algn="ctr">
+                        <a:lnSpc>
+                          <a:spcPts val="2520"/>
+                        </a:lnSpc>
+                        <a:defRPr/>
+                      </a:pPr>
+                      <a:endParaRPr lang="en-US" sz="1100"/>
+                    </a:p>
+                  </a:txBody>
+                  <a:tcPr marL="190500" marR="190500" marT="190500" marB="190500" anchor="ctr">
+                    <a:lnL cmpd="sng" algn="ctr" cap="flat" w="38100">
+                      <a:solidFill>
+                        <a:srgbClr val="E1DFDF"/>
+                      </a:solidFill>
+                      <a:prstDash val="solid"/>
+                      <a:round/>
+                      <a:headEnd type="none" w="med" len="med"/>
+                      <a:tailEnd type="none" w="med" len="med"/>
+                    </a:lnL>
+                    <a:lnR cmpd="sng" algn="ctr" cap="flat" w="38100">
+                      <a:solidFill>
+                        <a:srgbClr val="E1DFDF"/>
+                      </a:solidFill>
+                      <a:prstDash val="solid"/>
+                      <a:round/>
+                      <a:headEnd type="none" w="med" len="med"/>
+                      <a:tailEnd type="none" w="med" len="med"/>
+                    </a:lnR>
+                    <a:lnT cmpd="sng" algn="ctr" cap="flat" w="38100">
+                      <a:solidFill>
+                        <a:srgbClr val="E1DFDF"/>
+                      </a:solidFill>
+                      <a:prstDash val="solid"/>
+                      <a:round/>
+                      <a:headEnd type="none" w="med" len="med"/>
+                      <a:tailEnd type="none" w="med" len="med"/>
+                    </a:lnT>
+                    <a:lnB cmpd="sng" algn="ctr" cap="flat" w="38100">
+                      <a:solidFill>
+                        <a:srgbClr val="E1DFDF"/>
+                      </a:solidFill>
+                      <a:prstDash val="solid"/>
+                      <a:round/>
+                      <a:headEnd type="none" w="med" len="med"/>
+                      <a:tailEnd type="none" w="med" len="med"/>
+                    </a:lnB>
+                    <a:solidFill>
+                      <a:srgbClr val="E1DFDF"/>
+                    </a:solidFill>
+                  </a:tcPr>
+                </a:tc>
+                <a:tc>
+                  <a:txBody>
+                    <a:bodyPr anchor="t" rtlCol="false"/>
+                    <a:lstStyle/>
+                    <a:p>
+                      <a:pPr algn="ctr">
+                        <a:lnSpc>
+                          <a:spcPts val="2520"/>
+                        </a:lnSpc>
+                        <a:defRPr/>
+                      </a:pPr>
+                      <a:endParaRPr lang="en-US" sz="1100"/>
+                    </a:p>
+                  </a:txBody>
+                  <a:tcPr marL="190500" marR="190500" marT="190500" marB="190500" anchor="ctr">
+                    <a:lnL cmpd="sng" algn="ctr" cap="flat" w="38100">
+                      <a:solidFill>
+                        <a:srgbClr val="E4E4E4"/>
+                      </a:solidFill>
+                      <a:prstDash val="solid"/>
+                      <a:round/>
+                      <a:headEnd type="none" w="med" len="med"/>
+                      <a:tailEnd type="none" w="med" len="med"/>
+                    </a:lnL>
+                    <a:lnR cmpd="sng" algn="ctr" cap="flat" w="38100">
+                      <a:solidFill>
+                        <a:srgbClr val="E4E4E4"/>
+                      </a:solidFill>
+                      <a:prstDash val="solid"/>
+                      <a:round/>
+                      <a:headEnd type="none" w="med" len="med"/>
+                      <a:tailEnd type="none" w="med" len="med"/>
+                    </a:lnR>
+                    <a:lnT cmpd="sng" algn="ctr" cap="flat" w="38100">
+                      <a:solidFill>
+                        <a:srgbClr val="E4E4E4"/>
+                      </a:solidFill>
+                      <a:prstDash val="solid"/>
+                      <a:round/>
+                      <a:headEnd type="none" w="med" len="med"/>
+                      <a:tailEnd type="none" w="med" len="med"/>
+                    </a:lnT>
+                    <a:lnB cmpd="sng" algn="ctr" cap="flat" w="38100">
+                      <a:solidFill>
+                        <a:srgbClr val="E4E4E4"/>
+                      </a:solidFill>
+                      <a:prstDash val="solid"/>
+                      <a:round/>
+                      <a:headEnd type="none" w="med" len="med"/>
+                      <a:tailEnd type="none" w="med" len="med"/>
+                    </a:lnB>
+                    <a:solidFill>
+                      <a:srgbClr val="E4E4E4"/>
+                    </a:solidFill>
+                  </a:tcPr>
+                </a:tc>
+              </a:tr>
+              <a:tr h="1178173">
+                <a:tc>
+                  <a:txBody>
+                    <a:bodyPr anchor="t" rtlCol="false"/>
+                    <a:lstStyle/>
+                    <a:p>
+                      <a:pPr algn="ctr">
+                        <a:lnSpc>
+                          <a:spcPts val="2520"/>
+                        </a:lnSpc>
+                        <a:defRPr/>
+                      </a:pPr>
+                      <a:endParaRPr lang="en-US" sz="1100"/>
+                    </a:p>
+                  </a:txBody>
+                  <a:tcPr marL="190500" marR="190500" marT="190500" marB="190500" anchor="ctr">
+                    <a:lnL cmpd="sng" algn="ctr" cap="flat" w="38100">
+                      <a:solidFill>
+                        <a:srgbClr val="A8A6A6"/>
+                      </a:solidFill>
+                      <a:prstDash val="solid"/>
+                      <a:round/>
+                      <a:headEnd type="none" w="med" len="med"/>
+                      <a:tailEnd type="none" w="med" len="med"/>
+                    </a:lnL>
+                    <a:lnR cmpd="sng" algn="ctr" cap="flat" w="38100">
+                      <a:solidFill>
+                        <a:srgbClr val="A8A6A6"/>
+                      </a:solidFill>
+                      <a:prstDash val="solid"/>
+                      <a:round/>
+                      <a:headEnd type="none" w="med" len="med"/>
+                      <a:tailEnd type="none" w="med" len="med"/>
+                    </a:lnR>
+                    <a:lnT cmpd="sng" algn="ctr" cap="flat" w="38100">
+                      <a:solidFill>
+                        <a:srgbClr val="A8A6A6"/>
+                      </a:solidFill>
+                      <a:prstDash val="solid"/>
+                      <a:round/>
+                      <a:headEnd type="none" w="med" len="med"/>
+                      <a:tailEnd type="none" w="med" len="med"/>
+                    </a:lnT>
+                    <a:lnB cmpd="sng" algn="ctr" cap="flat" w="38100">
+                      <a:solidFill>
+                        <a:srgbClr val="A8A6A6"/>
+                      </a:solidFill>
+                      <a:prstDash val="solid"/>
+                      <a:round/>
+                      <a:headEnd type="none" w="med" len="med"/>
+                      <a:tailEnd type="none" w="med" len="med"/>
+                    </a:lnB>
+                    <a:solidFill>
+                      <a:srgbClr val="A8A6A6"/>
+                    </a:solidFill>
+                  </a:tcPr>
+                </a:tc>
+                <a:tc>
+                  <a:txBody>
+                    <a:bodyPr anchor="t" rtlCol="false"/>
+                    <a:lstStyle/>
+                    <a:p>
+                      <a:pPr algn="ctr">
+                        <a:lnSpc>
+                          <a:spcPts val="2520"/>
+                        </a:lnSpc>
+                        <a:defRPr/>
+                      </a:pPr>
+                      <a:endParaRPr lang="en-US" sz="1100"/>
+                    </a:p>
+                  </a:txBody>
+                  <a:tcPr marL="190500" marR="190500" marT="190500" marB="190500" anchor="ctr">
+                    <a:lnL cmpd="sng" algn="ctr" cap="flat" w="38100">
+                      <a:solidFill>
+                        <a:srgbClr val="BDBBBB"/>
+                      </a:solidFill>
+                      <a:prstDash val="solid"/>
+                      <a:round/>
+                      <a:headEnd type="none" w="med" len="med"/>
+                      <a:tailEnd type="none" w="med" len="med"/>
+                    </a:lnL>
+                    <a:lnR cmpd="sng" algn="ctr" cap="flat" w="38100">
+                      <a:solidFill>
+                        <a:srgbClr val="BDBBBB"/>
+                      </a:solidFill>
+                      <a:prstDash val="solid"/>
+                      <a:round/>
+                      <a:headEnd type="none" w="med" len="med"/>
+                      <a:tailEnd type="none" w="med" len="med"/>
+                    </a:lnR>
+                    <a:lnT cmpd="sng" algn="ctr" cap="flat" w="38100">
+                      <a:solidFill>
+                        <a:srgbClr val="BDBBBB"/>
+                      </a:solidFill>
+                      <a:prstDash val="solid"/>
+                      <a:round/>
+                      <a:headEnd type="none" w="med" len="med"/>
+                      <a:tailEnd type="none" w="med" len="med"/>
+                    </a:lnT>
+                    <a:lnB cmpd="sng" algn="ctr" cap="flat" w="38100">
+                      <a:solidFill>
+                        <a:srgbClr val="BDBBBB"/>
+                      </a:solidFill>
+                      <a:prstDash val="solid"/>
+                      <a:round/>
+                      <a:headEnd type="none" w="med" len="med"/>
+                      <a:tailEnd type="none" w="med" len="med"/>
+                    </a:lnB>
+                    <a:solidFill>
+                      <a:srgbClr val="BDBBBB"/>
+                    </a:solidFill>
+                  </a:tcPr>
+                </a:tc>
+                <a:tc>
+                  <a:txBody>
+                    <a:bodyPr anchor="t" rtlCol="false"/>
+                    <a:lstStyle/>
+                    <a:p>
+                      <a:pPr algn="ctr">
+                        <a:lnSpc>
+                          <a:spcPts val="2520"/>
+                        </a:lnSpc>
+                        <a:defRPr/>
+                      </a:pPr>
+                      <a:endParaRPr lang="en-US" sz="1100"/>
+                    </a:p>
+                  </a:txBody>
+                  <a:tcPr marL="190500" marR="190500" marT="190500" marB="190500" anchor="ctr">
+                    <a:lnL cmpd="sng" algn="ctr" cap="flat" w="38100">
+                      <a:solidFill>
+                        <a:srgbClr val="CDCDCD"/>
+                      </a:solidFill>
+                      <a:prstDash val="solid"/>
+                      <a:round/>
+                      <a:headEnd type="none" w="med" len="med"/>
+                      <a:tailEnd type="none" w="med" len="med"/>
+                    </a:lnL>
+                    <a:lnR cmpd="sng" algn="ctr" cap="flat" w="38100">
+                      <a:solidFill>
+                        <a:srgbClr val="CDCDCD"/>
+                      </a:solidFill>
+                      <a:prstDash val="solid"/>
+                      <a:round/>
+                      <a:headEnd type="none" w="med" len="med"/>
+                      <a:tailEnd type="none" w="med" len="med"/>
+                    </a:lnR>
+                    <a:lnT cmpd="sng" algn="ctr" cap="flat" w="38100">
+                      <a:solidFill>
+                        <a:srgbClr val="CDCDCD"/>
+                      </a:solidFill>
+                      <a:prstDash val="solid"/>
+                      <a:round/>
+                      <a:headEnd type="none" w="med" len="med"/>
+                      <a:tailEnd type="none" w="med" len="med"/>
+                    </a:lnT>
+                    <a:lnB cmpd="sng" algn="ctr" cap="flat" w="38100">
+                      <a:solidFill>
+                        <a:srgbClr val="CDCDCD"/>
+                      </a:solidFill>
+                      <a:prstDash val="solid"/>
+                      <a:round/>
+                      <a:headEnd type="none" w="med" len="med"/>
+                      <a:tailEnd type="none" w="med" len="med"/>
+                    </a:lnB>
+                    <a:solidFill>
+                      <a:srgbClr val="CDCDCD"/>
+                    </a:solidFill>
+                  </a:tcPr>
+                </a:tc>
+                <a:tc>
+                  <a:txBody>
+                    <a:bodyPr anchor="t" rtlCol="false"/>
+                    <a:lstStyle/>
+                    <a:p>
+                      <a:pPr algn="ctr">
+                        <a:lnSpc>
+                          <a:spcPts val="2520"/>
+                        </a:lnSpc>
+                        <a:defRPr/>
+                      </a:pPr>
+                      <a:endParaRPr lang="en-US" sz="1100"/>
+                    </a:p>
+                  </a:txBody>
+                  <a:tcPr marL="190500" marR="190500" marT="190500" marB="190500" anchor="ctr">
+                    <a:lnL cmpd="sng" algn="ctr" cap="flat" w="38100">
+                      <a:solidFill>
+                        <a:srgbClr val="E1DFDF"/>
+                      </a:solidFill>
+                      <a:prstDash val="solid"/>
+                      <a:round/>
+                      <a:headEnd type="none" w="med" len="med"/>
+                      <a:tailEnd type="none" w="med" len="med"/>
+                    </a:lnL>
+                    <a:lnR cmpd="sng" algn="ctr" cap="flat" w="38100">
+                      <a:solidFill>
+                        <a:srgbClr val="E1DFDF"/>
+                      </a:solidFill>
+                      <a:prstDash val="solid"/>
+                      <a:round/>
+                      <a:headEnd type="none" w="med" len="med"/>
+                      <a:tailEnd type="none" w="med" len="med"/>
+                    </a:lnR>
+                    <a:lnT cmpd="sng" algn="ctr" cap="flat" w="38100">
+                      <a:solidFill>
+                        <a:srgbClr val="E1DFDF"/>
+                      </a:solidFill>
+                      <a:prstDash val="solid"/>
+                      <a:round/>
+                      <a:headEnd type="none" w="med" len="med"/>
+                      <a:tailEnd type="none" w="med" len="med"/>
+                    </a:lnT>
+                    <a:lnB cmpd="sng" algn="ctr" cap="flat" w="38100">
+                      <a:solidFill>
+                        <a:srgbClr val="E1DFDF"/>
+                      </a:solidFill>
+                      <a:prstDash val="solid"/>
+                      <a:round/>
+                      <a:headEnd type="none" w="med" len="med"/>
+                      <a:tailEnd type="none" w="med" len="med"/>
+                    </a:lnB>
+                    <a:solidFill>
+                      <a:srgbClr val="E1DFDF"/>
+                    </a:solidFill>
+                  </a:tcPr>
+                </a:tc>
+                <a:tc>
+                  <a:txBody>
+                    <a:bodyPr anchor="t" rtlCol="false"/>
+                    <a:lstStyle/>
+                    <a:p>
+                      <a:pPr algn="ctr">
+                        <a:lnSpc>
+                          <a:spcPts val="2520"/>
+                        </a:lnSpc>
+                        <a:defRPr/>
+                      </a:pPr>
+                      <a:endParaRPr lang="en-US" sz="1100"/>
+                    </a:p>
+                  </a:txBody>
+                  <a:tcPr marL="190500" marR="190500" marT="190500" marB="190500" anchor="ctr">
+                    <a:lnL cmpd="sng" algn="ctr" cap="flat" w="38100">
+                      <a:solidFill>
+                        <a:srgbClr val="E4E4E4"/>
+                      </a:solidFill>
+                      <a:prstDash val="solid"/>
+                      <a:round/>
+                      <a:headEnd type="none" w="med" len="med"/>
+                      <a:tailEnd type="none" w="med" len="med"/>
+                    </a:lnL>
+                    <a:lnR cmpd="sng" algn="ctr" cap="flat" w="38100">
+                      <a:solidFill>
+                        <a:srgbClr val="E4E4E4"/>
+                      </a:solidFill>
+                      <a:prstDash val="solid"/>
+                      <a:round/>
+                      <a:headEnd type="none" w="med" len="med"/>
+                      <a:tailEnd type="none" w="med" len="med"/>
+                    </a:lnR>
+                    <a:lnT cmpd="sng" algn="ctr" cap="flat" w="38100">
+                      <a:solidFill>
+                        <a:srgbClr val="E4E4E4"/>
+                      </a:solidFill>
+                      <a:prstDash val="solid"/>
+                      <a:round/>
+                      <a:headEnd type="none" w="med" len="med"/>
+                      <a:tailEnd type="none" w="med" len="med"/>
+                    </a:lnT>
+                    <a:lnB cmpd="sng" algn="ctr" cap="flat" w="38100">
+                      <a:solidFill>
+                        <a:srgbClr val="E4E4E4"/>
+                      </a:solidFill>
+                      <a:prstDash val="solid"/>
+                      <a:round/>
+                      <a:headEnd type="none" w="med" len="med"/>
+                      <a:tailEnd type="none" w="med" len="med"/>
+                    </a:lnB>
+                    <a:solidFill>
+                      <a:srgbClr val="E4E4E4"/>
+                    </a:solidFill>
+                  </a:tcPr>
+                </a:tc>
+              </a:tr>
+            </a:tbl>
+          </a:graphicData>
+        </a:graphic>
+      </p:graphicFrame>
+      <p:sp>
+        <p:nvSpPr>
+          <p:cNvPr name="TextBox 9" id="9"/>
+          <p:cNvSpPr txBox="true"/>
+          <p:nvPr/>
+        </p:nvSpPr>
+        <p:spPr>
+          <a:xfrm rot="0">
+            <a:off x="1493874" y="6185187"/>
+            <a:ext cx="608806" cy="406547"/>
+          </a:xfrm>
+          <a:prstGeom prst="rect">
+            <a:avLst/>
+          </a:prstGeom>
+        </p:spPr>
+        <p:txBody>
+          <a:bodyPr anchor="t" rtlCol="false" tIns="0" lIns="0" bIns="0" rIns="0">
+            <a:spAutoFit/>
+          </a:bodyPr>
+          <a:lstStyle/>
+          <a:p>
+            <a:pPr algn="ctr">
+              <a:lnSpc>
+                <a:spcPts val="3316"/>
+              </a:lnSpc>
+            </a:pPr>
+            <a:r>
+              <a:rPr lang="en-US" sz="2369" b="true">
+                <a:solidFill>
+                  <a:srgbClr val="FFFFFF"/>
+                </a:solidFill>
+                <a:latin typeface="Canva Sans Bold"/>
+                <a:ea typeface="Canva Sans Bold"/>
+                <a:cs typeface="Canva Sans Bold"/>
+                <a:sym typeface="Canva Sans Bold"/>
+              </a:rPr>
+              <a:t>task</a:t>
+            </a:r>
+          </a:p>
+        </p:txBody>
+      </p:sp>
+      <p:sp>
+        <p:nvSpPr>
+          <p:cNvPr name="TextBox 10" id="10"/>
+          <p:cNvSpPr txBox="true"/>
+          <p:nvPr/>
+        </p:nvSpPr>
+        <p:spPr>
+          <a:xfrm rot="0">
+            <a:off x="1220541" y="7305282"/>
+            <a:ext cx="1270301" cy="406547"/>
+          </a:xfrm>
+          <a:prstGeom prst="rect">
+            <a:avLst/>
+          </a:prstGeom>
+        </p:spPr>
+        <p:txBody>
+          <a:bodyPr anchor="t" rtlCol="false" tIns="0" lIns="0" bIns="0" rIns="0">
+            <a:spAutoFit/>
+          </a:bodyPr>
+          <a:lstStyle/>
+          <a:p>
+            <a:pPr algn="ctr">
+              <a:lnSpc>
+                <a:spcPts val="3316"/>
+              </a:lnSpc>
+            </a:pPr>
+            <a:r>
+              <a:rPr lang="en-US" sz="2369" b="true">
+                <a:solidFill>
+                  <a:srgbClr val="FFFFFF"/>
+                </a:solidFill>
+                <a:latin typeface="Canva Sans Bold"/>
+                <a:ea typeface="Canva Sans Bold"/>
+                <a:cs typeface="Canva Sans Bold"/>
+                <a:sym typeface="Canva Sans Bold"/>
+              </a:rPr>
+              <a:t>progress</a:t>
+            </a:r>
+          </a:p>
+        </p:txBody>
+      </p:sp>
+      <p:sp>
+        <p:nvSpPr>
+          <p:cNvPr name="TextBox 11" id="11"/>
+          <p:cNvSpPr txBox="true"/>
+          <p:nvPr/>
+        </p:nvSpPr>
+        <p:spPr>
+          <a:xfrm rot="0">
+            <a:off x="3182067" y="6364648"/>
+            <a:ext cx="3008365" cy="406547"/>
+          </a:xfrm>
+          <a:prstGeom prst="rect">
+            <a:avLst/>
+          </a:prstGeom>
+        </p:spPr>
+        <p:txBody>
+          <a:bodyPr anchor="t" rtlCol="false" tIns="0" lIns="0" bIns="0" rIns="0">
+            <a:spAutoFit/>
+          </a:bodyPr>
+          <a:lstStyle/>
+          <a:p>
+            <a:pPr algn="ctr">
+              <a:lnSpc>
+                <a:spcPts val="3316"/>
+              </a:lnSpc>
+            </a:pPr>
+            <a:r>
+              <a:rPr lang="en-US" sz="2369" b="true">
+                <a:solidFill>
+                  <a:srgbClr val="FFFFFF"/>
+                </a:solidFill>
+                <a:latin typeface="Canva Sans Bold"/>
+                <a:ea typeface="Canva Sans Bold"/>
+                <a:cs typeface="Canva Sans Bold"/>
+                <a:sym typeface="Canva Sans Bold"/>
+              </a:rPr>
+              <a:t>coding/presentation</a:t>
+            </a:r>
+          </a:p>
+        </p:txBody>
+      </p:sp>
+      <p:sp>
+        <p:nvSpPr>
+          <p:cNvPr name="TextBox 12" id="12"/>
+          <p:cNvSpPr txBox="true"/>
+          <p:nvPr/>
+        </p:nvSpPr>
+        <p:spPr>
+          <a:xfrm rot="0">
+            <a:off x="3816848" y="7484743"/>
+            <a:ext cx="1332864" cy="406547"/>
+          </a:xfrm>
+          <a:prstGeom prst="rect">
+            <a:avLst/>
+          </a:prstGeom>
+        </p:spPr>
+        <p:txBody>
+          <a:bodyPr anchor="t" rtlCol="false" tIns="0" lIns="0" bIns="0" rIns="0">
+            <a:spAutoFit/>
+          </a:bodyPr>
+          <a:lstStyle/>
+          <a:p>
+            <a:pPr algn="ctr">
+              <a:lnSpc>
+                <a:spcPts val="3316"/>
+              </a:lnSpc>
+            </a:pPr>
+            <a:r>
+              <a:rPr lang="en-US" sz="2369" b="true">
+                <a:solidFill>
+                  <a:srgbClr val="FFFFFF"/>
+                </a:solidFill>
+                <a:latin typeface="Canva Sans Bold"/>
+                <a:ea typeface="Canva Sans Bold"/>
+                <a:cs typeface="Canva Sans Bold"/>
+                <a:sym typeface="Canva Sans Bold"/>
+              </a:rPr>
+              <a:t>25%/25%</a:t>
+            </a:r>
+          </a:p>
+        </p:txBody>
+      </p:sp>
+      <p:sp>
+        <p:nvSpPr>
+          <p:cNvPr name="TextBox 13" id="13"/>
+          <p:cNvSpPr txBox="true"/>
+          <p:nvPr/>
+        </p:nvSpPr>
+        <p:spPr>
+          <a:xfrm rot="0">
+            <a:off x="7402801" y="7484743"/>
+            <a:ext cx="1332864" cy="406547"/>
+          </a:xfrm>
+          <a:prstGeom prst="rect">
+            <a:avLst/>
+          </a:prstGeom>
+        </p:spPr>
+        <p:txBody>
+          <a:bodyPr anchor="t" rtlCol="false" tIns="0" lIns="0" bIns="0" rIns="0">
+            <a:spAutoFit/>
+          </a:bodyPr>
+          <a:lstStyle/>
+          <a:p>
+            <a:pPr algn="ctr">
+              <a:lnSpc>
+                <a:spcPts val="3316"/>
+              </a:lnSpc>
+            </a:pPr>
+            <a:r>
+              <a:rPr lang="en-US" sz="2369" b="true">
+                <a:solidFill>
+                  <a:srgbClr val="FFFFFF"/>
+                </a:solidFill>
+                <a:latin typeface="Canva Sans Bold"/>
+                <a:ea typeface="Canva Sans Bold"/>
+                <a:cs typeface="Canva Sans Bold"/>
+                <a:sym typeface="Canva Sans Bold"/>
+              </a:rPr>
+              <a:t>25%/25%</a:t>
+            </a:r>
+          </a:p>
+        </p:txBody>
+      </p:sp>
+      <p:sp>
+        <p:nvSpPr>
+          <p:cNvPr name="AutoShape 14" id="14"/>
+          <p:cNvSpPr/>
+          <p:nvPr/>
+        </p:nvSpPr>
+        <p:spPr>
+          <a:xfrm flipV="true">
+            <a:off x="-254686" y="2391777"/>
+            <a:ext cx="18797372" cy="19050"/>
+          </a:xfrm>
+          <a:prstGeom prst="line">
+            <a:avLst/>
+          </a:prstGeom>
+          <a:ln cap="flat" w="38100">
+            <a:solidFill>
+              <a:srgbClr val="08316C"/>
+            </a:solidFill>
+            <a:prstDash val="solid"/>
+            <a:headEnd type="none" len="sm" w="sm"/>
+            <a:tailEnd type="none" len="sm" w="sm"/>
+          </a:ln>
+        </p:spPr>
+      </p:sp>
+      <p:sp>
+        <p:nvSpPr>
+          <p:cNvPr name="TextBox 15" id="15"/>
+          <p:cNvSpPr txBox="true"/>
+          <p:nvPr/>
+        </p:nvSpPr>
+        <p:spPr>
+          <a:xfrm rot="0">
+            <a:off x="1161363" y="5026164"/>
+            <a:ext cx="1383439" cy="406547"/>
+          </a:xfrm>
+          <a:prstGeom prst="rect">
+            <a:avLst/>
+          </a:prstGeom>
+        </p:spPr>
+        <p:txBody>
+          <a:bodyPr anchor="t" rtlCol="false" tIns="0" lIns="0" bIns="0" rIns="0">
+            <a:spAutoFit/>
+          </a:bodyPr>
+          <a:lstStyle/>
+          <a:p>
+            <a:pPr algn="ctr">
+              <a:lnSpc>
+                <a:spcPts val="3316"/>
+              </a:lnSpc>
+            </a:pPr>
+            <a:r>
+              <a:rPr lang="en-US" sz="2369" b="true">
+                <a:solidFill>
+                  <a:srgbClr val="FFFFFF"/>
+                </a:solidFill>
+                <a:latin typeface="Canva Sans Bold"/>
+                <a:ea typeface="Canva Sans Bold"/>
+                <a:cs typeface="Canva Sans Bold"/>
+                <a:sym typeface="Canva Sans Bold"/>
+              </a:rPr>
+              <a:t>members</a:t>
+            </a:r>
+          </a:p>
+        </p:txBody>
+      </p:sp>
+      <p:sp>
+        <p:nvSpPr>
+          <p:cNvPr name="TextBox 16" id="16"/>
+          <p:cNvSpPr txBox="true"/>
+          <p:nvPr/>
+        </p:nvSpPr>
+        <p:spPr>
+          <a:xfrm rot="0">
+            <a:off x="6437908" y="6364648"/>
+            <a:ext cx="3008365" cy="406547"/>
+          </a:xfrm>
+          <a:prstGeom prst="rect">
+            <a:avLst/>
+          </a:prstGeom>
+        </p:spPr>
+        <p:txBody>
+          <a:bodyPr anchor="t" rtlCol="false" tIns="0" lIns="0" bIns="0" rIns="0">
+            <a:spAutoFit/>
+          </a:bodyPr>
+          <a:lstStyle/>
+          <a:p>
+            <a:pPr algn="ctr">
+              <a:lnSpc>
+                <a:spcPts val="3316"/>
+              </a:lnSpc>
+            </a:pPr>
+            <a:r>
+              <a:rPr lang="en-US" sz="2369" b="true">
+                <a:solidFill>
+                  <a:srgbClr val="FFFFFF"/>
+                </a:solidFill>
+                <a:latin typeface="Canva Sans Bold"/>
+                <a:ea typeface="Canva Sans Bold"/>
+                <a:cs typeface="Canva Sans Bold"/>
+                <a:sym typeface="Canva Sans Bold"/>
+              </a:rPr>
+              <a:t>coding/presentation</a:t>
+            </a:r>
+          </a:p>
+        </p:txBody>
+      </p:sp>
+      <p:sp>
+        <p:nvSpPr>
+          <p:cNvPr name="TextBox 17" id="17"/>
+          <p:cNvSpPr txBox="true"/>
+          <p:nvPr/>
+        </p:nvSpPr>
+        <p:spPr>
+          <a:xfrm rot="0">
+            <a:off x="10083553" y="6364648"/>
+            <a:ext cx="3008365" cy="406547"/>
+          </a:xfrm>
+          <a:prstGeom prst="rect">
+            <a:avLst/>
+          </a:prstGeom>
+        </p:spPr>
+        <p:txBody>
+          <a:bodyPr anchor="t" rtlCol="false" tIns="0" lIns="0" bIns="0" rIns="0">
+            <a:spAutoFit/>
+          </a:bodyPr>
+          <a:lstStyle/>
+          <a:p>
+            <a:pPr algn="ctr">
+              <a:lnSpc>
+                <a:spcPts val="3316"/>
+              </a:lnSpc>
+            </a:pPr>
+            <a:r>
+              <a:rPr lang="en-US" sz="2369" b="true">
+                <a:solidFill>
+                  <a:srgbClr val="FFFFFF"/>
+                </a:solidFill>
+                <a:latin typeface="Canva Sans Bold"/>
+                <a:ea typeface="Canva Sans Bold"/>
+                <a:cs typeface="Canva Sans Bold"/>
+                <a:sym typeface="Canva Sans Bold"/>
+              </a:rPr>
+              <a:t>coding/presentation</a:t>
+            </a:r>
+          </a:p>
+        </p:txBody>
+      </p:sp>
+      <p:sp>
+        <p:nvSpPr>
+          <p:cNvPr name="TextBox 18" id="18"/>
+          <p:cNvSpPr txBox="true"/>
+          <p:nvPr/>
+        </p:nvSpPr>
+        <p:spPr>
+          <a:xfrm rot="0">
+            <a:off x="13769609" y="6364648"/>
+            <a:ext cx="3008365" cy="406547"/>
+          </a:xfrm>
+          <a:prstGeom prst="rect">
+            <a:avLst/>
+          </a:prstGeom>
+        </p:spPr>
+        <p:txBody>
+          <a:bodyPr anchor="t" rtlCol="false" tIns="0" lIns="0" bIns="0" rIns="0">
+            <a:spAutoFit/>
+          </a:bodyPr>
+          <a:lstStyle/>
+          <a:p>
+            <a:pPr algn="ctr">
+              <a:lnSpc>
+                <a:spcPts val="3316"/>
+              </a:lnSpc>
+            </a:pPr>
+            <a:r>
+              <a:rPr lang="en-US" sz="2369" b="true">
+                <a:solidFill>
+                  <a:srgbClr val="FFFFFF"/>
+                </a:solidFill>
+                <a:latin typeface="Canva Sans Bold"/>
+                <a:ea typeface="Canva Sans Bold"/>
+                <a:cs typeface="Canva Sans Bold"/>
+                <a:sym typeface="Canva Sans Bold"/>
+              </a:rPr>
+              <a:t>coding/presentation</a:t>
+            </a:r>
+          </a:p>
+        </p:txBody>
+      </p:sp>
+      <p:sp>
+        <p:nvSpPr>
+          <p:cNvPr name="TextBox 19" id="19"/>
+          <p:cNvSpPr txBox="true"/>
+          <p:nvPr/>
+        </p:nvSpPr>
+        <p:spPr>
+          <a:xfrm rot="0">
+            <a:off x="10993090" y="7484743"/>
+            <a:ext cx="1332864" cy="406547"/>
+          </a:xfrm>
+          <a:prstGeom prst="rect">
+            <a:avLst/>
+          </a:prstGeom>
+        </p:spPr>
+        <p:txBody>
+          <a:bodyPr anchor="t" rtlCol="false" tIns="0" lIns="0" bIns="0" rIns="0">
+            <a:spAutoFit/>
+          </a:bodyPr>
+          <a:lstStyle/>
+          <a:p>
+            <a:pPr algn="ctr">
+              <a:lnSpc>
+                <a:spcPts val="3316"/>
+              </a:lnSpc>
+            </a:pPr>
+            <a:r>
+              <a:rPr lang="en-US" sz="2369" b="true">
+                <a:solidFill>
+                  <a:srgbClr val="FFFFFF"/>
+                </a:solidFill>
+                <a:latin typeface="Canva Sans Bold"/>
+                <a:ea typeface="Canva Sans Bold"/>
+                <a:cs typeface="Canva Sans Bold"/>
+                <a:sym typeface="Canva Sans Bold"/>
+              </a:rPr>
+              <a:t>25%/25%</a:t>
+            </a:r>
+          </a:p>
+        </p:txBody>
+      </p:sp>
+      <p:sp>
+        <p:nvSpPr>
+          <p:cNvPr name="TextBox 20" id="20"/>
+          <p:cNvSpPr txBox="true"/>
+          <p:nvPr/>
+        </p:nvSpPr>
+        <p:spPr>
+          <a:xfrm rot="0">
+            <a:off x="14583380" y="7484743"/>
+            <a:ext cx="1332864" cy="406547"/>
+          </a:xfrm>
+          <a:prstGeom prst="rect">
+            <a:avLst/>
+          </a:prstGeom>
+        </p:spPr>
+        <p:txBody>
+          <a:bodyPr anchor="t" rtlCol="false" tIns="0" lIns="0" bIns="0" rIns="0">
+            <a:spAutoFit/>
+          </a:bodyPr>
+          <a:lstStyle/>
+          <a:p>
+            <a:pPr algn="ctr">
+              <a:lnSpc>
+                <a:spcPts val="3316"/>
+              </a:lnSpc>
+            </a:pPr>
+            <a:r>
+              <a:rPr lang="en-US" sz="2369" b="true">
+                <a:solidFill>
+                  <a:srgbClr val="FFFFFF"/>
+                </a:solidFill>
+                <a:latin typeface="Canva Sans Bold"/>
+                <a:ea typeface="Canva Sans Bold"/>
+                <a:cs typeface="Canva Sans Bold"/>
+                <a:sym typeface="Canva Sans Bold"/>
+              </a:rPr>
+              <a:t>25%/25%</a:t>
+            </a:r>
+          </a:p>
+        </p:txBody>
+      </p:sp>
+    </p:spTree>
+  </p:cSld>
+  <p:clrMapOvr>
+    <a:masterClrMapping/>
+  </p:clrMapOvr>
+</p:sld>
+</file>
+
+<file path=ppt/slides/slide23.xml><?xml version="1.0" encoding="utf-8"?>
 <p:sld xmlns:p="http://schemas.openxmlformats.org/presentationml/2006/main" xmlns:a="http://schemas.openxmlformats.org/drawingml/2006/main">
   <p:cSld>
     <p:spTree>
